--- a/Peth Finder.pptx
+++ b/Peth Finder.pptx
@@ -9,9 +9,13 @@
     <p:sldId id="261" r:id="rId3"/>
     <p:sldId id="262" r:id="rId4"/>
     <p:sldId id="260" r:id="rId5"/>
-    <p:sldId id="258" r:id="rId6"/>
-    <p:sldId id="257" r:id="rId7"/>
-    <p:sldId id="259" r:id="rId8"/>
+    <p:sldId id="263" r:id="rId6"/>
+    <p:sldId id="258" r:id="rId7"/>
+    <p:sldId id="266" r:id="rId8"/>
+    <p:sldId id="257" r:id="rId9"/>
+    <p:sldId id="264" r:id="rId10"/>
+    <p:sldId id="259" r:id="rId11"/>
+    <p:sldId id="265" r:id="rId12"/>
   </p:sldIdLst>
   <p:sldSz cx="12192000" cy="6858000"/>
   <p:notesSz cx="6858000" cy="9144000"/>
@@ -114,7 +118,7 @@
 </file>
 
 <file path=ppt/charts/chart1.xml><?xml version="1.0" encoding="utf-8"?>
-<c:chartSpace xmlns:c="http://schemas.openxmlformats.org/drawingml/2006/chart" xmlns:a="http://schemas.openxmlformats.org/drawingml/2006/main" xmlns:r="http://schemas.openxmlformats.org/officeDocument/2006/relationships" xmlns:c16r2="http://schemas.microsoft.com/office/drawing/2015/06/chart">
+<c:chartSpace xmlns:c="http://schemas.openxmlformats.org/drawingml/2006/chart" xmlns:a="http://schemas.openxmlformats.org/drawingml/2006/main" xmlns:r="http://schemas.openxmlformats.org/officeDocument/2006/relationships">
   <c:date1904 val="0"/>
   <c:lang val="pt-BR"/>
   <c:roundedCorners val="0"/>
@@ -153,6 +157,7 @@
           </a:p>
         </c:rich>
       </c:tx>
+      <c:layout/>
       <c:overlay val="0"/>
       <c:spPr>
         <a:noFill/>
@@ -161,26 +166,6 @@
         </a:ln>
         <a:effectLst/>
       </c:spPr>
-      <c:txPr>
-        <a:bodyPr rot="0" spcFirstLastPara="1" vertOverflow="ellipsis" vert="horz" wrap="square" anchor="ctr" anchorCtr="1"/>
-        <a:lstStyle/>
-        <a:p>
-          <a:pPr>
-            <a:defRPr sz="1400" b="0" i="0" u="none" strike="noStrike" kern="1200" spc="0" baseline="0">
-              <a:solidFill>
-                <a:schemeClr val="tx1">
-                  <a:lumMod val="65000"/>
-                  <a:lumOff val="35000"/>
-                </a:schemeClr>
-              </a:solidFill>
-              <a:latin typeface="+mn-lt"/>
-              <a:ea typeface="+mn-ea"/>
-              <a:cs typeface="+mn-cs"/>
-            </a:defRPr>
-          </a:pPr>
-          <a:endParaRPr lang="pt-BR"/>
-        </a:p>
-      </c:txPr>
     </c:title>
     <c:autoTitleDeleted val="0"/>
     <c:plotArea>
@@ -843,7 +828,7 @@
             </c:numRef>
           </c:yVal>
           <c:smooth val="0"/>
-          <c:extLst>
+          <c:extLst xmlns:c16r2="http://schemas.microsoft.com/office/drawing/2015/06/chart">
             <c:ext xmlns:c16="http://schemas.microsoft.com/office/drawing/2014/chart" uri="{C3380CC4-5D6E-409C-BE32-E72D297353CC}">
               <c16:uniqueId val="{00000000-1474-4AC6-B49E-3093F3EF2382}"/>
             </c:ext>
@@ -857,11 +842,11 @@
           <c:showPercent val="0"/>
           <c:showBubbleSize val="0"/>
         </c:dLbls>
-        <c:axId val="412053384"/>
-        <c:axId val="412046168"/>
+        <c:axId val="139112384"/>
+        <c:axId val="139112960"/>
       </c:scatterChart>
       <c:valAx>
-        <c:axId val="412053384"/>
+        <c:axId val="139112384"/>
         <c:scaling>
           <c:orientation val="minMax"/>
         </c:scaling>
@@ -918,12 +903,12 @@
             <a:endParaRPr lang="pt-BR"/>
           </a:p>
         </c:txPr>
-        <c:crossAx val="412046168"/>
+        <c:crossAx val="139112960"/>
         <c:crosses val="autoZero"/>
         <c:crossBetween val="midCat"/>
       </c:valAx>
       <c:valAx>
-        <c:axId val="412046168"/>
+        <c:axId val="139112960"/>
         <c:scaling>
           <c:orientation val="minMax"/>
         </c:scaling>
@@ -980,7 +965,7 @@
             <a:endParaRPr lang="pt-BR"/>
           </a:p>
         </c:txPr>
-        <c:crossAx val="412053384"/>
+        <c:crossAx val="139112384"/>
         <c:crosses val="autoZero"/>
         <c:crossBetween val="midCat"/>
       </c:valAx>
@@ -1013,14 +998,14 @@
       <a:endParaRPr lang="pt-BR"/>
     </a:p>
   </c:txPr>
-  <c:externalData r:id="rId3">
+  <c:externalData r:id="rId1">
     <c:autoUpdate val="0"/>
   </c:externalData>
 </c:chartSpace>
 </file>
 
 <file path=ppt/charts/chart2.xml><?xml version="1.0" encoding="utf-8"?>
-<c:chartSpace xmlns:c="http://schemas.openxmlformats.org/drawingml/2006/chart" xmlns:a="http://schemas.openxmlformats.org/drawingml/2006/main" xmlns:r="http://schemas.openxmlformats.org/officeDocument/2006/relationships" xmlns:c16r2="http://schemas.microsoft.com/office/drawing/2015/06/chart">
+<c:chartSpace xmlns:c="http://schemas.openxmlformats.org/drawingml/2006/chart" xmlns:a="http://schemas.openxmlformats.org/drawingml/2006/main" xmlns:r="http://schemas.openxmlformats.org/officeDocument/2006/relationships">
   <c:date1904 val="0"/>
   <c:lang val="pt-BR"/>
   <c:roundedCorners val="0"/>
@@ -1053,12 +1038,13 @@
               </a:defRPr>
             </a:pPr>
             <a:r>
-              <a:rPr lang="pt-BR"/>
-              <a:t>Iterações Calculados</a:t>
+              <a:rPr lang="en-US"/>
+              <a:t>100 Primeiros</a:t>
             </a:r>
           </a:p>
         </c:rich>
       </c:tx>
+      <c:layout/>
       <c:overlay val="0"/>
       <c:spPr>
         <a:noFill/>
@@ -1067,26 +1053,6 @@
         </a:ln>
         <a:effectLst/>
       </c:spPr>
-      <c:txPr>
-        <a:bodyPr rot="0" spcFirstLastPara="1" vertOverflow="ellipsis" vert="horz" wrap="square" anchor="ctr" anchorCtr="1"/>
-        <a:lstStyle/>
-        <a:p>
-          <a:pPr>
-            <a:defRPr sz="1400" b="0" i="0" u="none" strike="noStrike" kern="1200" spc="0" baseline="0">
-              <a:solidFill>
-                <a:schemeClr val="tx1">
-                  <a:lumMod val="65000"/>
-                  <a:lumOff val="35000"/>
-                </a:schemeClr>
-              </a:solidFill>
-              <a:latin typeface="+mn-lt"/>
-              <a:ea typeface="+mn-ea"/>
-              <a:cs typeface="+mn-cs"/>
-            </a:defRPr>
-          </a:pPr>
-          <a:endParaRPr lang="pt-BR"/>
-        </a:p>
-      </c:txPr>
     </c:title>
     <c:autoTitleDeleted val="0"/>
     <c:plotArea>
@@ -1130,21 +1096,6 @@
               <a:effectLst/>
             </c:spPr>
           </c:marker>
-          <c:trendline>
-            <c:spPr>
-              <a:ln w="19050" cap="rnd">
-                <a:solidFill>
-                  <a:schemeClr val="accent1"/>
-                </a:solidFill>
-                <a:prstDash val="sysDot"/>
-              </a:ln>
-              <a:effectLst/>
-            </c:spPr>
-            <c:trendlineType val="linear"/>
-            <c:forward val="2"/>
-            <c:dispRSqr val="0"/>
-            <c:dispEq val="0"/>
-          </c:trendline>
           <c:xVal>
             <c:numRef>
               <c:f>Planilha1!$A$2:$A$101</c:f>
@@ -1461,79 +1412,79 @@
                 <c:formatCode>General</c:formatCode>
                 <c:ptCount val="100"/>
                 <c:pt idx="0">
-                  <c:v>8</c:v>
+                  <c:v>2</c:v>
                 </c:pt>
                 <c:pt idx="1">
                   <c:v>2</c:v>
                 </c:pt>
                 <c:pt idx="2">
-                  <c:v>6</c:v>
+                  <c:v>2</c:v>
                 </c:pt>
                 <c:pt idx="3">
-                  <c:v>16</c:v>
+                  <c:v>2</c:v>
                 </c:pt>
                 <c:pt idx="4">
-                  <c:v>10</c:v>
+                  <c:v>2</c:v>
                 </c:pt>
                 <c:pt idx="5">
-                  <c:v>11</c:v>
+                  <c:v>3</c:v>
                 </c:pt>
                 <c:pt idx="6">
-                  <c:v>9</c:v>
+                  <c:v>3</c:v>
                 </c:pt>
                 <c:pt idx="7">
-                  <c:v>10</c:v>
+                  <c:v>3</c:v>
                 </c:pt>
                 <c:pt idx="8">
+                  <c:v>3</c:v>
+                </c:pt>
+                <c:pt idx="9">
+                  <c:v>3</c:v>
+                </c:pt>
+                <c:pt idx="10">
                   <c:v>4</c:v>
-                </c:pt>
-                <c:pt idx="9">
-                  <c:v>5</c:v>
-                </c:pt>
-                <c:pt idx="10">
-                  <c:v>14</c:v>
                 </c:pt>
                 <c:pt idx="11">
                   <c:v>4</c:v>
                 </c:pt>
                 <c:pt idx="12">
-                  <c:v>14</c:v>
+                  <c:v>4</c:v>
                 </c:pt>
                 <c:pt idx="13">
-                  <c:v>6</c:v>
+                  <c:v>4</c:v>
                 </c:pt>
                 <c:pt idx="14">
-                  <c:v>90</c:v>
+                  <c:v>4</c:v>
                 </c:pt>
                 <c:pt idx="15">
                   <c:v>4</c:v>
                 </c:pt>
                 <c:pt idx="16">
-                  <c:v>6</c:v>
+                  <c:v>4</c:v>
                 </c:pt>
                 <c:pt idx="17">
-                  <c:v>5</c:v>
+                  <c:v>4</c:v>
                 </c:pt>
                 <c:pt idx="18">
-                  <c:v>9</c:v>
+                  <c:v>4</c:v>
                 </c:pt>
                 <c:pt idx="19">
-                  <c:v>6</c:v>
+                  <c:v>4</c:v>
                 </c:pt>
                 <c:pt idx="20">
-                  <c:v>12</c:v>
+                  <c:v>4</c:v>
                 </c:pt>
                 <c:pt idx="21">
                   <c:v>4</c:v>
                 </c:pt>
                 <c:pt idx="22">
-                  <c:v>10</c:v>
+                  <c:v>4</c:v>
                 </c:pt>
                 <c:pt idx="23">
-                  <c:v>2</c:v>
+                  <c:v>5</c:v>
                 </c:pt>
                 <c:pt idx="24">
-                  <c:v>2</c:v>
+                  <c:v>5</c:v>
                 </c:pt>
                 <c:pt idx="25">
                   <c:v>5</c:v>
@@ -1545,889 +1496,228 @@
                   <c:v>5</c:v>
                 </c:pt>
                 <c:pt idx="28">
-                  <c:v>17</c:v>
+                  <c:v>5</c:v>
                 </c:pt>
                 <c:pt idx="29">
-                  <c:v>15</c:v>
+                  <c:v>5</c:v>
                 </c:pt>
                 <c:pt idx="30">
                   <c:v>5</c:v>
                 </c:pt>
                 <c:pt idx="31">
-                  <c:v>76</c:v>
+                  <c:v>5</c:v>
                 </c:pt>
                 <c:pt idx="32">
-                  <c:v>3</c:v>
+                  <c:v>5</c:v>
                 </c:pt>
                 <c:pt idx="33">
-                  <c:v>2</c:v>
+                  <c:v>5</c:v>
                 </c:pt>
                 <c:pt idx="34">
-                  <c:v>3</c:v>
+                  <c:v>5</c:v>
                 </c:pt>
                 <c:pt idx="35">
-                  <c:v>5</c:v>
+                  <c:v>6</c:v>
                 </c:pt>
                 <c:pt idx="36">
                   <c:v>6</c:v>
                 </c:pt>
                 <c:pt idx="37">
-                  <c:v>12</c:v>
+                  <c:v>6</c:v>
                 </c:pt>
                 <c:pt idx="38">
+                  <c:v>6</c:v>
+                </c:pt>
+                <c:pt idx="39">
+                  <c:v>6</c:v>
+                </c:pt>
+                <c:pt idx="40">
+                  <c:v>6</c:v>
+                </c:pt>
+                <c:pt idx="41">
+                  <c:v>6</c:v>
+                </c:pt>
+                <c:pt idx="42">
+                  <c:v>7</c:v>
+                </c:pt>
+                <c:pt idx="43">
+                  <c:v>7</c:v>
+                </c:pt>
+                <c:pt idx="44">
+                  <c:v>7</c:v>
+                </c:pt>
+                <c:pt idx="45">
+                  <c:v>7</c:v>
+                </c:pt>
+                <c:pt idx="46">
+                  <c:v>7</c:v>
+                </c:pt>
+                <c:pt idx="47">
+                  <c:v>7</c:v>
+                </c:pt>
+                <c:pt idx="48">
                   <c:v>8</c:v>
                 </c:pt>
-                <c:pt idx="39">
-                  <c:v>5</c:v>
-                </c:pt>
-                <c:pt idx="40">
-                  <c:v>19</c:v>
-                </c:pt>
-                <c:pt idx="41">
-                  <c:v>4</c:v>
-                </c:pt>
-                <c:pt idx="42">
-                  <c:v>130</c:v>
-                </c:pt>
-                <c:pt idx="43">
+                <c:pt idx="49">
                   <c:v>8</c:v>
                 </c:pt>
-                <c:pt idx="44">
-                  <c:v>50</c:v>
-                </c:pt>
-                <c:pt idx="45">
-                  <c:v>27</c:v>
-                </c:pt>
-                <c:pt idx="46">
-                  <c:v>23</c:v>
-                </c:pt>
-                <c:pt idx="47">
-                  <c:v>5</c:v>
-                </c:pt>
-                <c:pt idx="48">
-                  <c:v>7</c:v>
-                </c:pt>
-                <c:pt idx="49">
-                  <c:v>12</c:v>
-                </c:pt>
                 <c:pt idx="50">
-                  <c:v>2</c:v>
+                  <c:v>8</c:v>
                 </c:pt>
                 <c:pt idx="51">
-                  <c:v>3</c:v>
+                  <c:v>8</c:v>
                 </c:pt>
                 <c:pt idx="52">
-                  <c:v>5</c:v>
+                  <c:v>8</c:v>
                 </c:pt>
                 <c:pt idx="53">
-                  <c:v>10</c:v>
+                  <c:v>8</c:v>
                 </c:pt>
                 <c:pt idx="54">
-                  <c:v>13</c:v>
+                  <c:v>8</c:v>
                 </c:pt>
                 <c:pt idx="55">
                   <c:v>9</c:v>
                 </c:pt>
                 <c:pt idx="56">
-                  <c:v>7</c:v>
+                  <c:v>9</c:v>
                 </c:pt>
                 <c:pt idx="57">
-                  <c:v>8</c:v>
+                  <c:v>9</c:v>
                 </c:pt>
                 <c:pt idx="58">
-                  <c:v>7</c:v>
+                  <c:v>9</c:v>
                 </c:pt>
                 <c:pt idx="59">
-                  <c:v>3</c:v>
+                  <c:v>9</c:v>
                 </c:pt>
                 <c:pt idx="60">
-                  <c:v>13</c:v>
+                  <c:v>9</c:v>
                 </c:pt>
                 <c:pt idx="61">
-                  <c:v>16</c:v>
+                  <c:v>9</c:v>
                 </c:pt>
                 <c:pt idx="62">
+                  <c:v>9</c:v>
+                </c:pt>
+                <c:pt idx="63">
+                  <c:v>10</c:v>
+                </c:pt>
+                <c:pt idx="64">
+                  <c:v>10</c:v>
+                </c:pt>
+                <c:pt idx="65">
+                  <c:v>10</c:v>
+                </c:pt>
+                <c:pt idx="66">
+                  <c:v>10</c:v>
+                </c:pt>
+                <c:pt idx="67">
+                  <c:v>10</c:v>
+                </c:pt>
+                <c:pt idx="68">
+                  <c:v>11</c:v>
+                </c:pt>
+                <c:pt idx="69">
+                  <c:v>11</c:v>
+                </c:pt>
+                <c:pt idx="70">
+                  <c:v>11</c:v>
+                </c:pt>
+                <c:pt idx="71">
                   <c:v>12</c:v>
                 </c:pt>
-                <c:pt idx="63">
-                  <c:v>5</c:v>
-                </c:pt>
-                <c:pt idx="64">
-                  <c:v>6</c:v>
-                </c:pt>
-                <c:pt idx="65">
-                  <c:v>6</c:v>
-                </c:pt>
-                <c:pt idx="66">
-                  <c:v>17</c:v>
-                </c:pt>
-                <c:pt idx="67">
-                  <c:v>4</c:v>
-                </c:pt>
-                <c:pt idx="68">
-                  <c:v>4</c:v>
-                </c:pt>
-                <c:pt idx="69">
-                  <c:v>8</c:v>
-                </c:pt>
-                <c:pt idx="70">
-                  <c:v>7</c:v>
-                </c:pt>
-                <c:pt idx="71">
-                  <c:v>9</c:v>
-                </c:pt>
                 <c:pt idx="72">
-                  <c:v>8</c:v>
+                  <c:v>12</c:v>
                 </c:pt>
                 <c:pt idx="73">
-                  <c:v>4</c:v>
+                  <c:v>12</c:v>
                 </c:pt>
                 <c:pt idx="74">
-                  <c:v>9</c:v>
+                  <c:v>12</c:v>
                 </c:pt>
                 <c:pt idx="75">
-                  <c:v>14</c:v>
+                  <c:v>12</c:v>
                 </c:pt>
                 <c:pt idx="76">
-                  <c:v>9</c:v>
+                  <c:v>12</c:v>
                 </c:pt>
                 <c:pt idx="77">
                   <c:v>12</c:v>
                 </c:pt>
                 <c:pt idx="78">
-                  <c:v>7</c:v>
+                  <c:v>13</c:v>
                 </c:pt>
                 <c:pt idx="79">
                   <c:v>13</c:v>
                 </c:pt>
                 <c:pt idx="80">
-                  <c:v>4</c:v>
+                  <c:v>13</c:v>
                 </c:pt>
                 <c:pt idx="81">
-                  <c:v>12</c:v>
+                  <c:v>13</c:v>
                 </c:pt>
                 <c:pt idx="82">
-                  <c:v>12</c:v>
+                  <c:v>14</c:v>
                 </c:pt>
                 <c:pt idx="83">
-                  <c:v>4</c:v>
+                  <c:v>14</c:v>
                 </c:pt>
                 <c:pt idx="84">
+                  <c:v>14</c:v>
+                </c:pt>
+                <c:pt idx="85">
+                  <c:v>15</c:v>
+                </c:pt>
+                <c:pt idx="86">
                   <c:v>16</c:v>
                 </c:pt>
-                <c:pt idx="85">
-                  <c:v>8</c:v>
-                </c:pt>
-                <c:pt idx="86">
-                  <c:v>11</c:v>
-                </c:pt>
                 <c:pt idx="87">
-                  <c:v>4</c:v>
+                  <c:v>16</c:v>
                 </c:pt>
                 <c:pt idx="88">
-                  <c:v>11</c:v>
+                  <c:v>16</c:v>
                 </c:pt>
                 <c:pt idx="89">
-                  <c:v>5</c:v>
+                  <c:v>17</c:v>
                 </c:pt>
                 <c:pt idx="90">
-                  <c:v>9</c:v>
+                  <c:v>17</c:v>
                 </c:pt>
                 <c:pt idx="91">
                   <c:v>17</c:v>
                 </c:pt>
                 <c:pt idx="92">
-                  <c:v>4</c:v>
+                  <c:v>19</c:v>
                 </c:pt>
                 <c:pt idx="93">
-                  <c:v>13</c:v>
+                  <c:v>23</c:v>
                 </c:pt>
                 <c:pt idx="94">
-                  <c:v>7</c:v>
+                  <c:v>27</c:v>
                 </c:pt>
                 <c:pt idx="95">
-                  <c:v>9</c:v>
+                  <c:v>38</c:v>
                 </c:pt>
                 <c:pt idx="96">
-                  <c:v>10</c:v>
+                  <c:v>50</c:v>
                 </c:pt>
                 <c:pt idx="97">
-                  <c:v>38</c:v>
+                  <c:v>76</c:v>
                 </c:pt>
                 <c:pt idx="98">
-                  <c:v>3</c:v>
+                  <c:v>90</c:v>
                 </c:pt>
                 <c:pt idx="99">
-                  <c:v>4</c:v>
+                  <c:v>130</c:v>
                 </c:pt>
               </c:numCache>
             </c:numRef>
           </c:yVal>
           <c:smooth val="0"/>
-          <c:extLst>
+          <c:extLst xmlns:c16r2="http://schemas.microsoft.com/office/drawing/2015/06/chart">
             <c:ext xmlns:c16="http://schemas.microsoft.com/office/drawing/2014/chart" uri="{C3380CC4-5D6E-409C-BE32-E72D297353CC}">
-              <c16:uniqueId val="{00000000-A299-4BE3-849A-7D8C41AD5467}"/>
-            </c:ext>
-          </c:extLst>
-        </c:ser>
-        <c:ser>
-          <c:idx val="1"/>
-          <c:order val="1"/>
-          <c:tx>
-            <c:strRef>
-              <c:f>Planilha1!$C$1</c:f>
-              <c:strCache>
-                <c:ptCount val="1"/>
-                <c:pt idx="0">
-                  <c:v>Second 100</c:v>
-                </c:pt>
-              </c:strCache>
-            </c:strRef>
-          </c:tx>
-          <c:spPr>
-            <a:ln w="19050" cap="rnd">
-              <a:noFill/>
-              <a:round/>
-            </a:ln>
-            <a:effectLst/>
-          </c:spPr>
-          <c:marker>
-            <c:symbol val="circle"/>
-            <c:size val="5"/>
-            <c:spPr>
-              <a:solidFill>
-                <a:schemeClr val="accent2"/>
-              </a:solidFill>
-              <a:ln w="9525">
-                <a:solidFill>
-                  <a:schemeClr val="accent2"/>
-                </a:solidFill>
-              </a:ln>
-              <a:effectLst/>
-            </c:spPr>
-          </c:marker>
-          <c:xVal>
-            <c:numRef>
-              <c:f>Planilha1!$A$2:$A$101</c:f>
-              <c:numCache>
-                <c:formatCode>General</c:formatCode>
-                <c:ptCount val="100"/>
-                <c:pt idx="0">
-                  <c:v>1</c:v>
-                </c:pt>
-                <c:pt idx="1">
-                  <c:v>2</c:v>
-                </c:pt>
-                <c:pt idx="2">
-                  <c:v>3</c:v>
-                </c:pt>
-                <c:pt idx="3">
-                  <c:v>4</c:v>
-                </c:pt>
-                <c:pt idx="4">
-                  <c:v>5</c:v>
-                </c:pt>
-                <c:pt idx="5">
-                  <c:v>6</c:v>
-                </c:pt>
-                <c:pt idx="6">
-                  <c:v>7</c:v>
-                </c:pt>
-                <c:pt idx="7">
-                  <c:v>8</c:v>
-                </c:pt>
-                <c:pt idx="8">
-                  <c:v>9</c:v>
-                </c:pt>
-                <c:pt idx="9">
-                  <c:v>10</c:v>
-                </c:pt>
-                <c:pt idx="10">
-                  <c:v>11</c:v>
-                </c:pt>
-                <c:pt idx="11">
-                  <c:v>12</c:v>
-                </c:pt>
-                <c:pt idx="12">
-                  <c:v>13</c:v>
-                </c:pt>
-                <c:pt idx="13">
-                  <c:v>14</c:v>
-                </c:pt>
-                <c:pt idx="14">
-                  <c:v>15</c:v>
-                </c:pt>
-                <c:pt idx="15">
-                  <c:v>16</c:v>
-                </c:pt>
-                <c:pt idx="16">
-                  <c:v>17</c:v>
-                </c:pt>
-                <c:pt idx="17">
-                  <c:v>18</c:v>
-                </c:pt>
-                <c:pt idx="18">
-                  <c:v>19</c:v>
-                </c:pt>
-                <c:pt idx="19">
-                  <c:v>20</c:v>
-                </c:pt>
-                <c:pt idx="20">
-                  <c:v>21</c:v>
-                </c:pt>
-                <c:pt idx="21">
-                  <c:v>22</c:v>
-                </c:pt>
-                <c:pt idx="22">
-                  <c:v>23</c:v>
-                </c:pt>
-                <c:pt idx="23">
-                  <c:v>24</c:v>
-                </c:pt>
-                <c:pt idx="24">
-                  <c:v>25</c:v>
-                </c:pt>
-                <c:pt idx="25">
-                  <c:v>26</c:v>
-                </c:pt>
-                <c:pt idx="26">
-                  <c:v>27</c:v>
-                </c:pt>
-                <c:pt idx="27">
-                  <c:v>28</c:v>
-                </c:pt>
-                <c:pt idx="28">
-                  <c:v>29</c:v>
-                </c:pt>
-                <c:pt idx="29">
-                  <c:v>30</c:v>
-                </c:pt>
-                <c:pt idx="30">
-                  <c:v>31</c:v>
-                </c:pt>
-                <c:pt idx="31">
-                  <c:v>32</c:v>
-                </c:pt>
-                <c:pt idx="32">
-                  <c:v>33</c:v>
-                </c:pt>
-                <c:pt idx="33">
-                  <c:v>34</c:v>
-                </c:pt>
-                <c:pt idx="34">
-                  <c:v>35</c:v>
-                </c:pt>
-                <c:pt idx="35">
-                  <c:v>36</c:v>
-                </c:pt>
-                <c:pt idx="36">
-                  <c:v>37</c:v>
-                </c:pt>
-                <c:pt idx="37">
-                  <c:v>38</c:v>
-                </c:pt>
-                <c:pt idx="38">
-                  <c:v>39</c:v>
-                </c:pt>
-                <c:pt idx="39">
-                  <c:v>40</c:v>
-                </c:pt>
-                <c:pt idx="40">
-                  <c:v>41</c:v>
-                </c:pt>
-                <c:pt idx="41">
-                  <c:v>42</c:v>
-                </c:pt>
-                <c:pt idx="42">
-                  <c:v>43</c:v>
-                </c:pt>
-                <c:pt idx="43">
-                  <c:v>44</c:v>
-                </c:pt>
-                <c:pt idx="44">
-                  <c:v>45</c:v>
-                </c:pt>
-                <c:pt idx="45">
-                  <c:v>46</c:v>
-                </c:pt>
-                <c:pt idx="46">
-                  <c:v>47</c:v>
-                </c:pt>
-                <c:pt idx="47">
-                  <c:v>48</c:v>
-                </c:pt>
-                <c:pt idx="48">
-                  <c:v>49</c:v>
-                </c:pt>
-                <c:pt idx="49">
-                  <c:v>50</c:v>
-                </c:pt>
-                <c:pt idx="50">
-                  <c:v>51</c:v>
-                </c:pt>
-                <c:pt idx="51">
-                  <c:v>52</c:v>
-                </c:pt>
-                <c:pt idx="52">
-                  <c:v>53</c:v>
-                </c:pt>
-                <c:pt idx="53">
-                  <c:v>54</c:v>
-                </c:pt>
-                <c:pt idx="54">
-                  <c:v>55</c:v>
-                </c:pt>
-                <c:pt idx="55">
-                  <c:v>56</c:v>
-                </c:pt>
-                <c:pt idx="56">
-                  <c:v>57</c:v>
-                </c:pt>
-                <c:pt idx="57">
-                  <c:v>58</c:v>
-                </c:pt>
-                <c:pt idx="58">
-                  <c:v>59</c:v>
-                </c:pt>
-                <c:pt idx="59">
-                  <c:v>60</c:v>
-                </c:pt>
-                <c:pt idx="60">
-                  <c:v>61</c:v>
-                </c:pt>
-                <c:pt idx="61">
-                  <c:v>62</c:v>
-                </c:pt>
-                <c:pt idx="62">
-                  <c:v>63</c:v>
-                </c:pt>
-                <c:pt idx="63">
-                  <c:v>64</c:v>
-                </c:pt>
-                <c:pt idx="64">
-                  <c:v>65</c:v>
-                </c:pt>
-                <c:pt idx="65">
-                  <c:v>66</c:v>
-                </c:pt>
-                <c:pt idx="66">
-                  <c:v>67</c:v>
-                </c:pt>
-                <c:pt idx="67">
-                  <c:v>68</c:v>
-                </c:pt>
-                <c:pt idx="68">
-                  <c:v>69</c:v>
-                </c:pt>
-                <c:pt idx="69">
-                  <c:v>70</c:v>
-                </c:pt>
-                <c:pt idx="70">
-                  <c:v>71</c:v>
-                </c:pt>
-                <c:pt idx="71">
-                  <c:v>72</c:v>
-                </c:pt>
-                <c:pt idx="72">
-                  <c:v>73</c:v>
-                </c:pt>
-                <c:pt idx="73">
-                  <c:v>74</c:v>
-                </c:pt>
-                <c:pt idx="74">
-                  <c:v>75</c:v>
-                </c:pt>
-                <c:pt idx="75">
-                  <c:v>76</c:v>
-                </c:pt>
-                <c:pt idx="76">
-                  <c:v>77</c:v>
-                </c:pt>
-                <c:pt idx="77">
-                  <c:v>78</c:v>
-                </c:pt>
-                <c:pt idx="78">
-                  <c:v>79</c:v>
-                </c:pt>
-                <c:pt idx="79">
-                  <c:v>80</c:v>
-                </c:pt>
-                <c:pt idx="80">
-                  <c:v>81</c:v>
-                </c:pt>
-                <c:pt idx="81">
-                  <c:v>82</c:v>
-                </c:pt>
-                <c:pt idx="82">
-                  <c:v>83</c:v>
-                </c:pt>
-                <c:pt idx="83">
-                  <c:v>84</c:v>
-                </c:pt>
-                <c:pt idx="84">
-                  <c:v>85</c:v>
-                </c:pt>
-                <c:pt idx="85">
-                  <c:v>86</c:v>
-                </c:pt>
-                <c:pt idx="86">
-                  <c:v>87</c:v>
-                </c:pt>
-                <c:pt idx="87">
-                  <c:v>88</c:v>
-                </c:pt>
-                <c:pt idx="88">
-                  <c:v>89</c:v>
-                </c:pt>
-                <c:pt idx="89">
-                  <c:v>90</c:v>
-                </c:pt>
-                <c:pt idx="90">
-                  <c:v>91</c:v>
-                </c:pt>
-                <c:pt idx="91">
-                  <c:v>92</c:v>
-                </c:pt>
-                <c:pt idx="92">
-                  <c:v>93</c:v>
-                </c:pt>
-                <c:pt idx="93">
-                  <c:v>94</c:v>
-                </c:pt>
-                <c:pt idx="94">
-                  <c:v>95</c:v>
-                </c:pt>
-                <c:pt idx="95">
-                  <c:v>96</c:v>
-                </c:pt>
-                <c:pt idx="96">
-                  <c:v>97</c:v>
-                </c:pt>
-                <c:pt idx="97">
-                  <c:v>98</c:v>
-                </c:pt>
-                <c:pt idx="98">
-                  <c:v>99</c:v>
-                </c:pt>
-                <c:pt idx="99">
-                  <c:v>100</c:v>
-                </c:pt>
-              </c:numCache>
-            </c:numRef>
-          </c:xVal>
-          <c:yVal>
-            <c:numRef>
-              <c:f>Planilha1!$C$2:$C$101</c:f>
-              <c:numCache>
-                <c:formatCode>General</c:formatCode>
-                <c:ptCount val="100"/>
-                <c:pt idx="0">
-                  <c:v>12</c:v>
-                </c:pt>
-                <c:pt idx="1">
-                  <c:v>4</c:v>
-                </c:pt>
-                <c:pt idx="2">
-                  <c:v>12</c:v>
-                </c:pt>
-                <c:pt idx="3">
-                  <c:v>15</c:v>
-                </c:pt>
-                <c:pt idx="4">
-                  <c:v>4</c:v>
-                </c:pt>
-                <c:pt idx="5">
-                  <c:v>11</c:v>
-                </c:pt>
-                <c:pt idx="6">
-                  <c:v>10</c:v>
-                </c:pt>
-                <c:pt idx="7">
-                  <c:v>4</c:v>
-                </c:pt>
-                <c:pt idx="8">
-                  <c:v>5</c:v>
-                </c:pt>
-                <c:pt idx="9">
-                  <c:v>3</c:v>
-                </c:pt>
-                <c:pt idx="10">
-                  <c:v>7</c:v>
-                </c:pt>
-                <c:pt idx="11">
-                  <c:v>13</c:v>
-                </c:pt>
-                <c:pt idx="12">
-                  <c:v>15</c:v>
-                </c:pt>
-                <c:pt idx="13">
-                  <c:v>12</c:v>
-                </c:pt>
-                <c:pt idx="14">
-                  <c:v>8</c:v>
-                </c:pt>
-                <c:pt idx="15">
-                  <c:v>17</c:v>
-                </c:pt>
-                <c:pt idx="16">
-                  <c:v>9</c:v>
-                </c:pt>
-                <c:pt idx="17">
-                  <c:v>3</c:v>
-                </c:pt>
-                <c:pt idx="18">
-                  <c:v>57</c:v>
-                </c:pt>
-                <c:pt idx="19">
-                  <c:v>2</c:v>
-                </c:pt>
-                <c:pt idx="20">
-                  <c:v>7</c:v>
-                </c:pt>
-                <c:pt idx="21">
-                  <c:v>13</c:v>
-                </c:pt>
-                <c:pt idx="22">
-                  <c:v>5</c:v>
-                </c:pt>
-                <c:pt idx="23">
-                  <c:v>9</c:v>
-                </c:pt>
-                <c:pt idx="24">
-                  <c:v>11</c:v>
-                </c:pt>
-                <c:pt idx="25">
-                  <c:v>2</c:v>
-                </c:pt>
-                <c:pt idx="26">
-                  <c:v>6</c:v>
-                </c:pt>
-                <c:pt idx="27">
-                  <c:v>16</c:v>
-                </c:pt>
-                <c:pt idx="28">
-                  <c:v>17</c:v>
-                </c:pt>
-                <c:pt idx="29">
-                  <c:v>3</c:v>
-                </c:pt>
-                <c:pt idx="30">
-                  <c:v>4</c:v>
-                </c:pt>
-                <c:pt idx="31">
-                  <c:v>11</c:v>
-                </c:pt>
-                <c:pt idx="32">
-                  <c:v>15</c:v>
-                </c:pt>
-                <c:pt idx="33">
-                  <c:v>12</c:v>
-                </c:pt>
-                <c:pt idx="34">
-                  <c:v>37</c:v>
-                </c:pt>
-                <c:pt idx="35">
-                  <c:v>2</c:v>
-                </c:pt>
-                <c:pt idx="36">
-                  <c:v>10</c:v>
-                </c:pt>
-                <c:pt idx="37">
-                  <c:v>2</c:v>
-                </c:pt>
-                <c:pt idx="38">
-                  <c:v>14</c:v>
-                </c:pt>
-                <c:pt idx="39">
-                  <c:v>6</c:v>
-                </c:pt>
-                <c:pt idx="40">
-                  <c:v>4</c:v>
-                </c:pt>
-                <c:pt idx="41">
-                  <c:v>4</c:v>
-                </c:pt>
-                <c:pt idx="42">
-                  <c:v>6</c:v>
-                </c:pt>
-                <c:pt idx="43">
-                  <c:v>12</c:v>
-                </c:pt>
-                <c:pt idx="44">
-                  <c:v>5</c:v>
-                </c:pt>
-                <c:pt idx="45">
-                  <c:v>4</c:v>
-                </c:pt>
-                <c:pt idx="46">
-                  <c:v>9</c:v>
-                </c:pt>
-                <c:pt idx="47">
-                  <c:v>7</c:v>
-                </c:pt>
-                <c:pt idx="48">
-                  <c:v>25</c:v>
-                </c:pt>
-                <c:pt idx="49">
-                  <c:v>10</c:v>
-                </c:pt>
-                <c:pt idx="50">
-                  <c:v>10</c:v>
-                </c:pt>
-                <c:pt idx="51">
-                  <c:v>4</c:v>
-                </c:pt>
-                <c:pt idx="52">
-                  <c:v>4</c:v>
-                </c:pt>
-                <c:pt idx="53">
-                  <c:v>6</c:v>
-                </c:pt>
-                <c:pt idx="54">
-                  <c:v>8</c:v>
-                </c:pt>
-                <c:pt idx="55">
-                  <c:v>7</c:v>
-                </c:pt>
-                <c:pt idx="56">
-                  <c:v>6</c:v>
-                </c:pt>
-                <c:pt idx="57">
-                  <c:v>37</c:v>
-                </c:pt>
-                <c:pt idx="58">
-                  <c:v>14</c:v>
-                </c:pt>
-                <c:pt idx="59">
-                  <c:v>2</c:v>
-                </c:pt>
-                <c:pt idx="60">
-                  <c:v>8</c:v>
-                </c:pt>
-                <c:pt idx="61">
-                  <c:v>7</c:v>
-                </c:pt>
-                <c:pt idx="62">
-                  <c:v>8</c:v>
-                </c:pt>
-                <c:pt idx="63">
-                  <c:v>9</c:v>
-                </c:pt>
-                <c:pt idx="64">
-                  <c:v>7</c:v>
-                </c:pt>
-                <c:pt idx="65">
-                  <c:v>12</c:v>
-                </c:pt>
-                <c:pt idx="66">
-                  <c:v>10</c:v>
-                </c:pt>
-                <c:pt idx="67">
-                  <c:v>118</c:v>
-                </c:pt>
-                <c:pt idx="68">
-                  <c:v>8</c:v>
-                </c:pt>
-                <c:pt idx="69">
-                  <c:v>7</c:v>
-                </c:pt>
-                <c:pt idx="70">
-                  <c:v>6</c:v>
-                </c:pt>
-                <c:pt idx="71">
-                  <c:v>5</c:v>
-                </c:pt>
-                <c:pt idx="72">
-                  <c:v>7</c:v>
-                </c:pt>
-                <c:pt idx="73">
-                  <c:v>5</c:v>
-                </c:pt>
-                <c:pt idx="74">
-                  <c:v>6</c:v>
-                </c:pt>
-                <c:pt idx="75">
-                  <c:v>5</c:v>
-                </c:pt>
-                <c:pt idx="76">
-                  <c:v>22</c:v>
-                </c:pt>
-                <c:pt idx="77">
-                  <c:v>12</c:v>
-                </c:pt>
-                <c:pt idx="78">
-                  <c:v>15</c:v>
-                </c:pt>
-                <c:pt idx="79">
-                  <c:v>7</c:v>
-                </c:pt>
-                <c:pt idx="80">
-                  <c:v>9</c:v>
-                </c:pt>
-                <c:pt idx="81">
-                  <c:v>9</c:v>
-                </c:pt>
-                <c:pt idx="82">
-                  <c:v>10</c:v>
-                </c:pt>
-                <c:pt idx="83">
-                  <c:v>13</c:v>
-                </c:pt>
-                <c:pt idx="84">
-                  <c:v>11</c:v>
-                </c:pt>
-                <c:pt idx="85">
-                  <c:v>10</c:v>
-                </c:pt>
-                <c:pt idx="86">
-                  <c:v>9</c:v>
-                </c:pt>
-                <c:pt idx="87">
-                  <c:v>3</c:v>
-                </c:pt>
-                <c:pt idx="88">
-                  <c:v>9</c:v>
-                </c:pt>
-                <c:pt idx="89">
-                  <c:v>4</c:v>
-                </c:pt>
-                <c:pt idx="90">
-                  <c:v>17</c:v>
-                </c:pt>
-                <c:pt idx="91">
-                  <c:v>12</c:v>
-                </c:pt>
-                <c:pt idx="92">
-                  <c:v>9</c:v>
-                </c:pt>
-                <c:pt idx="93">
-                  <c:v>6</c:v>
-                </c:pt>
-                <c:pt idx="94">
-                  <c:v>5</c:v>
-                </c:pt>
-                <c:pt idx="95">
-                  <c:v>7</c:v>
-                </c:pt>
-                <c:pt idx="96">
-                  <c:v>3</c:v>
-                </c:pt>
-                <c:pt idx="97">
-                  <c:v>10</c:v>
-                </c:pt>
-                <c:pt idx="98">
-                  <c:v>5</c:v>
-                </c:pt>
-                <c:pt idx="99">
-                  <c:v>12</c:v>
-                </c:pt>
-              </c:numCache>
-            </c:numRef>
-          </c:yVal>
-          <c:smooth val="0"/>
-          <c:extLst>
-            <c:ext xmlns:c16="http://schemas.microsoft.com/office/drawing/2014/chart" uri="{C3380CC4-5D6E-409C-BE32-E72D297353CC}">
-              <c16:uniqueId val="{00000001-A299-4BE3-849A-7D8C41AD5467}"/>
+              <c16:uniqueId val="{00000000-63DE-49E5-A858-E42326179D40}"/>
             </c:ext>
           </c:extLst>
         </c:ser>
@@ -2439,11 +1729,11 @@
           <c:showPercent val="0"/>
           <c:showBubbleSize val="0"/>
         </c:dLbls>
-        <c:axId val="405059976"/>
-        <c:axId val="405049808"/>
+        <c:axId val="25058048"/>
+        <c:axId val="25058624"/>
       </c:scatterChart>
       <c:valAx>
-        <c:axId val="405059976"/>
+        <c:axId val="25058048"/>
         <c:scaling>
           <c:orientation val="minMax"/>
         </c:scaling>
@@ -2500,12 +1790,12 @@
             <a:endParaRPr lang="pt-BR"/>
           </a:p>
         </c:txPr>
-        <c:crossAx val="405049808"/>
+        <c:crossAx val="25058624"/>
         <c:crosses val="autoZero"/>
         <c:crossBetween val="midCat"/>
       </c:valAx>
       <c:valAx>
-        <c:axId val="405049808"/>
+        <c:axId val="25058624"/>
         <c:scaling>
           <c:orientation val="minMax"/>
         </c:scaling>
@@ -2562,7 +1852,7 @@
             <a:endParaRPr lang="pt-BR"/>
           </a:p>
         </c:txPr>
-        <c:crossAx val="405059976"/>
+        <c:crossAx val="25058048"/>
         <c:crosses val="autoZero"/>
         <c:crossBetween val="midCat"/>
       </c:valAx>
@@ -2574,45 +1864,22 @@
         <a:effectLst/>
       </c:spPr>
     </c:plotArea>
-    <c:legend>
-      <c:legendPos val="b"/>
-      <c:overlay val="0"/>
-      <c:spPr>
-        <a:noFill/>
-        <a:ln>
-          <a:noFill/>
-        </a:ln>
-        <a:effectLst/>
-      </c:spPr>
-      <c:txPr>
-        <a:bodyPr rot="0" spcFirstLastPara="1" vertOverflow="ellipsis" vert="horz" wrap="square" anchor="ctr" anchorCtr="1"/>
-        <a:lstStyle/>
-        <a:p>
-          <a:pPr>
-            <a:defRPr sz="900" b="0" i="0" u="none" strike="noStrike" kern="1200" baseline="0">
-              <a:solidFill>
-                <a:schemeClr val="tx1">
-                  <a:lumMod val="65000"/>
-                  <a:lumOff val="35000"/>
-                </a:schemeClr>
-              </a:solidFill>
-              <a:latin typeface="+mn-lt"/>
-              <a:ea typeface="+mn-ea"/>
-              <a:cs typeface="+mn-cs"/>
-            </a:defRPr>
-          </a:pPr>
-          <a:endParaRPr lang="pt-BR"/>
-        </a:p>
-      </c:txPr>
-    </c:legend>
     <c:plotVisOnly val="1"/>
     <c:dispBlanksAs val="gap"/>
     <c:showDLblsOverMax val="0"/>
   </c:chart>
   <c:spPr>
-    <a:noFill/>
-    <a:ln>
-      <a:noFill/>
+    <a:solidFill>
+      <a:schemeClr val="bg1"/>
+    </a:solidFill>
+    <a:ln w="9525" cap="flat" cmpd="sng" algn="ctr">
+      <a:solidFill>
+        <a:schemeClr val="tx1">
+          <a:lumMod val="15000"/>
+          <a:lumOff val="85000"/>
+        </a:schemeClr>
+      </a:solidFill>
+      <a:round/>
     </a:ln>
     <a:effectLst/>
   </c:spPr>
@@ -2626,14 +1893,14 @@
       <a:endParaRPr lang="pt-BR"/>
     </a:p>
   </c:txPr>
-  <c:externalData r:id="rId3">
+  <c:externalData r:id="rId1">
     <c:autoUpdate val="0"/>
   </c:externalData>
 </c:chartSpace>
 </file>
 
 <file path=ppt/charts/chart3.xml><?xml version="1.0" encoding="utf-8"?>
-<c:chartSpace xmlns:c="http://schemas.openxmlformats.org/drawingml/2006/chart" xmlns:a="http://schemas.openxmlformats.org/drawingml/2006/main" xmlns:r="http://schemas.openxmlformats.org/officeDocument/2006/relationships" xmlns:c16r2="http://schemas.microsoft.com/office/drawing/2015/06/chart">
+<c:chartSpace xmlns:c="http://schemas.openxmlformats.org/drawingml/2006/chart" xmlns:a="http://schemas.openxmlformats.org/drawingml/2006/main" xmlns:r="http://schemas.openxmlformats.org/officeDocument/2006/relationships">
   <c:date1904 val="0"/>
   <c:lang val="pt-BR"/>
   <c:roundedCorners val="0"/>
@@ -2667,11 +1934,12 @@
             </a:pPr>
             <a:r>
               <a:rPr lang="pt-BR"/>
-              <a:t>Calculados x Simulados</a:t>
+              <a:t>Iterações Calculados</a:t>
             </a:r>
           </a:p>
         </c:rich>
       </c:tx>
+      <c:layout/>
       <c:overlay val="0"/>
       <c:spPr>
         <a:noFill/>
@@ -2680,26 +1948,6 @@
         </a:ln>
         <a:effectLst/>
       </c:spPr>
-      <c:txPr>
-        <a:bodyPr rot="0" spcFirstLastPara="1" vertOverflow="ellipsis" vert="horz" wrap="square" anchor="ctr" anchorCtr="1"/>
-        <a:lstStyle/>
-        <a:p>
-          <a:pPr>
-            <a:defRPr sz="1400" b="0" i="0" u="none" strike="noStrike" kern="1200" spc="0" baseline="0">
-              <a:solidFill>
-                <a:schemeClr val="tx1">
-                  <a:lumMod val="65000"/>
-                  <a:lumOff val="35000"/>
-                </a:schemeClr>
-              </a:solidFill>
-              <a:latin typeface="+mn-lt"/>
-              <a:ea typeface="+mn-ea"/>
-              <a:cs typeface="+mn-cs"/>
-            </a:defRPr>
-          </a:pPr>
-          <a:endParaRPr lang="pt-BR"/>
-        </a:p>
-      </c:txPr>
     </c:title>
     <c:autoTitleDeleted val="0"/>
     <c:plotArea>
@@ -2712,11 +1960,11 @@
           <c:order val="0"/>
           <c:tx>
             <c:strRef>
-              <c:f>Planilha1!$R$1</c:f>
+              <c:f>Planilha1!$B$1</c:f>
               <c:strCache>
                 <c:ptCount val="1"/>
                 <c:pt idx="0">
-                  <c:v>Second 100</c:v>
+                  <c:v>First 100</c:v>
                 </c:pt>
               </c:strCache>
             </c:strRef>
@@ -2743,12 +1991,27 @@
               <a:effectLst/>
             </c:spPr>
           </c:marker>
+          <c:trendline>
+            <c:spPr>
+              <a:ln w="19050" cap="rnd">
+                <a:solidFill>
+                  <a:schemeClr val="accent1"/>
+                </a:solidFill>
+                <a:prstDash val="sysDot"/>
+              </a:ln>
+              <a:effectLst/>
+            </c:spPr>
+            <c:trendlineType val="linear"/>
+            <c:forward val="2"/>
+            <c:dispRSqr val="0"/>
+            <c:dispEq val="0"/>
+          </c:trendline>
           <c:xVal>
             <c:numRef>
-              <c:f>Planilha1!$Q$2:$Q$132</c:f>
+              <c:f>Planilha1!$A$2:$A$101</c:f>
               <c:numCache>
                 <c:formatCode>General</c:formatCode>
-                <c:ptCount val="131"/>
+                <c:ptCount val="100"/>
                 <c:pt idx="0">
                   <c:v>1</c:v>
                 </c:pt>
@@ -3054,317 +2317,317 @@
           </c:xVal>
           <c:yVal>
             <c:numRef>
-              <c:f>Planilha1!$R$2:$R$132</c:f>
+              <c:f>Planilha1!$B$2:$B$101</c:f>
               <c:numCache>
                 <c:formatCode>General</c:formatCode>
-                <c:ptCount val="131"/>
+                <c:ptCount val="100"/>
                 <c:pt idx="0">
-                  <c:v>12</c:v>
+                  <c:v>8</c:v>
                 </c:pt>
                 <c:pt idx="1">
-                  <c:v>4</c:v>
+                  <c:v>2</c:v>
                 </c:pt>
                 <c:pt idx="2">
-                  <c:v>12</c:v>
+                  <c:v>6</c:v>
                 </c:pt>
                 <c:pt idx="3">
-                  <c:v>15</c:v>
+                  <c:v>16</c:v>
                 </c:pt>
                 <c:pt idx="4">
-                  <c:v>4</c:v>
+                  <c:v>10</c:v>
                 </c:pt>
                 <c:pt idx="5">
                   <c:v>11</c:v>
                 </c:pt>
                 <c:pt idx="6">
+                  <c:v>9</c:v>
+                </c:pt>
+                <c:pt idx="7">
                   <c:v>10</c:v>
                 </c:pt>
-                <c:pt idx="7">
+                <c:pt idx="8">
                   <c:v>4</c:v>
                 </c:pt>
-                <c:pt idx="8">
+                <c:pt idx="9">
                   <c:v>5</c:v>
                 </c:pt>
-                <c:pt idx="9">
-                  <c:v>3</c:v>
-                </c:pt>
                 <c:pt idx="10">
-                  <c:v>7</c:v>
+                  <c:v>14</c:v>
                 </c:pt>
                 <c:pt idx="11">
-                  <c:v>13</c:v>
+                  <c:v>4</c:v>
                 </c:pt>
                 <c:pt idx="12">
-                  <c:v>15</c:v>
+                  <c:v>14</c:v>
                 </c:pt>
                 <c:pt idx="13">
+                  <c:v>6</c:v>
+                </c:pt>
+                <c:pt idx="14">
+                  <c:v>90</c:v>
+                </c:pt>
+                <c:pt idx="15">
+                  <c:v>4</c:v>
+                </c:pt>
+                <c:pt idx="16">
+                  <c:v>6</c:v>
+                </c:pt>
+                <c:pt idx="17">
+                  <c:v>5</c:v>
+                </c:pt>
+                <c:pt idx="18">
+                  <c:v>9</c:v>
+                </c:pt>
+                <c:pt idx="19">
+                  <c:v>6</c:v>
+                </c:pt>
+                <c:pt idx="20">
                   <c:v>12</c:v>
                 </c:pt>
-                <c:pt idx="14">
-                  <c:v>8</c:v>
-                </c:pt>
-                <c:pt idx="15">
-                  <c:v>17</c:v>
-                </c:pt>
-                <c:pt idx="16">
-                  <c:v>9</c:v>
-                </c:pt>
-                <c:pt idx="17">
-                  <c:v>3</c:v>
-                </c:pt>
-                <c:pt idx="18">
-                  <c:v>57</c:v>
-                </c:pt>
-                <c:pt idx="19">
+                <c:pt idx="21">
+                  <c:v>4</c:v>
+                </c:pt>
+                <c:pt idx="22">
+                  <c:v>10</c:v>
+                </c:pt>
+                <c:pt idx="23">
                   <c:v>2</c:v>
                 </c:pt>
-                <c:pt idx="20">
-                  <c:v>7</c:v>
-                </c:pt>
-                <c:pt idx="21">
-                  <c:v>13</c:v>
-                </c:pt>
-                <c:pt idx="22">
+                <c:pt idx="24">
+                  <c:v>2</c:v>
+                </c:pt>
+                <c:pt idx="25">
                   <c:v>5</c:v>
                 </c:pt>
-                <c:pt idx="23">
-                  <c:v>9</c:v>
-                </c:pt>
-                <c:pt idx="24">
-                  <c:v>11</c:v>
-                </c:pt>
-                <c:pt idx="25">
-                  <c:v>2</c:v>
-                </c:pt>
                 <c:pt idx="26">
-                  <c:v>6</c:v>
+                  <c:v>5</c:v>
                 </c:pt>
                 <c:pt idx="27">
-                  <c:v>16</c:v>
+                  <c:v>5</c:v>
                 </c:pt>
                 <c:pt idx="28">
                   <c:v>17</c:v>
                 </c:pt>
                 <c:pt idx="29">
+                  <c:v>15</c:v>
+                </c:pt>
+                <c:pt idx="30">
+                  <c:v>5</c:v>
+                </c:pt>
+                <c:pt idx="31">
+                  <c:v>76</c:v>
+                </c:pt>
+                <c:pt idx="32">
                   <c:v>3</c:v>
                 </c:pt>
-                <c:pt idx="30">
-                  <c:v>4</c:v>
-                </c:pt>
-                <c:pt idx="31">
-                  <c:v>11</c:v>
-                </c:pt>
-                <c:pt idx="32">
-                  <c:v>15</c:v>
-                </c:pt>
                 <c:pt idx="33">
+                  <c:v>2</c:v>
+                </c:pt>
+                <c:pt idx="34">
+                  <c:v>3</c:v>
+                </c:pt>
+                <c:pt idx="35">
+                  <c:v>5</c:v>
+                </c:pt>
+                <c:pt idx="36">
+                  <c:v>6</c:v>
+                </c:pt>
+                <c:pt idx="37">
                   <c:v>12</c:v>
                 </c:pt>
-                <c:pt idx="34">
-                  <c:v>37</c:v>
-                </c:pt>
-                <c:pt idx="35">
-                  <c:v>2</c:v>
-                </c:pt>
-                <c:pt idx="36">
-                  <c:v>10</c:v>
-                </c:pt>
-                <c:pt idx="37">
-                  <c:v>2</c:v>
-                </c:pt>
                 <c:pt idx="38">
-                  <c:v>14</c:v>
+                  <c:v>8</c:v>
                 </c:pt>
                 <c:pt idx="39">
-                  <c:v>6</c:v>
+                  <c:v>5</c:v>
                 </c:pt>
                 <c:pt idx="40">
-                  <c:v>4</c:v>
+                  <c:v>19</c:v>
                 </c:pt>
                 <c:pt idx="41">
                   <c:v>4</c:v>
                 </c:pt>
                 <c:pt idx="42">
+                  <c:v>130</c:v>
+                </c:pt>
+                <c:pt idx="43">
+                  <c:v>8</c:v>
+                </c:pt>
+                <c:pt idx="44">
+                  <c:v>50</c:v>
+                </c:pt>
+                <c:pt idx="45">
+                  <c:v>27</c:v>
+                </c:pt>
+                <c:pt idx="46">
+                  <c:v>23</c:v>
+                </c:pt>
+                <c:pt idx="47">
+                  <c:v>5</c:v>
+                </c:pt>
+                <c:pt idx="48">
+                  <c:v>7</c:v>
+                </c:pt>
+                <c:pt idx="49">
+                  <c:v>12</c:v>
+                </c:pt>
+                <c:pt idx="50">
+                  <c:v>2</c:v>
+                </c:pt>
+                <c:pt idx="51">
+                  <c:v>3</c:v>
+                </c:pt>
+                <c:pt idx="52">
+                  <c:v>5</c:v>
+                </c:pt>
+                <c:pt idx="53">
+                  <c:v>10</c:v>
+                </c:pt>
+                <c:pt idx="54">
+                  <c:v>13</c:v>
+                </c:pt>
+                <c:pt idx="55">
+                  <c:v>9</c:v>
+                </c:pt>
+                <c:pt idx="56">
+                  <c:v>7</c:v>
+                </c:pt>
+                <c:pt idx="57">
+                  <c:v>8</c:v>
+                </c:pt>
+                <c:pt idx="58">
+                  <c:v>7</c:v>
+                </c:pt>
+                <c:pt idx="59">
+                  <c:v>3</c:v>
+                </c:pt>
+                <c:pt idx="60">
+                  <c:v>13</c:v>
+                </c:pt>
+                <c:pt idx="61">
+                  <c:v>16</c:v>
+                </c:pt>
+                <c:pt idx="62">
+                  <c:v>12</c:v>
+                </c:pt>
+                <c:pt idx="63">
+                  <c:v>5</c:v>
+                </c:pt>
+                <c:pt idx="64">
                   <c:v>6</c:v>
                 </c:pt>
-                <c:pt idx="43">
-                  <c:v>12</c:v>
-                </c:pt>
-                <c:pt idx="44">
-                  <c:v>5</c:v>
-                </c:pt>
-                <c:pt idx="45">
+                <c:pt idx="65">
+                  <c:v>6</c:v>
+                </c:pt>
+                <c:pt idx="66">
+                  <c:v>17</c:v>
+                </c:pt>
+                <c:pt idx="67">
                   <c:v>4</c:v>
                 </c:pt>
-                <c:pt idx="46">
+                <c:pt idx="68">
+                  <c:v>4</c:v>
+                </c:pt>
+                <c:pt idx="69">
+                  <c:v>8</c:v>
+                </c:pt>
+                <c:pt idx="70">
+                  <c:v>7</c:v>
+                </c:pt>
+                <c:pt idx="71">
                   <c:v>9</c:v>
                 </c:pt>
-                <c:pt idx="47">
-                  <c:v>7</c:v>
-                </c:pt>
-                <c:pt idx="48">
-                  <c:v>25</c:v>
-                </c:pt>
-                <c:pt idx="49">
-                  <c:v>10</c:v>
-                </c:pt>
-                <c:pt idx="50">
-                  <c:v>10</c:v>
-                </c:pt>
-                <c:pt idx="51">
+                <c:pt idx="72">
+                  <c:v>8</c:v>
+                </c:pt>
+                <c:pt idx="73">
                   <c:v>4</c:v>
                 </c:pt>
-                <c:pt idx="52">
-                  <c:v>4</c:v>
-                </c:pt>
-                <c:pt idx="53">
-                  <c:v>6</c:v>
-                </c:pt>
-                <c:pt idx="54">
-                  <c:v>8</c:v>
-                </c:pt>
-                <c:pt idx="55">
-                  <c:v>7</c:v>
-                </c:pt>
-                <c:pt idx="56">
-                  <c:v>6</c:v>
-                </c:pt>
-                <c:pt idx="57">
-                  <c:v>37</c:v>
-                </c:pt>
-                <c:pt idx="58">
+                <c:pt idx="74">
+                  <c:v>9</c:v>
+                </c:pt>
+                <c:pt idx="75">
                   <c:v>14</c:v>
                 </c:pt>
-                <c:pt idx="59">
-                  <c:v>2</c:v>
-                </c:pt>
-                <c:pt idx="60">
-                  <c:v>8</c:v>
-                </c:pt>
-                <c:pt idx="61">
-                  <c:v>7</c:v>
-                </c:pt>
-                <c:pt idx="62">
-                  <c:v>8</c:v>
-                </c:pt>
-                <c:pt idx="63">
+                <c:pt idx="76">
                   <c:v>9</c:v>
-                </c:pt>
-                <c:pt idx="64">
-                  <c:v>7</c:v>
-                </c:pt>
-                <c:pt idx="65">
-                  <c:v>12</c:v>
-                </c:pt>
-                <c:pt idx="66">
-                  <c:v>10</c:v>
-                </c:pt>
-                <c:pt idx="67">
-                  <c:v>118</c:v>
-                </c:pt>
-                <c:pt idx="68">
-                  <c:v>8</c:v>
-                </c:pt>
-                <c:pt idx="69">
-                  <c:v>7</c:v>
-                </c:pt>
-                <c:pt idx="70">
-                  <c:v>6</c:v>
-                </c:pt>
-                <c:pt idx="71">
-                  <c:v>5</c:v>
-                </c:pt>
-                <c:pt idx="72">
-                  <c:v>7</c:v>
-                </c:pt>
-                <c:pt idx="73">
-                  <c:v>5</c:v>
-                </c:pt>
-                <c:pt idx="74">
-                  <c:v>6</c:v>
-                </c:pt>
-                <c:pt idx="75">
-                  <c:v>5</c:v>
-                </c:pt>
-                <c:pt idx="76">
-                  <c:v>22</c:v>
                 </c:pt>
                 <c:pt idx="77">
                   <c:v>12</c:v>
                 </c:pt>
                 <c:pt idx="78">
-                  <c:v>15</c:v>
+                  <c:v>7</c:v>
                 </c:pt>
                 <c:pt idx="79">
+                  <c:v>13</c:v>
+                </c:pt>
+                <c:pt idx="80">
+                  <c:v>4</c:v>
+                </c:pt>
+                <c:pt idx="81">
+                  <c:v>12</c:v>
+                </c:pt>
+                <c:pt idx="82">
+                  <c:v>12</c:v>
+                </c:pt>
+                <c:pt idx="83">
+                  <c:v>4</c:v>
+                </c:pt>
+                <c:pt idx="84">
+                  <c:v>16</c:v>
+                </c:pt>
+                <c:pt idx="85">
+                  <c:v>8</c:v>
+                </c:pt>
+                <c:pt idx="86">
+                  <c:v>11</c:v>
+                </c:pt>
+                <c:pt idx="87">
+                  <c:v>4</c:v>
+                </c:pt>
+                <c:pt idx="88">
+                  <c:v>11</c:v>
+                </c:pt>
+                <c:pt idx="89">
+                  <c:v>5</c:v>
+                </c:pt>
+                <c:pt idx="90">
+                  <c:v>9</c:v>
+                </c:pt>
+                <c:pt idx="91">
+                  <c:v>17</c:v>
+                </c:pt>
+                <c:pt idx="92">
+                  <c:v>4</c:v>
+                </c:pt>
+                <c:pt idx="93">
+                  <c:v>13</c:v>
+                </c:pt>
+                <c:pt idx="94">
                   <c:v>7</c:v>
                 </c:pt>
-                <c:pt idx="80">
+                <c:pt idx="95">
                   <c:v>9</c:v>
                 </c:pt>
-                <c:pt idx="81">
-                  <c:v>9</c:v>
-                </c:pt>
-                <c:pt idx="82">
+                <c:pt idx="96">
                   <c:v>10</c:v>
                 </c:pt>
-                <c:pt idx="83">
-                  <c:v>13</c:v>
-                </c:pt>
-                <c:pt idx="84">
-                  <c:v>11</c:v>
-                </c:pt>
-                <c:pt idx="85">
-                  <c:v>10</c:v>
-                </c:pt>
-                <c:pt idx="86">
-                  <c:v>9</c:v>
-                </c:pt>
-                <c:pt idx="87">
+                <c:pt idx="97">
+                  <c:v>38</c:v>
+                </c:pt>
+                <c:pt idx="98">
                   <c:v>3</c:v>
                 </c:pt>
-                <c:pt idx="88">
-                  <c:v>9</c:v>
-                </c:pt>
-                <c:pt idx="89">
+                <c:pt idx="99">
                   <c:v>4</c:v>
-                </c:pt>
-                <c:pt idx="90">
-                  <c:v>17</c:v>
-                </c:pt>
-                <c:pt idx="91">
-                  <c:v>12</c:v>
-                </c:pt>
-                <c:pt idx="92">
-                  <c:v>9</c:v>
-                </c:pt>
-                <c:pt idx="93">
-                  <c:v>6</c:v>
-                </c:pt>
-                <c:pt idx="94">
-                  <c:v>5</c:v>
-                </c:pt>
-                <c:pt idx="95">
-                  <c:v>7</c:v>
-                </c:pt>
-                <c:pt idx="96">
-                  <c:v>3</c:v>
-                </c:pt>
-                <c:pt idx="97">
-                  <c:v>10</c:v>
-                </c:pt>
-                <c:pt idx="98">
-                  <c:v>5</c:v>
-                </c:pt>
-                <c:pt idx="99">
-                  <c:v>12</c:v>
                 </c:pt>
               </c:numCache>
             </c:numRef>
           </c:yVal>
           <c:smooth val="0"/>
-          <c:extLst>
+          <c:extLst xmlns:c16r2="http://schemas.microsoft.com/office/drawing/2015/06/chart">
             <c:ext xmlns:c16="http://schemas.microsoft.com/office/drawing/2014/chart" uri="{C3380CC4-5D6E-409C-BE32-E72D297353CC}">
-              <c16:uniqueId val="{00000000-1E5E-4B7B-9189-C147DE005EBB}"/>
+              <c16:uniqueId val="{00000000-A299-4BE3-849A-7D8C41AD5467}"/>
             </c:ext>
           </c:extLst>
         </c:ser>
@@ -3373,11 +2636,11 @@
           <c:order val="1"/>
           <c:tx>
             <c:strRef>
-              <c:f>Planilha1!$S$1</c:f>
+              <c:f>Planilha1!$C$1</c:f>
               <c:strCache>
                 <c:ptCount val="1"/>
                 <c:pt idx="0">
-                  <c:v>Generated</c:v>
+                  <c:v>Second 100</c:v>
                 </c:pt>
               </c:strCache>
             </c:strRef>
@@ -3406,10 +2669,10 @@
           </c:marker>
           <c:xVal>
             <c:numRef>
-              <c:f>Planilha1!$Q$2:$Q$132</c:f>
+              <c:f>Planilha1!$A$2:$A$101</c:f>
               <c:numCache>
                 <c:formatCode>General</c:formatCode>
-                <c:ptCount val="131"/>
+                <c:ptCount val="100"/>
                 <c:pt idx="0">
                   <c:v>1</c:v>
                 </c:pt>
@@ -3715,317 +2978,317 @@
           </c:xVal>
           <c:yVal>
             <c:numRef>
-              <c:f>Planilha1!$S$2:$S$132</c:f>
+              <c:f>Planilha1!$C$2:$C$101</c:f>
               <c:numCache>
                 <c:formatCode>General</c:formatCode>
-                <c:ptCount val="131"/>
+                <c:ptCount val="100"/>
                 <c:pt idx="0">
+                  <c:v>12</c:v>
+                </c:pt>
+                <c:pt idx="1">
+                  <c:v>4</c:v>
+                </c:pt>
+                <c:pt idx="2">
+                  <c:v>12</c:v>
+                </c:pt>
+                <c:pt idx="3">
+                  <c:v>15</c:v>
+                </c:pt>
+                <c:pt idx="4">
+                  <c:v>4</c:v>
+                </c:pt>
+                <c:pt idx="5">
+                  <c:v>11</c:v>
+                </c:pt>
+                <c:pt idx="6">
+                  <c:v>10</c:v>
+                </c:pt>
+                <c:pt idx="7">
+                  <c:v>4</c:v>
+                </c:pt>
+                <c:pt idx="8">
                   <c:v>5</c:v>
                 </c:pt>
-                <c:pt idx="1">
+                <c:pt idx="9">
+                  <c:v>3</c:v>
+                </c:pt>
+                <c:pt idx="10">
+                  <c:v>7</c:v>
+                </c:pt>
+                <c:pt idx="11">
+                  <c:v>13</c:v>
+                </c:pt>
+                <c:pt idx="12">
+                  <c:v>15</c:v>
+                </c:pt>
+                <c:pt idx="13">
+                  <c:v>12</c:v>
+                </c:pt>
+                <c:pt idx="14">
+                  <c:v>8</c:v>
+                </c:pt>
+                <c:pt idx="15">
+                  <c:v>17</c:v>
+                </c:pt>
+                <c:pt idx="16">
+                  <c:v>9</c:v>
+                </c:pt>
+                <c:pt idx="17">
+                  <c:v>3</c:v>
+                </c:pt>
+                <c:pt idx="18">
+                  <c:v>57</c:v>
+                </c:pt>
+                <c:pt idx="19">
                   <c:v>2</c:v>
                 </c:pt>
-                <c:pt idx="2">
-                  <c:v>38</c:v>
-                </c:pt>
-                <c:pt idx="3">
-                  <c:v>2</c:v>
-                </c:pt>
-                <c:pt idx="4">
-                  <c:v>2</c:v>
-                </c:pt>
-                <c:pt idx="5">
-                  <c:v>2</c:v>
-                </c:pt>
-                <c:pt idx="6">
-                  <c:v>11</c:v>
-                </c:pt>
-                <c:pt idx="7">
-                  <c:v>10</c:v>
-                </c:pt>
-                <c:pt idx="8">
-                  <c:v>3</c:v>
-                </c:pt>
-                <c:pt idx="9">
-                  <c:v>4</c:v>
-                </c:pt>
-                <c:pt idx="10">
-                  <c:v>3</c:v>
-                </c:pt>
-                <c:pt idx="11">
-                  <c:v>4</c:v>
-                </c:pt>
-                <c:pt idx="12">
-                  <c:v>17</c:v>
-                </c:pt>
-                <c:pt idx="13">
-                  <c:v>11</c:v>
-                </c:pt>
-                <c:pt idx="14">
-                  <c:v>2</c:v>
-                </c:pt>
-                <c:pt idx="15">
+                <c:pt idx="20">
                   <c:v>7</c:v>
                 </c:pt>
-                <c:pt idx="16">
+                <c:pt idx="21">
+                  <c:v>13</c:v>
+                </c:pt>
+                <c:pt idx="22">
                   <c:v>5</c:v>
                 </c:pt>
-                <c:pt idx="17">
-                  <c:v>5</c:v>
-                </c:pt>
-                <c:pt idx="18">
-                  <c:v>4</c:v>
-                </c:pt>
-                <c:pt idx="19">
-                  <c:v>11</c:v>
-                </c:pt>
-                <c:pt idx="20">
-                  <c:v>54</c:v>
-                </c:pt>
-                <c:pt idx="21">
-                  <c:v>3</c:v>
-                </c:pt>
-                <c:pt idx="22">
-                  <c:v>2</c:v>
-                </c:pt>
                 <c:pt idx="23">
-                  <c:v>8</c:v>
+                  <c:v>9</c:v>
                 </c:pt>
                 <c:pt idx="24">
                   <c:v>11</c:v>
                 </c:pt>
                 <c:pt idx="25">
-                  <c:v>10</c:v>
+                  <c:v>2</c:v>
                 </c:pt>
                 <c:pt idx="26">
+                  <c:v>6</c:v>
+                </c:pt>
+                <c:pt idx="27">
+                  <c:v>16</c:v>
+                </c:pt>
+                <c:pt idx="28">
+                  <c:v>17</c:v>
+                </c:pt>
+                <c:pt idx="29">
+                  <c:v>3</c:v>
+                </c:pt>
+                <c:pt idx="30">
                   <c:v>4</c:v>
                 </c:pt>
-                <c:pt idx="27">
-                  <c:v>13</c:v>
-                </c:pt>
-                <c:pt idx="28">
-                  <c:v>3</c:v>
-                </c:pt>
-                <c:pt idx="29">
-                  <c:v>8</c:v>
-                </c:pt>
-                <c:pt idx="30">
-                  <c:v>5</c:v>
-                </c:pt>
                 <c:pt idx="31">
-                  <c:v>16</c:v>
+                  <c:v>11</c:v>
                 </c:pt>
                 <c:pt idx="32">
                   <c:v>15</c:v>
                 </c:pt>
                 <c:pt idx="33">
+                  <c:v>12</c:v>
+                </c:pt>
+                <c:pt idx="34">
+                  <c:v>37</c:v>
+                </c:pt>
+                <c:pt idx="35">
+                  <c:v>2</c:v>
+                </c:pt>
+                <c:pt idx="36">
+                  <c:v>10</c:v>
+                </c:pt>
+                <c:pt idx="37">
+                  <c:v>2</c:v>
+                </c:pt>
+                <c:pt idx="38">
+                  <c:v>14</c:v>
+                </c:pt>
+                <c:pt idx="39">
                   <c:v>6</c:v>
                 </c:pt>
-                <c:pt idx="34">
-                  <c:v>22</c:v>
-                </c:pt>
-                <c:pt idx="35">
+                <c:pt idx="40">
+                  <c:v>4</c:v>
+                </c:pt>
+                <c:pt idx="41">
+                  <c:v>4</c:v>
+                </c:pt>
+                <c:pt idx="42">
                   <c:v>6</c:v>
                 </c:pt>
-                <c:pt idx="36">
-                  <c:v>15</c:v>
-                </c:pt>
-                <c:pt idx="37">
-                  <c:v>3</c:v>
-                </c:pt>
-                <c:pt idx="38">
-                  <c:v>6</c:v>
-                </c:pt>
-                <c:pt idx="39">
-                  <c:v>10</c:v>
-                </c:pt>
-                <c:pt idx="40">
-                  <c:v>20</c:v>
-                </c:pt>
-                <c:pt idx="41">
-                  <c:v>18</c:v>
-                </c:pt>
-                <c:pt idx="42">
+                <c:pt idx="43">
+                  <c:v>12</c:v>
+                </c:pt>
+                <c:pt idx="44">
                   <c:v>5</c:v>
                 </c:pt>
-                <c:pt idx="43">
-                  <c:v>5</c:v>
-                </c:pt>
-                <c:pt idx="44">
-                  <c:v>2</c:v>
-                </c:pt>
                 <c:pt idx="45">
-                  <c:v>25</c:v>
+                  <c:v>4</c:v>
                 </c:pt>
                 <c:pt idx="46">
-                  <c:v>13</c:v>
+                  <c:v>9</c:v>
                 </c:pt>
                 <c:pt idx="47">
                   <c:v>7</c:v>
                 </c:pt>
                 <c:pt idx="48">
+                  <c:v>25</c:v>
+                </c:pt>
+                <c:pt idx="49">
+                  <c:v>10</c:v>
+                </c:pt>
+                <c:pt idx="50">
+                  <c:v>10</c:v>
+                </c:pt>
+                <c:pt idx="51">
+                  <c:v>4</c:v>
+                </c:pt>
+                <c:pt idx="52">
+                  <c:v>4</c:v>
+                </c:pt>
+                <c:pt idx="53">
+                  <c:v>6</c:v>
+                </c:pt>
+                <c:pt idx="54">
+                  <c:v>8</c:v>
+                </c:pt>
+                <c:pt idx="55">
+                  <c:v>7</c:v>
+                </c:pt>
+                <c:pt idx="56">
+                  <c:v>6</c:v>
+                </c:pt>
+                <c:pt idx="57">
+                  <c:v>37</c:v>
+                </c:pt>
+                <c:pt idx="58">
+                  <c:v>14</c:v>
+                </c:pt>
+                <c:pt idx="59">
+                  <c:v>2</c:v>
+                </c:pt>
+                <c:pt idx="60">
+                  <c:v>8</c:v>
+                </c:pt>
+                <c:pt idx="61">
+                  <c:v>7</c:v>
+                </c:pt>
+                <c:pt idx="62">
+                  <c:v>8</c:v>
+                </c:pt>
+                <c:pt idx="63">
+                  <c:v>9</c:v>
+                </c:pt>
+                <c:pt idx="64">
+                  <c:v>7</c:v>
+                </c:pt>
+                <c:pt idx="65">
+                  <c:v>12</c:v>
+                </c:pt>
+                <c:pt idx="66">
+                  <c:v>10</c:v>
+                </c:pt>
+                <c:pt idx="67">
+                  <c:v>118</c:v>
+                </c:pt>
+                <c:pt idx="68">
+                  <c:v>8</c:v>
+                </c:pt>
+                <c:pt idx="69">
+                  <c:v>7</c:v>
+                </c:pt>
+                <c:pt idx="70">
+                  <c:v>6</c:v>
+                </c:pt>
+                <c:pt idx="71">
                   <c:v>5</c:v>
                 </c:pt>
-                <c:pt idx="49">
+                <c:pt idx="72">
+                  <c:v>7</c:v>
+                </c:pt>
+                <c:pt idx="73">
+                  <c:v>5</c:v>
+                </c:pt>
+                <c:pt idx="74">
                   <c:v>6</c:v>
                 </c:pt>
-                <c:pt idx="50">
+                <c:pt idx="75">
+                  <c:v>5</c:v>
+                </c:pt>
+                <c:pt idx="76">
+                  <c:v>22</c:v>
+                </c:pt>
+                <c:pt idx="77">
+                  <c:v>12</c:v>
+                </c:pt>
+                <c:pt idx="78">
+                  <c:v>15</c:v>
+                </c:pt>
+                <c:pt idx="79">
+                  <c:v>7</c:v>
+                </c:pt>
+                <c:pt idx="80">
                   <c:v>9</c:v>
                 </c:pt>
-                <c:pt idx="51">
-                  <c:v>2</c:v>
-                </c:pt>
-                <c:pt idx="52">
-                  <c:v>14</c:v>
-                </c:pt>
-                <c:pt idx="53">
-                  <c:v>2</c:v>
-                </c:pt>
-                <c:pt idx="54">
-                  <c:v>37</c:v>
-                </c:pt>
-                <c:pt idx="55">
-                  <c:v>14</c:v>
-                </c:pt>
-                <c:pt idx="56">
+                <c:pt idx="81">
                   <c:v>9</c:v>
                 </c:pt>
-                <c:pt idx="57">
-                  <c:v>2</c:v>
-                </c:pt>
-                <c:pt idx="58">
+                <c:pt idx="82">
+                  <c:v>10</c:v>
+                </c:pt>
+                <c:pt idx="83">
+                  <c:v>13</c:v>
+                </c:pt>
+                <c:pt idx="84">
                   <c:v>11</c:v>
                 </c:pt>
-                <c:pt idx="59">
-                  <c:v>5</c:v>
-                </c:pt>
-                <c:pt idx="60">
-                  <c:v>2</c:v>
-                </c:pt>
-                <c:pt idx="61">
+                <c:pt idx="85">
                   <c:v>10</c:v>
                 </c:pt>
-                <c:pt idx="62">
+                <c:pt idx="86">
                   <c:v>9</c:v>
                 </c:pt>
-                <c:pt idx="63">
+                <c:pt idx="87">
+                  <c:v>3</c:v>
+                </c:pt>
+                <c:pt idx="88">
+                  <c:v>9</c:v>
+                </c:pt>
+                <c:pt idx="89">
                   <c:v>4</c:v>
                 </c:pt>
-                <c:pt idx="64">
-                  <c:v>9</c:v>
-                </c:pt>
-                <c:pt idx="65">
-                  <c:v>3</c:v>
-                </c:pt>
-                <c:pt idx="66">
-                  <c:v>4</c:v>
-                </c:pt>
-                <c:pt idx="67">
-                  <c:v>4</c:v>
-                </c:pt>
-                <c:pt idx="68">
-                  <c:v>5</c:v>
-                </c:pt>
-                <c:pt idx="69">
-                  <c:v>3</c:v>
-                </c:pt>
-                <c:pt idx="70">
-                  <c:v>22</c:v>
-                </c:pt>
-                <c:pt idx="71">
-                  <c:v>11</c:v>
-                </c:pt>
-                <c:pt idx="72">
-                  <c:v>20</c:v>
-                </c:pt>
-                <c:pt idx="73">
-                  <c:v>40</c:v>
-                </c:pt>
-                <c:pt idx="74">
-                  <c:v>4</c:v>
-                </c:pt>
-                <c:pt idx="75">
-                  <c:v>34</c:v>
-                </c:pt>
-                <c:pt idx="76">
-                  <c:v>13</c:v>
-                </c:pt>
-                <c:pt idx="77">
-                  <c:v>40</c:v>
-                </c:pt>
-                <c:pt idx="78">
-                  <c:v>5</c:v>
-                </c:pt>
-                <c:pt idx="79">
-                  <c:v>9</c:v>
-                </c:pt>
-                <c:pt idx="80">
-                  <c:v>7</c:v>
-                </c:pt>
-                <c:pt idx="81">
-                  <c:v>7</c:v>
-                </c:pt>
-                <c:pt idx="82">
-                  <c:v>4</c:v>
-                </c:pt>
-                <c:pt idx="83">
-                  <c:v>5</c:v>
-                </c:pt>
-                <c:pt idx="84">
-                  <c:v>28</c:v>
-                </c:pt>
-                <c:pt idx="85">
-                  <c:v>7</c:v>
-                </c:pt>
-                <c:pt idx="86">
-                  <c:v>13</c:v>
-                </c:pt>
-                <c:pt idx="87">
-                  <c:v>8</c:v>
-                </c:pt>
-                <c:pt idx="88">
-                  <c:v>2</c:v>
-                </c:pt>
-                <c:pt idx="89">
-                  <c:v>2</c:v>
-                </c:pt>
                 <c:pt idx="90">
-                  <c:v>22</c:v>
+                  <c:v>17</c:v>
                 </c:pt>
                 <c:pt idx="91">
                   <c:v>12</c:v>
                 </c:pt>
                 <c:pt idx="92">
-                  <c:v>4</c:v>
+                  <c:v>9</c:v>
                 </c:pt>
                 <c:pt idx="93">
-                  <c:v>2</c:v>
+                  <c:v>6</c:v>
                 </c:pt>
                 <c:pt idx="94">
+                  <c:v>5</c:v>
+                </c:pt>
+                <c:pt idx="95">
+                  <c:v>7</c:v>
+                </c:pt>
+                <c:pt idx="96">
                   <c:v>3</c:v>
                 </c:pt>
-                <c:pt idx="95">
-                  <c:v>25</c:v>
-                </c:pt>
-                <c:pt idx="96">
-                  <c:v>5</c:v>
-                </c:pt>
                 <c:pt idx="97">
-                  <c:v>7</c:v>
+                  <c:v>10</c:v>
                 </c:pt>
                 <c:pt idx="98">
                   <c:v>5</c:v>
                 </c:pt>
                 <c:pt idx="99">
-                  <c:v>6</c:v>
+                  <c:v>12</c:v>
                 </c:pt>
               </c:numCache>
             </c:numRef>
           </c:yVal>
           <c:smooth val="0"/>
-          <c:extLst>
+          <c:extLst xmlns:c16r2="http://schemas.microsoft.com/office/drawing/2015/06/chart">
             <c:ext xmlns:c16="http://schemas.microsoft.com/office/drawing/2014/chart" uri="{C3380CC4-5D6E-409C-BE32-E72D297353CC}">
-              <c16:uniqueId val="{00000001-1E5E-4B7B-9189-C147DE005EBB}"/>
+              <c16:uniqueId val="{00000001-A299-4BE3-849A-7D8C41AD5467}"/>
             </c:ext>
           </c:extLst>
         </c:ser>
@@ -4037,11 +3300,11 @@
           <c:showPercent val="0"/>
           <c:showBubbleSize val="0"/>
         </c:dLbls>
-        <c:axId val="309746432"/>
-        <c:axId val="309751352"/>
+        <c:axId val="139115264"/>
+        <c:axId val="139115840"/>
       </c:scatterChart>
       <c:valAx>
-        <c:axId val="309746432"/>
+        <c:axId val="139115264"/>
         <c:scaling>
           <c:orientation val="minMax"/>
         </c:scaling>
@@ -4098,12 +3361,12 @@
             <a:endParaRPr lang="pt-BR"/>
           </a:p>
         </c:txPr>
-        <c:crossAx val="309751352"/>
+        <c:crossAx val="139115840"/>
         <c:crosses val="autoZero"/>
         <c:crossBetween val="midCat"/>
       </c:valAx>
       <c:valAx>
-        <c:axId val="309751352"/>
+        <c:axId val="139115840"/>
         <c:scaling>
           <c:orientation val="minMax"/>
         </c:scaling>
@@ -4160,7 +3423,7 @@
             <a:endParaRPr lang="pt-BR"/>
           </a:p>
         </c:txPr>
-        <c:crossAx val="309746432"/>
+        <c:crossAx val="139115264"/>
         <c:crosses val="autoZero"/>
         <c:crossBetween val="midCat"/>
       </c:valAx>
@@ -4174,6 +3437,7 @@
     </c:plotArea>
     <c:legend>
       <c:legendPos val="b"/>
+      <c:layout/>
       <c:overlay val="0"/>
       <c:spPr>
         <a:noFill/>
@@ -4224,7 +3488,4778 @@
       <a:endParaRPr lang="pt-BR"/>
     </a:p>
   </c:txPr>
-  <c:externalData r:id="rId3">
+  <c:externalData r:id="rId1">
+    <c:autoUpdate val="0"/>
+  </c:externalData>
+</c:chartSpace>
+</file>
+
+<file path=ppt/charts/chart4.xml><?xml version="1.0" encoding="utf-8"?>
+<c:chartSpace xmlns:c="http://schemas.openxmlformats.org/drawingml/2006/chart" xmlns:a="http://schemas.openxmlformats.org/drawingml/2006/main" xmlns:r="http://schemas.openxmlformats.org/officeDocument/2006/relationships">
+  <c:date1904 val="0"/>
+  <c:lang val="pt-BR"/>
+  <c:roundedCorners val="0"/>
+  <mc:AlternateContent xmlns:mc="http://schemas.openxmlformats.org/markup-compatibility/2006">
+    <mc:Choice xmlns:c14="http://schemas.microsoft.com/office/drawing/2007/8/2/chart" Requires="c14">
+      <c14:style val="102"/>
+    </mc:Choice>
+    <mc:Fallback>
+      <c:style val="2"/>
+    </mc:Fallback>
+  </mc:AlternateContent>
+  <c:chart>
+    <c:title>
+      <c:tx>
+        <c:rich>
+          <a:bodyPr rot="0" spcFirstLastPara="1" vertOverflow="ellipsis" vert="horz" wrap="square" anchor="ctr" anchorCtr="1"/>
+          <a:lstStyle/>
+          <a:p>
+            <a:pPr>
+              <a:defRPr sz="1400" b="0" i="0" u="none" strike="noStrike" kern="1200" spc="0" baseline="0">
+                <a:solidFill>
+                  <a:schemeClr val="tx1">
+                    <a:lumMod val="65000"/>
+                    <a:lumOff val="35000"/>
+                  </a:schemeClr>
+                </a:solidFill>
+                <a:latin typeface="+mn-lt"/>
+                <a:ea typeface="+mn-ea"/>
+                <a:cs typeface="+mn-cs"/>
+              </a:defRPr>
+            </a:pPr>
+            <a:r>
+              <a:rPr lang="pt-BR"/>
+              <a:t>Iterações Calculados</a:t>
+            </a:r>
+          </a:p>
+        </c:rich>
+      </c:tx>
+      <c:layout/>
+      <c:overlay val="0"/>
+      <c:spPr>
+        <a:noFill/>
+        <a:ln>
+          <a:noFill/>
+        </a:ln>
+        <a:effectLst/>
+      </c:spPr>
+    </c:title>
+    <c:autoTitleDeleted val="0"/>
+    <c:plotArea>
+      <c:layout/>
+      <c:scatterChart>
+        <c:scatterStyle val="lineMarker"/>
+        <c:varyColors val="0"/>
+        <c:ser>
+          <c:idx val="0"/>
+          <c:order val="0"/>
+          <c:tx>
+            <c:strRef>
+              <c:f>Planilha1!$B$1</c:f>
+              <c:strCache>
+                <c:ptCount val="1"/>
+                <c:pt idx="0">
+                  <c:v>First 100</c:v>
+                </c:pt>
+              </c:strCache>
+            </c:strRef>
+          </c:tx>
+          <c:spPr>
+            <a:ln w="19050" cap="rnd">
+              <a:noFill/>
+              <a:round/>
+            </a:ln>
+            <a:effectLst/>
+          </c:spPr>
+          <c:marker>
+            <c:symbol val="circle"/>
+            <c:size val="5"/>
+            <c:spPr>
+              <a:solidFill>
+                <a:schemeClr val="accent1"/>
+              </a:solidFill>
+              <a:ln w="9525">
+                <a:solidFill>
+                  <a:schemeClr val="accent1"/>
+                </a:solidFill>
+              </a:ln>
+              <a:effectLst/>
+            </c:spPr>
+          </c:marker>
+          <c:trendline>
+            <c:spPr>
+              <a:ln w="19050" cap="rnd">
+                <a:solidFill>
+                  <a:schemeClr val="accent1"/>
+                </a:solidFill>
+                <a:prstDash val="sysDot"/>
+              </a:ln>
+              <a:effectLst/>
+            </c:spPr>
+            <c:trendlineType val="linear"/>
+            <c:forward val="2"/>
+            <c:dispRSqr val="0"/>
+            <c:dispEq val="0"/>
+          </c:trendline>
+          <c:xVal>
+            <c:numRef>
+              <c:f>Planilha1!$A$2:$A$101</c:f>
+              <c:numCache>
+                <c:formatCode>General</c:formatCode>
+                <c:ptCount val="100"/>
+                <c:pt idx="0">
+                  <c:v>1</c:v>
+                </c:pt>
+                <c:pt idx="1">
+                  <c:v>2</c:v>
+                </c:pt>
+                <c:pt idx="2">
+                  <c:v>3</c:v>
+                </c:pt>
+                <c:pt idx="3">
+                  <c:v>4</c:v>
+                </c:pt>
+                <c:pt idx="4">
+                  <c:v>5</c:v>
+                </c:pt>
+                <c:pt idx="5">
+                  <c:v>6</c:v>
+                </c:pt>
+                <c:pt idx="6">
+                  <c:v>7</c:v>
+                </c:pt>
+                <c:pt idx="7">
+                  <c:v>8</c:v>
+                </c:pt>
+                <c:pt idx="8">
+                  <c:v>9</c:v>
+                </c:pt>
+                <c:pt idx="9">
+                  <c:v>10</c:v>
+                </c:pt>
+                <c:pt idx="10">
+                  <c:v>11</c:v>
+                </c:pt>
+                <c:pt idx="11">
+                  <c:v>12</c:v>
+                </c:pt>
+                <c:pt idx="12">
+                  <c:v>13</c:v>
+                </c:pt>
+                <c:pt idx="13">
+                  <c:v>14</c:v>
+                </c:pt>
+                <c:pt idx="14">
+                  <c:v>15</c:v>
+                </c:pt>
+                <c:pt idx="15">
+                  <c:v>16</c:v>
+                </c:pt>
+                <c:pt idx="16">
+                  <c:v>17</c:v>
+                </c:pt>
+                <c:pt idx="17">
+                  <c:v>18</c:v>
+                </c:pt>
+                <c:pt idx="18">
+                  <c:v>19</c:v>
+                </c:pt>
+                <c:pt idx="19">
+                  <c:v>20</c:v>
+                </c:pt>
+                <c:pt idx="20">
+                  <c:v>21</c:v>
+                </c:pt>
+                <c:pt idx="21">
+                  <c:v>22</c:v>
+                </c:pt>
+                <c:pt idx="22">
+                  <c:v>23</c:v>
+                </c:pt>
+                <c:pt idx="23">
+                  <c:v>24</c:v>
+                </c:pt>
+                <c:pt idx="24">
+                  <c:v>25</c:v>
+                </c:pt>
+                <c:pt idx="25">
+                  <c:v>26</c:v>
+                </c:pt>
+                <c:pt idx="26">
+                  <c:v>27</c:v>
+                </c:pt>
+                <c:pt idx="27">
+                  <c:v>28</c:v>
+                </c:pt>
+                <c:pt idx="28">
+                  <c:v>29</c:v>
+                </c:pt>
+                <c:pt idx="29">
+                  <c:v>30</c:v>
+                </c:pt>
+                <c:pt idx="30">
+                  <c:v>31</c:v>
+                </c:pt>
+                <c:pt idx="31">
+                  <c:v>32</c:v>
+                </c:pt>
+                <c:pt idx="32">
+                  <c:v>33</c:v>
+                </c:pt>
+                <c:pt idx="33">
+                  <c:v>34</c:v>
+                </c:pt>
+                <c:pt idx="34">
+                  <c:v>35</c:v>
+                </c:pt>
+                <c:pt idx="35">
+                  <c:v>36</c:v>
+                </c:pt>
+                <c:pt idx="36">
+                  <c:v>37</c:v>
+                </c:pt>
+                <c:pt idx="37">
+                  <c:v>38</c:v>
+                </c:pt>
+                <c:pt idx="38">
+                  <c:v>39</c:v>
+                </c:pt>
+                <c:pt idx="39">
+                  <c:v>40</c:v>
+                </c:pt>
+                <c:pt idx="40">
+                  <c:v>41</c:v>
+                </c:pt>
+                <c:pt idx="41">
+                  <c:v>42</c:v>
+                </c:pt>
+                <c:pt idx="42">
+                  <c:v>43</c:v>
+                </c:pt>
+                <c:pt idx="43">
+                  <c:v>44</c:v>
+                </c:pt>
+                <c:pt idx="44">
+                  <c:v>45</c:v>
+                </c:pt>
+                <c:pt idx="45">
+                  <c:v>46</c:v>
+                </c:pt>
+                <c:pt idx="46">
+                  <c:v>47</c:v>
+                </c:pt>
+                <c:pt idx="47">
+                  <c:v>48</c:v>
+                </c:pt>
+                <c:pt idx="48">
+                  <c:v>49</c:v>
+                </c:pt>
+                <c:pt idx="49">
+                  <c:v>50</c:v>
+                </c:pt>
+                <c:pt idx="50">
+                  <c:v>51</c:v>
+                </c:pt>
+                <c:pt idx="51">
+                  <c:v>52</c:v>
+                </c:pt>
+                <c:pt idx="52">
+                  <c:v>53</c:v>
+                </c:pt>
+                <c:pt idx="53">
+                  <c:v>54</c:v>
+                </c:pt>
+                <c:pt idx="54">
+                  <c:v>55</c:v>
+                </c:pt>
+                <c:pt idx="55">
+                  <c:v>56</c:v>
+                </c:pt>
+                <c:pt idx="56">
+                  <c:v>57</c:v>
+                </c:pt>
+                <c:pt idx="57">
+                  <c:v>58</c:v>
+                </c:pt>
+                <c:pt idx="58">
+                  <c:v>59</c:v>
+                </c:pt>
+                <c:pt idx="59">
+                  <c:v>60</c:v>
+                </c:pt>
+                <c:pt idx="60">
+                  <c:v>61</c:v>
+                </c:pt>
+                <c:pt idx="61">
+                  <c:v>62</c:v>
+                </c:pt>
+                <c:pt idx="62">
+                  <c:v>63</c:v>
+                </c:pt>
+                <c:pt idx="63">
+                  <c:v>64</c:v>
+                </c:pt>
+                <c:pt idx="64">
+                  <c:v>65</c:v>
+                </c:pt>
+                <c:pt idx="65">
+                  <c:v>66</c:v>
+                </c:pt>
+                <c:pt idx="66">
+                  <c:v>67</c:v>
+                </c:pt>
+                <c:pt idx="67">
+                  <c:v>68</c:v>
+                </c:pt>
+                <c:pt idx="68">
+                  <c:v>69</c:v>
+                </c:pt>
+                <c:pt idx="69">
+                  <c:v>70</c:v>
+                </c:pt>
+                <c:pt idx="70">
+                  <c:v>71</c:v>
+                </c:pt>
+                <c:pt idx="71">
+                  <c:v>72</c:v>
+                </c:pt>
+                <c:pt idx="72">
+                  <c:v>73</c:v>
+                </c:pt>
+                <c:pt idx="73">
+                  <c:v>74</c:v>
+                </c:pt>
+                <c:pt idx="74">
+                  <c:v>75</c:v>
+                </c:pt>
+                <c:pt idx="75">
+                  <c:v>76</c:v>
+                </c:pt>
+                <c:pt idx="76">
+                  <c:v>77</c:v>
+                </c:pt>
+                <c:pt idx="77">
+                  <c:v>78</c:v>
+                </c:pt>
+                <c:pt idx="78">
+                  <c:v>79</c:v>
+                </c:pt>
+                <c:pt idx="79">
+                  <c:v>80</c:v>
+                </c:pt>
+                <c:pt idx="80">
+                  <c:v>81</c:v>
+                </c:pt>
+                <c:pt idx="81">
+                  <c:v>82</c:v>
+                </c:pt>
+                <c:pt idx="82">
+                  <c:v>83</c:v>
+                </c:pt>
+                <c:pt idx="83">
+                  <c:v>84</c:v>
+                </c:pt>
+                <c:pt idx="84">
+                  <c:v>85</c:v>
+                </c:pt>
+                <c:pt idx="85">
+                  <c:v>86</c:v>
+                </c:pt>
+                <c:pt idx="86">
+                  <c:v>87</c:v>
+                </c:pt>
+                <c:pt idx="87">
+                  <c:v>88</c:v>
+                </c:pt>
+                <c:pt idx="88">
+                  <c:v>89</c:v>
+                </c:pt>
+                <c:pt idx="89">
+                  <c:v>90</c:v>
+                </c:pt>
+                <c:pt idx="90">
+                  <c:v>91</c:v>
+                </c:pt>
+                <c:pt idx="91">
+                  <c:v>92</c:v>
+                </c:pt>
+                <c:pt idx="92">
+                  <c:v>93</c:v>
+                </c:pt>
+                <c:pt idx="93">
+                  <c:v>94</c:v>
+                </c:pt>
+                <c:pt idx="94">
+                  <c:v>95</c:v>
+                </c:pt>
+                <c:pt idx="95">
+                  <c:v>96</c:v>
+                </c:pt>
+                <c:pt idx="96">
+                  <c:v>97</c:v>
+                </c:pt>
+                <c:pt idx="97">
+                  <c:v>98</c:v>
+                </c:pt>
+                <c:pt idx="98">
+                  <c:v>99</c:v>
+                </c:pt>
+                <c:pt idx="99">
+                  <c:v>100</c:v>
+                </c:pt>
+              </c:numCache>
+            </c:numRef>
+          </c:xVal>
+          <c:yVal>
+            <c:numRef>
+              <c:f>Planilha1!$B$2:$B$101</c:f>
+              <c:numCache>
+                <c:formatCode>General</c:formatCode>
+                <c:ptCount val="100"/>
+                <c:pt idx="0">
+                  <c:v>2</c:v>
+                </c:pt>
+                <c:pt idx="1">
+                  <c:v>2</c:v>
+                </c:pt>
+                <c:pt idx="2">
+                  <c:v>2</c:v>
+                </c:pt>
+                <c:pt idx="3">
+                  <c:v>2</c:v>
+                </c:pt>
+                <c:pt idx="4">
+                  <c:v>2</c:v>
+                </c:pt>
+                <c:pt idx="5">
+                  <c:v>3</c:v>
+                </c:pt>
+                <c:pt idx="6">
+                  <c:v>3</c:v>
+                </c:pt>
+                <c:pt idx="7">
+                  <c:v>3</c:v>
+                </c:pt>
+                <c:pt idx="8">
+                  <c:v>3</c:v>
+                </c:pt>
+                <c:pt idx="9">
+                  <c:v>3</c:v>
+                </c:pt>
+                <c:pt idx="10">
+                  <c:v>4</c:v>
+                </c:pt>
+                <c:pt idx="11">
+                  <c:v>4</c:v>
+                </c:pt>
+                <c:pt idx="12">
+                  <c:v>4</c:v>
+                </c:pt>
+                <c:pt idx="13">
+                  <c:v>4</c:v>
+                </c:pt>
+                <c:pt idx="14">
+                  <c:v>4</c:v>
+                </c:pt>
+                <c:pt idx="15">
+                  <c:v>4</c:v>
+                </c:pt>
+                <c:pt idx="16">
+                  <c:v>4</c:v>
+                </c:pt>
+                <c:pt idx="17">
+                  <c:v>4</c:v>
+                </c:pt>
+                <c:pt idx="18">
+                  <c:v>4</c:v>
+                </c:pt>
+                <c:pt idx="19">
+                  <c:v>4</c:v>
+                </c:pt>
+                <c:pt idx="20">
+                  <c:v>4</c:v>
+                </c:pt>
+                <c:pt idx="21">
+                  <c:v>4</c:v>
+                </c:pt>
+                <c:pt idx="22">
+                  <c:v>4</c:v>
+                </c:pt>
+                <c:pt idx="23">
+                  <c:v>5</c:v>
+                </c:pt>
+                <c:pt idx="24">
+                  <c:v>5</c:v>
+                </c:pt>
+                <c:pt idx="25">
+                  <c:v>5</c:v>
+                </c:pt>
+                <c:pt idx="26">
+                  <c:v>5</c:v>
+                </c:pt>
+                <c:pt idx="27">
+                  <c:v>5</c:v>
+                </c:pt>
+                <c:pt idx="28">
+                  <c:v>5</c:v>
+                </c:pt>
+                <c:pt idx="29">
+                  <c:v>5</c:v>
+                </c:pt>
+                <c:pt idx="30">
+                  <c:v>5</c:v>
+                </c:pt>
+                <c:pt idx="31">
+                  <c:v>5</c:v>
+                </c:pt>
+                <c:pt idx="32">
+                  <c:v>5</c:v>
+                </c:pt>
+                <c:pt idx="33">
+                  <c:v>5</c:v>
+                </c:pt>
+                <c:pt idx="34">
+                  <c:v>5</c:v>
+                </c:pt>
+                <c:pt idx="35">
+                  <c:v>6</c:v>
+                </c:pt>
+                <c:pt idx="36">
+                  <c:v>6</c:v>
+                </c:pt>
+                <c:pt idx="37">
+                  <c:v>6</c:v>
+                </c:pt>
+                <c:pt idx="38">
+                  <c:v>6</c:v>
+                </c:pt>
+                <c:pt idx="39">
+                  <c:v>6</c:v>
+                </c:pt>
+                <c:pt idx="40">
+                  <c:v>6</c:v>
+                </c:pt>
+                <c:pt idx="41">
+                  <c:v>6</c:v>
+                </c:pt>
+                <c:pt idx="42">
+                  <c:v>7</c:v>
+                </c:pt>
+                <c:pt idx="43">
+                  <c:v>7</c:v>
+                </c:pt>
+                <c:pt idx="44">
+                  <c:v>7</c:v>
+                </c:pt>
+                <c:pt idx="45">
+                  <c:v>7</c:v>
+                </c:pt>
+                <c:pt idx="46">
+                  <c:v>7</c:v>
+                </c:pt>
+                <c:pt idx="47">
+                  <c:v>7</c:v>
+                </c:pt>
+                <c:pt idx="48">
+                  <c:v>8</c:v>
+                </c:pt>
+                <c:pt idx="49">
+                  <c:v>8</c:v>
+                </c:pt>
+                <c:pt idx="50">
+                  <c:v>8</c:v>
+                </c:pt>
+                <c:pt idx="51">
+                  <c:v>8</c:v>
+                </c:pt>
+                <c:pt idx="52">
+                  <c:v>8</c:v>
+                </c:pt>
+                <c:pt idx="53">
+                  <c:v>8</c:v>
+                </c:pt>
+                <c:pt idx="54">
+                  <c:v>8</c:v>
+                </c:pt>
+                <c:pt idx="55">
+                  <c:v>9</c:v>
+                </c:pt>
+                <c:pt idx="56">
+                  <c:v>9</c:v>
+                </c:pt>
+                <c:pt idx="57">
+                  <c:v>9</c:v>
+                </c:pt>
+                <c:pt idx="58">
+                  <c:v>9</c:v>
+                </c:pt>
+                <c:pt idx="59">
+                  <c:v>9</c:v>
+                </c:pt>
+                <c:pt idx="60">
+                  <c:v>9</c:v>
+                </c:pt>
+                <c:pt idx="61">
+                  <c:v>9</c:v>
+                </c:pt>
+                <c:pt idx="62">
+                  <c:v>9</c:v>
+                </c:pt>
+                <c:pt idx="63">
+                  <c:v>10</c:v>
+                </c:pt>
+                <c:pt idx="64">
+                  <c:v>10</c:v>
+                </c:pt>
+                <c:pt idx="65">
+                  <c:v>10</c:v>
+                </c:pt>
+                <c:pt idx="66">
+                  <c:v>10</c:v>
+                </c:pt>
+                <c:pt idx="67">
+                  <c:v>10</c:v>
+                </c:pt>
+                <c:pt idx="68">
+                  <c:v>11</c:v>
+                </c:pt>
+                <c:pt idx="69">
+                  <c:v>11</c:v>
+                </c:pt>
+                <c:pt idx="70">
+                  <c:v>11</c:v>
+                </c:pt>
+                <c:pt idx="71">
+                  <c:v>12</c:v>
+                </c:pt>
+                <c:pt idx="72">
+                  <c:v>12</c:v>
+                </c:pt>
+                <c:pt idx="73">
+                  <c:v>12</c:v>
+                </c:pt>
+                <c:pt idx="74">
+                  <c:v>12</c:v>
+                </c:pt>
+                <c:pt idx="75">
+                  <c:v>12</c:v>
+                </c:pt>
+                <c:pt idx="76">
+                  <c:v>12</c:v>
+                </c:pt>
+                <c:pt idx="77">
+                  <c:v>12</c:v>
+                </c:pt>
+                <c:pt idx="78">
+                  <c:v>13</c:v>
+                </c:pt>
+                <c:pt idx="79">
+                  <c:v>13</c:v>
+                </c:pt>
+                <c:pt idx="80">
+                  <c:v>13</c:v>
+                </c:pt>
+                <c:pt idx="81">
+                  <c:v>13</c:v>
+                </c:pt>
+                <c:pt idx="82">
+                  <c:v>14</c:v>
+                </c:pt>
+                <c:pt idx="83">
+                  <c:v>14</c:v>
+                </c:pt>
+                <c:pt idx="84">
+                  <c:v>14</c:v>
+                </c:pt>
+                <c:pt idx="85">
+                  <c:v>15</c:v>
+                </c:pt>
+                <c:pt idx="86">
+                  <c:v>16</c:v>
+                </c:pt>
+                <c:pt idx="87">
+                  <c:v>16</c:v>
+                </c:pt>
+                <c:pt idx="88">
+                  <c:v>16</c:v>
+                </c:pt>
+                <c:pt idx="89">
+                  <c:v>17</c:v>
+                </c:pt>
+                <c:pt idx="90">
+                  <c:v>17</c:v>
+                </c:pt>
+                <c:pt idx="91">
+                  <c:v>17</c:v>
+                </c:pt>
+                <c:pt idx="92">
+                  <c:v>19</c:v>
+                </c:pt>
+                <c:pt idx="93">
+                  <c:v>23</c:v>
+                </c:pt>
+                <c:pt idx="94">
+                  <c:v>27</c:v>
+                </c:pt>
+                <c:pt idx="95">
+                  <c:v>38</c:v>
+                </c:pt>
+                <c:pt idx="96">
+                  <c:v>50</c:v>
+                </c:pt>
+                <c:pt idx="97">
+                  <c:v>76</c:v>
+                </c:pt>
+                <c:pt idx="98">
+                  <c:v>90</c:v>
+                </c:pt>
+                <c:pt idx="99">
+                  <c:v>130</c:v>
+                </c:pt>
+              </c:numCache>
+            </c:numRef>
+          </c:yVal>
+          <c:smooth val="0"/>
+          <c:extLst xmlns:c16r2="http://schemas.microsoft.com/office/drawing/2015/06/chart">
+            <c:ext xmlns:c16="http://schemas.microsoft.com/office/drawing/2014/chart" uri="{C3380CC4-5D6E-409C-BE32-E72D297353CC}">
+              <c16:uniqueId val="{00000000-4BAD-4BF6-A639-3C4537A65289}"/>
+            </c:ext>
+          </c:extLst>
+        </c:ser>
+        <c:ser>
+          <c:idx val="1"/>
+          <c:order val="1"/>
+          <c:tx>
+            <c:strRef>
+              <c:f>Planilha1!$C$1</c:f>
+              <c:strCache>
+                <c:ptCount val="1"/>
+                <c:pt idx="0">
+                  <c:v>Second 100</c:v>
+                </c:pt>
+              </c:strCache>
+            </c:strRef>
+          </c:tx>
+          <c:spPr>
+            <a:ln w="19050" cap="rnd">
+              <a:noFill/>
+              <a:round/>
+            </a:ln>
+            <a:effectLst/>
+          </c:spPr>
+          <c:marker>
+            <c:symbol val="circle"/>
+            <c:size val="5"/>
+            <c:spPr>
+              <a:solidFill>
+                <a:schemeClr val="accent2"/>
+              </a:solidFill>
+              <a:ln w="9525">
+                <a:solidFill>
+                  <a:schemeClr val="accent2"/>
+                </a:solidFill>
+              </a:ln>
+              <a:effectLst/>
+            </c:spPr>
+          </c:marker>
+          <c:xVal>
+            <c:numRef>
+              <c:f>Planilha1!$A$2:$A$101</c:f>
+              <c:numCache>
+                <c:formatCode>General</c:formatCode>
+                <c:ptCount val="100"/>
+                <c:pt idx="0">
+                  <c:v>1</c:v>
+                </c:pt>
+                <c:pt idx="1">
+                  <c:v>2</c:v>
+                </c:pt>
+                <c:pt idx="2">
+                  <c:v>3</c:v>
+                </c:pt>
+                <c:pt idx="3">
+                  <c:v>4</c:v>
+                </c:pt>
+                <c:pt idx="4">
+                  <c:v>5</c:v>
+                </c:pt>
+                <c:pt idx="5">
+                  <c:v>6</c:v>
+                </c:pt>
+                <c:pt idx="6">
+                  <c:v>7</c:v>
+                </c:pt>
+                <c:pt idx="7">
+                  <c:v>8</c:v>
+                </c:pt>
+                <c:pt idx="8">
+                  <c:v>9</c:v>
+                </c:pt>
+                <c:pt idx="9">
+                  <c:v>10</c:v>
+                </c:pt>
+                <c:pt idx="10">
+                  <c:v>11</c:v>
+                </c:pt>
+                <c:pt idx="11">
+                  <c:v>12</c:v>
+                </c:pt>
+                <c:pt idx="12">
+                  <c:v>13</c:v>
+                </c:pt>
+                <c:pt idx="13">
+                  <c:v>14</c:v>
+                </c:pt>
+                <c:pt idx="14">
+                  <c:v>15</c:v>
+                </c:pt>
+                <c:pt idx="15">
+                  <c:v>16</c:v>
+                </c:pt>
+                <c:pt idx="16">
+                  <c:v>17</c:v>
+                </c:pt>
+                <c:pt idx="17">
+                  <c:v>18</c:v>
+                </c:pt>
+                <c:pt idx="18">
+                  <c:v>19</c:v>
+                </c:pt>
+                <c:pt idx="19">
+                  <c:v>20</c:v>
+                </c:pt>
+                <c:pt idx="20">
+                  <c:v>21</c:v>
+                </c:pt>
+                <c:pt idx="21">
+                  <c:v>22</c:v>
+                </c:pt>
+                <c:pt idx="22">
+                  <c:v>23</c:v>
+                </c:pt>
+                <c:pt idx="23">
+                  <c:v>24</c:v>
+                </c:pt>
+                <c:pt idx="24">
+                  <c:v>25</c:v>
+                </c:pt>
+                <c:pt idx="25">
+                  <c:v>26</c:v>
+                </c:pt>
+                <c:pt idx="26">
+                  <c:v>27</c:v>
+                </c:pt>
+                <c:pt idx="27">
+                  <c:v>28</c:v>
+                </c:pt>
+                <c:pt idx="28">
+                  <c:v>29</c:v>
+                </c:pt>
+                <c:pt idx="29">
+                  <c:v>30</c:v>
+                </c:pt>
+                <c:pt idx="30">
+                  <c:v>31</c:v>
+                </c:pt>
+                <c:pt idx="31">
+                  <c:v>32</c:v>
+                </c:pt>
+                <c:pt idx="32">
+                  <c:v>33</c:v>
+                </c:pt>
+                <c:pt idx="33">
+                  <c:v>34</c:v>
+                </c:pt>
+                <c:pt idx="34">
+                  <c:v>35</c:v>
+                </c:pt>
+                <c:pt idx="35">
+                  <c:v>36</c:v>
+                </c:pt>
+                <c:pt idx="36">
+                  <c:v>37</c:v>
+                </c:pt>
+                <c:pt idx="37">
+                  <c:v>38</c:v>
+                </c:pt>
+                <c:pt idx="38">
+                  <c:v>39</c:v>
+                </c:pt>
+                <c:pt idx="39">
+                  <c:v>40</c:v>
+                </c:pt>
+                <c:pt idx="40">
+                  <c:v>41</c:v>
+                </c:pt>
+                <c:pt idx="41">
+                  <c:v>42</c:v>
+                </c:pt>
+                <c:pt idx="42">
+                  <c:v>43</c:v>
+                </c:pt>
+                <c:pt idx="43">
+                  <c:v>44</c:v>
+                </c:pt>
+                <c:pt idx="44">
+                  <c:v>45</c:v>
+                </c:pt>
+                <c:pt idx="45">
+                  <c:v>46</c:v>
+                </c:pt>
+                <c:pt idx="46">
+                  <c:v>47</c:v>
+                </c:pt>
+                <c:pt idx="47">
+                  <c:v>48</c:v>
+                </c:pt>
+                <c:pt idx="48">
+                  <c:v>49</c:v>
+                </c:pt>
+                <c:pt idx="49">
+                  <c:v>50</c:v>
+                </c:pt>
+                <c:pt idx="50">
+                  <c:v>51</c:v>
+                </c:pt>
+                <c:pt idx="51">
+                  <c:v>52</c:v>
+                </c:pt>
+                <c:pt idx="52">
+                  <c:v>53</c:v>
+                </c:pt>
+                <c:pt idx="53">
+                  <c:v>54</c:v>
+                </c:pt>
+                <c:pt idx="54">
+                  <c:v>55</c:v>
+                </c:pt>
+                <c:pt idx="55">
+                  <c:v>56</c:v>
+                </c:pt>
+                <c:pt idx="56">
+                  <c:v>57</c:v>
+                </c:pt>
+                <c:pt idx="57">
+                  <c:v>58</c:v>
+                </c:pt>
+                <c:pt idx="58">
+                  <c:v>59</c:v>
+                </c:pt>
+                <c:pt idx="59">
+                  <c:v>60</c:v>
+                </c:pt>
+                <c:pt idx="60">
+                  <c:v>61</c:v>
+                </c:pt>
+                <c:pt idx="61">
+                  <c:v>62</c:v>
+                </c:pt>
+                <c:pt idx="62">
+                  <c:v>63</c:v>
+                </c:pt>
+                <c:pt idx="63">
+                  <c:v>64</c:v>
+                </c:pt>
+                <c:pt idx="64">
+                  <c:v>65</c:v>
+                </c:pt>
+                <c:pt idx="65">
+                  <c:v>66</c:v>
+                </c:pt>
+                <c:pt idx="66">
+                  <c:v>67</c:v>
+                </c:pt>
+                <c:pt idx="67">
+                  <c:v>68</c:v>
+                </c:pt>
+                <c:pt idx="68">
+                  <c:v>69</c:v>
+                </c:pt>
+                <c:pt idx="69">
+                  <c:v>70</c:v>
+                </c:pt>
+                <c:pt idx="70">
+                  <c:v>71</c:v>
+                </c:pt>
+                <c:pt idx="71">
+                  <c:v>72</c:v>
+                </c:pt>
+                <c:pt idx="72">
+                  <c:v>73</c:v>
+                </c:pt>
+                <c:pt idx="73">
+                  <c:v>74</c:v>
+                </c:pt>
+                <c:pt idx="74">
+                  <c:v>75</c:v>
+                </c:pt>
+                <c:pt idx="75">
+                  <c:v>76</c:v>
+                </c:pt>
+                <c:pt idx="76">
+                  <c:v>77</c:v>
+                </c:pt>
+                <c:pt idx="77">
+                  <c:v>78</c:v>
+                </c:pt>
+                <c:pt idx="78">
+                  <c:v>79</c:v>
+                </c:pt>
+                <c:pt idx="79">
+                  <c:v>80</c:v>
+                </c:pt>
+                <c:pt idx="80">
+                  <c:v>81</c:v>
+                </c:pt>
+                <c:pt idx="81">
+                  <c:v>82</c:v>
+                </c:pt>
+                <c:pt idx="82">
+                  <c:v>83</c:v>
+                </c:pt>
+                <c:pt idx="83">
+                  <c:v>84</c:v>
+                </c:pt>
+                <c:pt idx="84">
+                  <c:v>85</c:v>
+                </c:pt>
+                <c:pt idx="85">
+                  <c:v>86</c:v>
+                </c:pt>
+                <c:pt idx="86">
+                  <c:v>87</c:v>
+                </c:pt>
+                <c:pt idx="87">
+                  <c:v>88</c:v>
+                </c:pt>
+                <c:pt idx="88">
+                  <c:v>89</c:v>
+                </c:pt>
+                <c:pt idx="89">
+                  <c:v>90</c:v>
+                </c:pt>
+                <c:pt idx="90">
+                  <c:v>91</c:v>
+                </c:pt>
+                <c:pt idx="91">
+                  <c:v>92</c:v>
+                </c:pt>
+                <c:pt idx="92">
+                  <c:v>93</c:v>
+                </c:pt>
+                <c:pt idx="93">
+                  <c:v>94</c:v>
+                </c:pt>
+                <c:pt idx="94">
+                  <c:v>95</c:v>
+                </c:pt>
+                <c:pt idx="95">
+                  <c:v>96</c:v>
+                </c:pt>
+                <c:pt idx="96">
+                  <c:v>97</c:v>
+                </c:pt>
+                <c:pt idx="97">
+                  <c:v>98</c:v>
+                </c:pt>
+                <c:pt idx="98">
+                  <c:v>99</c:v>
+                </c:pt>
+                <c:pt idx="99">
+                  <c:v>100</c:v>
+                </c:pt>
+              </c:numCache>
+            </c:numRef>
+          </c:xVal>
+          <c:yVal>
+            <c:numRef>
+              <c:f>Planilha1!$C$2:$C$101</c:f>
+              <c:numCache>
+                <c:formatCode>General</c:formatCode>
+                <c:ptCount val="100"/>
+                <c:pt idx="0">
+                  <c:v>2</c:v>
+                </c:pt>
+                <c:pt idx="1">
+                  <c:v>2</c:v>
+                </c:pt>
+                <c:pt idx="2">
+                  <c:v>2</c:v>
+                </c:pt>
+                <c:pt idx="3">
+                  <c:v>2</c:v>
+                </c:pt>
+                <c:pt idx="4">
+                  <c:v>2</c:v>
+                </c:pt>
+                <c:pt idx="5">
+                  <c:v>3</c:v>
+                </c:pt>
+                <c:pt idx="6">
+                  <c:v>3</c:v>
+                </c:pt>
+                <c:pt idx="7">
+                  <c:v>3</c:v>
+                </c:pt>
+                <c:pt idx="8">
+                  <c:v>3</c:v>
+                </c:pt>
+                <c:pt idx="9">
+                  <c:v>3</c:v>
+                </c:pt>
+                <c:pt idx="10">
+                  <c:v>4</c:v>
+                </c:pt>
+                <c:pt idx="11">
+                  <c:v>4</c:v>
+                </c:pt>
+                <c:pt idx="12">
+                  <c:v>4</c:v>
+                </c:pt>
+                <c:pt idx="13">
+                  <c:v>4</c:v>
+                </c:pt>
+                <c:pt idx="14">
+                  <c:v>4</c:v>
+                </c:pt>
+                <c:pt idx="15">
+                  <c:v>4</c:v>
+                </c:pt>
+                <c:pt idx="16">
+                  <c:v>4</c:v>
+                </c:pt>
+                <c:pt idx="17">
+                  <c:v>4</c:v>
+                </c:pt>
+                <c:pt idx="18">
+                  <c:v>4</c:v>
+                </c:pt>
+                <c:pt idx="19">
+                  <c:v>4</c:v>
+                </c:pt>
+                <c:pt idx="20">
+                  <c:v>5</c:v>
+                </c:pt>
+                <c:pt idx="21">
+                  <c:v>5</c:v>
+                </c:pt>
+                <c:pt idx="22">
+                  <c:v>5</c:v>
+                </c:pt>
+                <c:pt idx="23">
+                  <c:v>5</c:v>
+                </c:pt>
+                <c:pt idx="24">
+                  <c:v>5</c:v>
+                </c:pt>
+                <c:pt idx="25">
+                  <c:v>5</c:v>
+                </c:pt>
+                <c:pt idx="26">
+                  <c:v>5</c:v>
+                </c:pt>
+                <c:pt idx="27">
+                  <c:v>5</c:v>
+                </c:pt>
+                <c:pt idx="28">
+                  <c:v>6</c:v>
+                </c:pt>
+                <c:pt idx="29">
+                  <c:v>6</c:v>
+                </c:pt>
+                <c:pt idx="30">
+                  <c:v>6</c:v>
+                </c:pt>
+                <c:pt idx="31">
+                  <c:v>6</c:v>
+                </c:pt>
+                <c:pt idx="32">
+                  <c:v>6</c:v>
+                </c:pt>
+                <c:pt idx="33">
+                  <c:v>6</c:v>
+                </c:pt>
+                <c:pt idx="34">
+                  <c:v>6</c:v>
+                </c:pt>
+                <c:pt idx="35">
+                  <c:v>6</c:v>
+                </c:pt>
+                <c:pt idx="36">
+                  <c:v>7</c:v>
+                </c:pt>
+                <c:pt idx="37">
+                  <c:v>7</c:v>
+                </c:pt>
+                <c:pt idx="38">
+                  <c:v>7</c:v>
+                </c:pt>
+                <c:pt idx="39">
+                  <c:v>7</c:v>
+                </c:pt>
+                <c:pt idx="40">
+                  <c:v>7</c:v>
+                </c:pt>
+                <c:pt idx="41">
+                  <c:v>7</c:v>
+                </c:pt>
+                <c:pt idx="42">
+                  <c:v>7</c:v>
+                </c:pt>
+                <c:pt idx="43">
+                  <c:v>7</c:v>
+                </c:pt>
+                <c:pt idx="44">
+                  <c:v>7</c:v>
+                </c:pt>
+                <c:pt idx="45">
+                  <c:v>7</c:v>
+                </c:pt>
+                <c:pt idx="46">
+                  <c:v>8</c:v>
+                </c:pt>
+                <c:pt idx="47">
+                  <c:v>8</c:v>
+                </c:pt>
+                <c:pt idx="48">
+                  <c:v>8</c:v>
+                </c:pt>
+                <c:pt idx="49">
+                  <c:v>8</c:v>
+                </c:pt>
+                <c:pt idx="50">
+                  <c:v>8</c:v>
+                </c:pt>
+                <c:pt idx="51">
+                  <c:v>9</c:v>
+                </c:pt>
+                <c:pt idx="52">
+                  <c:v>9</c:v>
+                </c:pt>
+                <c:pt idx="53">
+                  <c:v>9</c:v>
+                </c:pt>
+                <c:pt idx="54">
+                  <c:v>9</c:v>
+                </c:pt>
+                <c:pt idx="55">
+                  <c:v>9</c:v>
+                </c:pt>
+                <c:pt idx="56">
+                  <c:v>9</c:v>
+                </c:pt>
+                <c:pt idx="57">
+                  <c:v>9</c:v>
+                </c:pt>
+                <c:pt idx="58">
+                  <c:v>9</c:v>
+                </c:pt>
+                <c:pt idx="59">
+                  <c:v>9</c:v>
+                </c:pt>
+                <c:pt idx="60">
+                  <c:v>10</c:v>
+                </c:pt>
+                <c:pt idx="61">
+                  <c:v>10</c:v>
+                </c:pt>
+                <c:pt idx="62">
+                  <c:v>10</c:v>
+                </c:pt>
+                <c:pt idx="63">
+                  <c:v>10</c:v>
+                </c:pt>
+                <c:pt idx="64">
+                  <c:v>10</c:v>
+                </c:pt>
+                <c:pt idx="65">
+                  <c:v>10</c:v>
+                </c:pt>
+                <c:pt idx="66">
+                  <c:v>10</c:v>
+                </c:pt>
+                <c:pt idx="67">
+                  <c:v>10</c:v>
+                </c:pt>
+                <c:pt idx="68">
+                  <c:v>11</c:v>
+                </c:pt>
+                <c:pt idx="69">
+                  <c:v>11</c:v>
+                </c:pt>
+                <c:pt idx="70">
+                  <c:v>11</c:v>
+                </c:pt>
+                <c:pt idx="71">
+                  <c:v>11</c:v>
+                </c:pt>
+                <c:pt idx="72">
+                  <c:v>12</c:v>
+                </c:pt>
+                <c:pt idx="73">
+                  <c:v>12</c:v>
+                </c:pt>
+                <c:pt idx="74">
+                  <c:v>12</c:v>
+                </c:pt>
+                <c:pt idx="75">
+                  <c:v>12</c:v>
+                </c:pt>
+                <c:pt idx="76">
+                  <c:v>12</c:v>
+                </c:pt>
+                <c:pt idx="77">
+                  <c:v>12</c:v>
+                </c:pt>
+                <c:pt idx="78">
+                  <c:v>12</c:v>
+                </c:pt>
+                <c:pt idx="79">
+                  <c:v>12</c:v>
+                </c:pt>
+                <c:pt idx="80">
+                  <c:v>12</c:v>
+                </c:pt>
+                <c:pt idx="81">
+                  <c:v>13</c:v>
+                </c:pt>
+                <c:pt idx="82">
+                  <c:v>13</c:v>
+                </c:pt>
+                <c:pt idx="83">
+                  <c:v>13</c:v>
+                </c:pt>
+                <c:pt idx="84">
+                  <c:v>14</c:v>
+                </c:pt>
+                <c:pt idx="85">
+                  <c:v>14</c:v>
+                </c:pt>
+                <c:pt idx="86">
+                  <c:v>15</c:v>
+                </c:pt>
+                <c:pt idx="87">
+                  <c:v>15</c:v>
+                </c:pt>
+                <c:pt idx="88">
+                  <c:v>15</c:v>
+                </c:pt>
+                <c:pt idx="89">
+                  <c:v>15</c:v>
+                </c:pt>
+                <c:pt idx="90">
+                  <c:v>16</c:v>
+                </c:pt>
+                <c:pt idx="91">
+                  <c:v>17</c:v>
+                </c:pt>
+                <c:pt idx="92">
+                  <c:v>17</c:v>
+                </c:pt>
+                <c:pt idx="93">
+                  <c:v>17</c:v>
+                </c:pt>
+                <c:pt idx="94">
+                  <c:v>22</c:v>
+                </c:pt>
+                <c:pt idx="95">
+                  <c:v>25</c:v>
+                </c:pt>
+                <c:pt idx="96">
+                  <c:v>37</c:v>
+                </c:pt>
+                <c:pt idx="97">
+                  <c:v>37</c:v>
+                </c:pt>
+                <c:pt idx="98">
+                  <c:v>57</c:v>
+                </c:pt>
+                <c:pt idx="99">
+                  <c:v>118</c:v>
+                </c:pt>
+              </c:numCache>
+            </c:numRef>
+          </c:yVal>
+          <c:smooth val="0"/>
+          <c:extLst xmlns:c16r2="http://schemas.microsoft.com/office/drawing/2015/06/chart">
+            <c:ext xmlns:c16="http://schemas.microsoft.com/office/drawing/2014/chart" uri="{C3380CC4-5D6E-409C-BE32-E72D297353CC}">
+              <c16:uniqueId val="{00000001-4BAD-4BF6-A639-3C4537A65289}"/>
+            </c:ext>
+          </c:extLst>
+        </c:ser>
+        <c:dLbls>
+          <c:showLegendKey val="0"/>
+          <c:showVal val="0"/>
+          <c:showCatName val="0"/>
+          <c:showSerName val="0"/>
+          <c:showPercent val="0"/>
+          <c:showBubbleSize val="0"/>
+        </c:dLbls>
+        <c:axId val="142373376"/>
+        <c:axId val="23873216"/>
+      </c:scatterChart>
+      <c:valAx>
+        <c:axId val="142373376"/>
+        <c:scaling>
+          <c:orientation val="minMax"/>
+        </c:scaling>
+        <c:delete val="0"/>
+        <c:axPos val="b"/>
+        <c:majorGridlines>
+          <c:spPr>
+            <a:ln w="9525" cap="flat" cmpd="sng" algn="ctr">
+              <a:solidFill>
+                <a:schemeClr val="tx1">
+                  <a:lumMod val="15000"/>
+                  <a:lumOff val="85000"/>
+                </a:schemeClr>
+              </a:solidFill>
+              <a:round/>
+            </a:ln>
+            <a:effectLst/>
+          </c:spPr>
+        </c:majorGridlines>
+        <c:numFmt formatCode="General" sourceLinked="1"/>
+        <c:majorTickMark val="none"/>
+        <c:minorTickMark val="none"/>
+        <c:tickLblPos val="nextTo"/>
+        <c:spPr>
+          <a:noFill/>
+          <a:ln w="9525" cap="flat" cmpd="sng" algn="ctr">
+            <a:solidFill>
+              <a:schemeClr val="tx1">
+                <a:lumMod val="25000"/>
+                <a:lumOff val="75000"/>
+              </a:schemeClr>
+            </a:solidFill>
+            <a:round/>
+          </a:ln>
+          <a:effectLst/>
+        </c:spPr>
+        <c:txPr>
+          <a:bodyPr rot="-60000000" spcFirstLastPara="1" vertOverflow="ellipsis" vert="horz" wrap="square" anchor="ctr" anchorCtr="1"/>
+          <a:lstStyle/>
+          <a:p>
+            <a:pPr>
+              <a:defRPr sz="900" b="0" i="0" u="none" strike="noStrike" kern="1200" baseline="0">
+                <a:solidFill>
+                  <a:schemeClr val="tx1">
+                    <a:lumMod val="65000"/>
+                    <a:lumOff val="35000"/>
+                  </a:schemeClr>
+                </a:solidFill>
+                <a:latin typeface="+mn-lt"/>
+                <a:ea typeface="+mn-ea"/>
+                <a:cs typeface="+mn-cs"/>
+              </a:defRPr>
+            </a:pPr>
+            <a:endParaRPr lang="pt-BR"/>
+          </a:p>
+        </c:txPr>
+        <c:crossAx val="23873216"/>
+        <c:crosses val="autoZero"/>
+        <c:crossBetween val="midCat"/>
+      </c:valAx>
+      <c:valAx>
+        <c:axId val="23873216"/>
+        <c:scaling>
+          <c:orientation val="minMax"/>
+        </c:scaling>
+        <c:delete val="0"/>
+        <c:axPos val="l"/>
+        <c:majorGridlines>
+          <c:spPr>
+            <a:ln w="9525" cap="flat" cmpd="sng" algn="ctr">
+              <a:solidFill>
+                <a:schemeClr val="tx1">
+                  <a:lumMod val="15000"/>
+                  <a:lumOff val="85000"/>
+                </a:schemeClr>
+              </a:solidFill>
+              <a:round/>
+            </a:ln>
+            <a:effectLst/>
+          </c:spPr>
+        </c:majorGridlines>
+        <c:numFmt formatCode="General" sourceLinked="1"/>
+        <c:majorTickMark val="none"/>
+        <c:minorTickMark val="none"/>
+        <c:tickLblPos val="nextTo"/>
+        <c:spPr>
+          <a:noFill/>
+          <a:ln w="9525" cap="flat" cmpd="sng" algn="ctr">
+            <a:solidFill>
+              <a:schemeClr val="tx1">
+                <a:lumMod val="25000"/>
+                <a:lumOff val="75000"/>
+              </a:schemeClr>
+            </a:solidFill>
+            <a:round/>
+          </a:ln>
+          <a:effectLst/>
+        </c:spPr>
+        <c:txPr>
+          <a:bodyPr rot="-60000000" spcFirstLastPara="1" vertOverflow="ellipsis" vert="horz" wrap="square" anchor="ctr" anchorCtr="1"/>
+          <a:lstStyle/>
+          <a:p>
+            <a:pPr>
+              <a:defRPr sz="900" b="0" i="0" u="none" strike="noStrike" kern="1200" baseline="0">
+                <a:solidFill>
+                  <a:schemeClr val="tx1">
+                    <a:lumMod val="65000"/>
+                    <a:lumOff val="35000"/>
+                  </a:schemeClr>
+                </a:solidFill>
+                <a:latin typeface="+mn-lt"/>
+                <a:ea typeface="+mn-ea"/>
+                <a:cs typeface="+mn-cs"/>
+              </a:defRPr>
+            </a:pPr>
+            <a:endParaRPr lang="pt-BR"/>
+          </a:p>
+        </c:txPr>
+        <c:crossAx val="142373376"/>
+        <c:crosses val="autoZero"/>
+        <c:crossBetween val="midCat"/>
+      </c:valAx>
+      <c:spPr>
+        <a:noFill/>
+        <a:ln>
+          <a:noFill/>
+        </a:ln>
+        <a:effectLst/>
+      </c:spPr>
+    </c:plotArea>
+    <c:legend>
+      <c:legendPos val="b"/>
+      <c:layout/>
+      <c:overlay val="0"/>
+      <c:spPr>
+        <a:noFill/>
+        <a:ln>
+          <a:noFill/>
+        </a:ln>
+        <a:effectLst/>
+      </c:spPr>
+      <c:txPr>
+        <a:bodyPr rot="0" spcFirstLastPara="1" vertOverflow="ellipsis" vert="horz" wrap="square" anchor="ctr" anchorCtr="1"/>
+        <a:lstStyle/>
+        <a:p>
+          <a:pPr>
+            <a:defRPr sz="900" b="0" i="0" u="none" strike="noStrike" kern="1200" baseline="0">
+              <a:solidFill>
+                <a:schemeClr val="tx1">
+                  <a:lumMod val="65000"/>
+                  <a:lumOff val="35000"/>
+                </a:schemeClr>
+              </a:solidFill>
+              <a:latin typeface="+mn-lt"/>
+              <a:ea typeface="+mn-ea"/>
+              <a:cs typeface="+mn-cs"/>
+            </a:defRPr>
+          </a:pPr>
+          <a:endParaRPr lang="pt-BR"/>
+        </a:p>
+      </c:txPr>
+    </c:legend>
+    <c:plotVisOnly val="1"/>
+    <c:dispBlanksAs val="gap"/>
+    <c:showDLblsOverMax val="0"/>
+  </c:chart>
+  <c:spPr>
+    <a:solidFill>
+      <a:schemeClr val="bg1"/>
+    </a:solidFill>
+    <a:ln w="9525" cap="flat" cmpd="sng" algn="ctr">
+      <a:solidFill>
+        <a:schemeClr val="tx1">
+          <a:lumMod val="15000"/>
+          <a:lumOff val="85000"/>
+        </a:schemeClr>
+      </a:solidFill>
+      <a:round/>
+    </a:ln>
+    <a:effectLst/>
+  </c:spPr>
+  <c:txPr>
+    <a:bodyPr/>
+    <a:lstStyle/>
+    <a:p>
+      <a:pPr>
+        <a:defRPr/>
+      </a:pPr>
+      <a:endParaRPr lang="pt-BR"/>
+    </a:p>
+  </c:txPr>
+  <c:externalData r:id="rId1">
+    <c:autoUpdate val="0"/>
+  </c:externalData>
+</c:chartSpace>
+</file>
+
+<file path=ppt/charts/chart5.xml><?xml version="1.0" encoding="utf-8"?>
+<c:chartSpace xmlns:c="http://schemas.openxmlformats.org/drawingml/2006/chart" xmlns:a="http://schemas.openxmlformats.org/drawingml/2006/main" xmlns:r="http://schemas.openxmlformats.org/officeDocument/2006/relationships">
+  <c:date1904 val="0"/>
+  <c:lang val="pt-BR"/>
+  <c:roundedCorners val="0"/>
+  <mc:AlternateContent xmlns:mc="http://schemas.openxmlformats.org/markup-compatibility/2006">
+    <mc:Choice xmlns:c14="http://schemas.microsoft.com/office/drawing/2007/8/2/chart" Requires="c14">
+      <c14:style val="102"/>
+    </mc:Choice>
+    <mc:Fallback>
+      <c:style val="2"/>
+    </mc:Fallback>
+  </mc:AlternateContent>
+  <c:chart>
+    <c:title>
+      <c:tx>
+        <c:rich>
+          <a:bodyPr rot="0" spcFirstLastPara="1" vertOverflow="ellipsis" vert="horz" wrap="square" anchor="ctr" anchorCtr="1"/>
+          <a:lstStyle/>
+          <a:p>
+            <a:pPr>
+              <a:defRPr sz="1400" b="0" i="0" u="none" strike="noStrike" kern="1200" spc="0" baseline="0">
+                <a:solidFill>
+                  <a:schemeClr val="tx1">
+                    <a:lumMod val="65000"/>
+                    <a:lumOff val="35000"/>
+                  </a:schemeClr>
+                </a:solidFill>
+                <a:latin typeface="+mn-lt"/>
+                <a:ea typeface="+mn-ea"/>
+                <a:cs typeface="+mn-cs"/>
+              </a:defRPr>
+            </a:pPr>
+            <a:r>
+              <a:rPr lang="pt-BR"/>
+              <a:t>Calculados x Simulados</a:t>
+            </a:r>
+          </a:p>
+        </c:rich>
+      </c:tx>
+      <c:layout/>
+      <c:overlay val="0"/>
+      <c:spPr>
+        <a:noFill/>
+        <a:ln>
+          <a:noFill/>
+        </a:ln>
+        <a:effectLst/>
+      </c:spPr>
+    </c:title>
+    <c:autoTitleDeleted val="0"/>
+    <c:plotArea>
+      <c:layout/>
+      <c:scatterChart>
+        <c:scatterStyle val="lineMarker"/>
+        <c:varyColors val="0"/>
+        <c:ser>
+          <c:idx val="0"/>
+          <c:order val="0"/>
+          <c:tx>
+            <c:strRef>
+              <c:f>Planilha1!$R$1</c:f>
+              <c:strCache>
+                <c:ptCount val="1"/>
+                <c:pt idx="0">
+                  <c:v>Second 100</c:v>
+                </c:pt>
+              </c:strCache>
+            </c:strRef>
+          </c:tx>
+          <c:spPr>
+            <a:ln w="19050" cap="rnd">
+              <a:noFill/>
+              <a:round/>
+            </a:ln>
+            <a:effectLst/>
+          </c:spPr>
+          <c:marker>
+            <c:symbol val="circle"/>
+            <c:size val="5"/>
+            <c:spPr>
+              <a:solidFill>
+                <a:schemeClr val="accent1"/>
+              </a:solidFill>
+              <a:ln w="9525">
+                <a:solidFill>
+                  <a:schemeClr val="accent1"/>
+                </a:solidFill>
+              </a:ln>
+              <a:effectLst/>
+            </c:spPr>
+          </c:marker>
+          <c:xVal>
+            <c:numRef>
+              <c:f>Planilha1!$Q$2:$Q$132</c:f>
+              <c:numCache>
+                <c:formatCode>General</c:formatCode>
+                <c:ptCount val="131"/>
+                <c:pt idx="0">
+                  <c:v>1</c:v>
+                </c:pt>
+                <c:pt idx="1">
+                  <c:v>2</c:v>
+                </c:pt>
+                <c:pt idx="2">
+                  <c:v>3</c:v>
+                </c:pt>
+                <c:pt idx="3">
+                  <c:v>4</c:v>
+                </c:pt>
+                <c:pt idx="4">
+                  <c:v>5</c:v>
+                </c:pt>
+                <c:pt idx="5">
+                  <c:v>6</c:v>
+                </c:pt>
+                <c:pt idx="6">
+                  <c:v>7</c:v>
+                </c:pt>
+                <c:pt idx="7">
+                  <c:v>8</c:v>
+                </c:pt>
+                <c:pt idx="8">
+                  <c:v>9</c:v>
+                </c:pt>
+                <c:pt idx="9">
+                  <c:v>10</c:v>
+                </c:pt>
+                <c:pt idx="10">
+                  <c:v>11</c:v>
+                </c:pt>
+                <c:pt idx="11">
+                  <c:v>12</c:v>
+                </c:pt>
+                <c:pt idx="12">
+                  <c:v>13</c:v>
+                </c:pt>
+                <c:pt idx="13">
+                  <c:v>14</c:v>
+                </c:pt>
+                <c:pt idx="14">
+                  <c:v>15</c:v>
+                </c:pt>
+                <c:pt idx="15">
+                  <c:v>16</c:v>
+                </c:pt>
+                <c:pt idx="16">
+                  <c:v>17</c:v>
+                </c:pt>
+                <c:pt idx="17">
+                  <c:v>18</c:v>
+                </c:pt>
+                <c:pt idx="18">
+                  <c:v>19</c:v>
+                </c:pt>
+                <c:pt idx="19">
+                  <c:v>20</c:v>
+                </c:pt>
+                <c:pt idx="20">
+                  <c:v>21</c:v>
+                </c:pt>
+                <c:pt idx="21">
+                  <c:v>22</c:v>
+                </c:pt>
+                <c:pt idx="22">
+                  <c:v>23</c:v>
+                </c:pt>
+                <c:pt idx="23">
+                  <c:v>24</c:v>
+                </c:pt>
+                <c:pt idx="24">
+                  <c:v>25</c:v>
+                </c:pt>
+                <c:pt idx="25">
+                  <c:v>26</c:v>
+                </c:pt>
+                <c:pt idx="26">
+                  <c:v>27</c:v>
+                </c:pt>
+                <c:pt idx="27">
+                  <c:v>28</c:v>
+                </c:pt>
+                <c:pt idx="28">
+                  <c:v>29</c:v>
+                </c:pt>
+                <c:pt idx="29">
+                  <c:v>30</c:v>
+                </c:pt>
+                <c:pt idx="30">
+                  <c:v>31</c:v>
+                </c:pt>
+                <c:pt idx="31">
+                  <c:v>32</c:v>
+                </c:pt>
+                <c:pt idx="32">
+                  <c:v>33</c:v>
+                </c:pt>
+                <c:pt idx="33">
+                  <c:v>34</c:v>
+                </c:pt>
+                <c:pt idx="34">
+                  <c:v>35</c:v>
+                </c:pt>
+                <c:pt idx="35">
+                  <c:v>36</c:v>
+                </c:pt>
+                <c:pt idx="36">
+                  <c:v>37</c:v>
+                </c:pt>
+                <c:pt idx="37">
+                  <c:v>38</c:v>
+                </c:pt>
+                <c:pt idx="38">
+                  <c:v>39</c:v>
+                </c:pt>
+                <c:pt idx="39">
+                  <c:v>40</c:v>
+                </c:pt>
+                <c:pt idx="40">
+                  <c:v>41</c:v>
+                </c:pt>
+                <c:pt idx="41">
+                  <c:v>42</c:v>
+                </c:pt>
+                <c:pt idx="42">
+                  <c:v>43</c:v>
+                </c:pt>
+                <c:pt idx="43">
+                  <c:v>44</c:v>
+                </c:pt>
+                <c:pt idx="44">
+                  <c:v>45</c:v>
+                </c:pt>
+                <c:pt idx="45">
+                  <c:v>46</c:v>
+                </c:pt>
+                <c:pt idx="46">
+                  <c:v>47</c:v>
+                </c:pt>
+                <c:pt idx="47">
+                  <c:v>48</c:v>
+                </c:pt>
+                <c:pt idx="48">
+                  <c:v>49</c:v>
+                </c:pt>
+                <c:pt idx="49">
+                  <c:v>50</c:v>
+                </c:pt>
+                <c:pt idx="50">
+                  <c:v>51</c:v>
+                </c:pt>
+                <c:pt idx="51">
+                  <c:v>52</c:v>
+                </c:pt>
+                <c:pt idx="52">
+                  <c:v>53</c:v>
+                </c:pt>
+                <c:pt idx="53">
+                  <c:v>54</c:v>
+                </c:pt>
+                <c:pt idx="54">
+                  <c:v>55</c:v>
+                </c:pt>
+                <c:pt idx="55">
+                  <c:v>56</c:v>
+                </c:pt>
+                <c:pt idx="56">
+                  <c:v>57</c:v>
+                </c:pt>
+                <c:pt idx="57">
+                  <c:v>58</c:v>
+                </c:pt>
+                <c:pt idx="58">
+                  <c:v>59</c:v>
+                </c:pt>
+                <c:pt idx="59">
+                  <c:v>60</c:v>
+                </c:pt>
+                <c:pt idx="60">
+                  <c:v>61</c:v>
+                </c:pt>
+                <c:pt idx="61">
+                  <c:v>62</c:v>
+                </c:pt>
+                <c:pt idx="62">
+                  <c:v>63</c:v>
+                </c:pt>
+                <c:pt idx="63">
+                  <c:v>64</c:v>
+                </c:pt>
+                <c:pt idx="64">
+                  <c:v>65</c:v>
+                </c:pt>
+                <c:pt idx="65">
+                  <c:v>66</c:v>
+                </c:pt>
+                <c:pt idx="66">
+                  <c:v>67</c:v>
+                </c:pt>
+                <c:pt idx="67">
+                  <c:v>68</c:v>
+                </c:pt>
+                <c:pt idx="68">
+                  <c:v>69</c:v>
+                </c:pt>
+                <c:pt idx="69">
+                  <c:v>70</c:v>
+                </c:pt>
+                <c:pt idx="70">
+                  <c:v>71</c:v>
+                </c:pt>
+                <c:pt idx="71">
+                  <c:v>72</c:v>
+                </c:pt>
+                <c:pt idx="72">
+                  <c:v>73</c:v>
+                </c:pt>
+                <c:pt idx="73">
+                  <c:v>74</c:v>
+                </c:pt>
+                <c:pt idx="74">
+                  <c:v>75</c:v>
+                </c:pt>
+                <c:pt idx="75">
+                  <c:v>76</c:v>
+                </c:pt>
+                <c:pt idx="76">
+                  <c:v>77</c:v>
+                </c:pt>
+                <c:pt idx="77">
+                  <c:v>78</c:v>
+                </c:pt>
+                <c:pt idx="78">
+                  <c:v>79</c:v>
+                </c:pt>
+                <c:pt idx="79">
+                  <c:v>80</c:v>
+                </c:pt>
+                <c:pt idx="80">
+                  <c:v>81</c:v>
+                </c:pt>
+                <c:pt idx="81">
+                  <c:v>82</c:v>
+                </c:pt>
+                <c:pt idx="82">
+                  <c:v>83</c:v>
+                </c:pt>
+                <c:pt idx="83">
+                  <c:v>84</c:v>
+                </c:pt>
+                <c:pt idx="84">
+                  <c:v>85</c:v>
+                </c:pt>
+                <c:pt idx="85">
+                  <c:v>86</c:v>
+                </c:pt>
+                <c:pt idx="86">
+                  <c:v>87</c:v>
+                </c:pt>
+                <c:pt idx="87">
+                  <c:v>88</c:v>
+                </c:pt>
+                <c:pt idx="88">
+                  <c:v>89</c:v>
+                </c:pt>
+                <c:pt idx="89">
+                  <c:v>90</c:v>
+                </c:pt>
+                <c:pt idx="90">
+                  <c:v>91</c:v>
+                </c:pt>
+                <c:pt idx="91">
+                  <c:v>92</c:v>
+                </c:pt>
+                <c:pt idx="92">
+                  <c:v>93</c:v>
+                </c:pt>
+                <c:pt idx="93">
+                  <c:v>94</c:v>
+                </c:pt>
+                <c:pt idx="94">
+                  <c:v>95</c:v>
+                </c:pt>
+                <c:pt idx="95">
+                  <c:v>96</c:v>
+                </c:pt>
+                <c:pt idx="96">
+                  <c:v>97</c:v>
+                </c:pt>
+                <c:pt idx="97">
+                  <c:v>98</c:v>
+                </c:pt>
+                <c:pt idx="98">
+                  <c:v>99</c:v>
+                </c:pt>
+                <c:pt idx="99">
+                  <c:v>100</c:v>
+                </c:pt>
+              </c:numCache>
+            </c:numRef>
+          </c:xVal>
+          <c:yVal>
+            <c:numRef>
+              <c:f>Planilha1!$R$2:$R$132</c:f>
+              <c:numCache>
+                <c:formatCode>General</c:formatCode>
+                <c:ptCount val="131"/>
+                <c:pt idx="0">
+                  <c:v>12</c:v>
+                </c:pt>
+                <c:pt idx="1">
+                  <c:v>4</c:v>
+                </c:pt>
+                <c:pt idx="2">
+                  <c:v>12</c:v>
+                </c:pt>
+                <c:pt idx="3">
+                  <c:v>15</c:v>
+                </c:pt>
+                <c:pt idx="4">
+                  <c:v>4</c:v>
+                </c:pt>
+                <c:pt idx="5">
+                  <c:v>11</c:v>
+                </c:pt>
+                <c:pt idx="6">
+                  <c:v>10</c:v>
+                </c:pt>
+                <c:pt idx="7">
+                  <c:v>4</c:v>
+                </c:pt>
+                <c:pt idx="8">
+                  <c:v>5</c:v>
+                </c:pt>
+                <c:pt idx="9">
+                  <c:v>3</c:v>
+                </c:pt>
+                <c:pt idx="10">
+                  <c:v>7</c:v>
+                </c:pt>
+                <c:pt idx="11">
+                  <c:v>13</c:v>
+                </c:pt>
+                <c:pt idx="12">
+                  <c:v>15</c:v>
+                </c:pt>
+                <c:pt idx="13">
+                  <c:v>12</c:v>
+                </c:pt>
+                <c:pt idx="14">
+                  <c:v>8</c:v>
+                </c:pt>
+                <c:pt idx="15">
+                  <c:v>17</c:v>
+                </c:pt>
+                <c:pt idx="16">
+                  <c:v>9</c:v>
+                </c:pt>
+                <c:pt idx="17">
+                  <c:v>3</c:v>
+                </c:pt>
+                <c:pt idx="18">
+                  <c:v>57</c:v>
+                </c:pt>
+                <c:pt idx="19">
+                  <c:v>2</c:v>
+                </c:pt>
+                <c:pt idx="20">
+                  <c:v>7</c:v>
+                </c:pt>
+                <c:pt idx="21">
+                  <c:v>13</c:v>
+                </c:pt>
+                <c:pt idx="22">
+                  <c:v>5</c:v>
+                </c:pt>
+                <c:pt idx="23">
+                  <c:v>9</c:v>
+                </c:pt>
+                <c:pt idx="24">
+                  <c:v>11</c:v>
+                </c:pt>
+                <c:pt idx="25">
+                  <c:v>2</c:v>
+                </c:pt>
+                <c:pt idx="26">
+                  <c:v>6</c:v>
+                </c:pt>
+                <c:pt idx="27">
+                  <c:v>16</c:v>
+                </c:pt>
+                <c:pt idx="28">
+                  <c:v>17</c:v>
+                </c:pt>
+                <c:pt idx="29">
+                  <c:v>3</c:v>
+                </c:pt>
+                <c:pt idx="30">
+                  <c:v>4</c:v>
+                </c:pt>
+                <c:pt idx="31">
+                  <c:v>11</c:v>
+                </c:pt>
+                <c:pt idx="32">
+                  <c:v>15</c:v>
+                </c:pt>
+                <c:pt idx="33">
+                  <c:v>12</c:v>
+                </c:pt>
+                <c:pt idx="34">
+                  <c:v>37</c:v>
+                </c:pt>
+                <c:pt idx="35">
+                  <c:v>2</c:v>
+                </c:pt>
+                <c:pt idx="36">
+                  <c:v>10</c:v>
+                </c:pt>
+                <c:pt idx="37">
+                  <c:v>2</c:v>
+                </c:pt>
+                <c:pt idx="38">
+                  <c:v>14</c:v>
+                </c:pt>
+                <c:pt idx="39">
+                  <c:v>6</c:v>
+                </c:pt>
+                <c:pt idx="40">
+                  <c:v>4</c:v>
+                </c:pt>
+                <c:pt idx="41">
+                  <c:v>4</c:v>
+                </c:pt>
+                <c:pt idx="42">
+                  <c:v>6</c:v>
+                </c:pt>
+                <c:pt idx="43">
+                  <c:v>12</c:v>
+                </c:pt>
+                <c:pt idx="44">
+                  <c:v>5</c:v>
+                </c:pt>
+                <c:pt idx="45">
+                  <c:v>4</c:v>
+                </c:pt>
+                <c:pt idx="46">
+                  <c:v>9</c:v>
+                </c:pt>
+                <c:pt idx="47">
+                  <c:v>7</c:v>
+                </c:pt>
+                <c:pt idx="48">
+                  <c:v>25</c:v>
+                </c:pt>
+                <c:pt idx="49">
+                  <c:v>10</c:v>
+                </c:pt>
+                <c:pt idx="50">
+                  <c:v>10</c:v>
+                </c:pt>
+                <c:pt idx="51">
+                  <c:v>4</c:v>
+                </c:pt>
+                <c:pt idx="52">
+                  <c:v>4</c:v>
+                </c:pt>
+                <c:pt idx="53">
+                  <c:v>6</c:v>
+                </c:pt>
+                <c:pt idx="54">
+                  <c:v>8</c:v>
+                </c:pt>
+                <c:pt idx="55">
+                  <c:v>7</c:v>
+                </c:pt>
+                <c:pt idx="56">
+                  <c:v>6</c:v>
+                </c:pt>
+                <c:pt idx="57">
+                  <c:v>37</c:v>
+                </c:pt>
+                <c:pt idx="58">
+                  <c:v>14</c:v>
+                </c:pt>
+                <c:pt idx="59">
+                  <c:v>2</c:v>
+                </c:pt>
+                <c:pt idx="60">
+                  <c:v>8</c:v>
+                </c:pt>
+                <c:pt idx="61">
+                  <c:v>7</c:v>
+                </c:pt>
+                <c:pt idx="62">
+                  <c:v>8</c:v>
+                </c:pt>
+                <c:pt idx="63">
+                  <c:v>9</c:v>
+                </c:pt>
+                <c:pt idx="64">
+                  <c:v>7</c:v>
+                </c:pt>
+                <c:pt idx="65">
+                  <c:v>12</c:v>
+                </c:pt>
+                <c:pt idx="66">
+                  <c:v>10</c:v>
+                </c:pt>
+                <c:pt idx="67">
+                  <c:v>118</c:v>
+                </c:pt>
+                <c:pt idx="68">
+                  <c:v>8</c:v>
+                </c:pt>
+                <c:pt idx="69">
+                  <c:v>7</c:v>
+                </c:pt>
+                <c:pt idx="70">
+                  <c:v>6</c:v>
+                </c:pt>
+                <c:pt idx="71">
+                  <c:v>5</c:v>
+                </c:pt>
+                <c:pt idx="72">
+                  <c:v>7</c:v>
+                </c:pt>
+                <c:pt idx="73">
+                  <c:v>5</c:v>
+                </c:pt>
+                <c:pt idx="74">
+                  <c:v>6</c:v>
+                </c:pt>
+                <c:pt idx="75">
+                  <c:v>5</c:v>
+                </c:pt>
+                <c:pt idx="76">
+                  <c:v>22</c:v>
+                </c:pt>
+                <c:pt idx="77">
+                  <c:v>12</c:v>
+                </c:pt>
+                <c:pt idx="78">
+                  <c:v>15</c:v>
+                </c:pt>
+                <c:pt idx="79">
+                  <c:v>7</c:v>
+                </c:pt>
+                <c:pt idx="80">
+                  <c:v>9</c:v>
+                </c:pt>
+                <c:pt idx="81">
+                  <c:v>9</c:v>
+                </c:pt>
+                <c:pt idx="82">
+                  <c:v>10</c:v>
+                </c:pt>
+                <c:pt idx="83">
+                  <c:v>13</c:v>
+                </c:pt>
+                <c:pt idx="84">
+                  <c:v>11</c:v>
+                </c:pt>
+                <c:pt idx="85">
+                  <c:v>10</c:v>
+                </c:pt>
+                <c:pt idx="86">
+                  <c:v>9</c:v>
+                </c:pt>
+                <c:pt idx="87">
+                  <c:v>3</c:v>
+                </c:pt>
+                <c:pt idx="88">
+                  <c:v>9</c:v>
+                </c:pt>
+                <c:pt idx="89">
+                  <c:v>4</c:v>
+                </c:pt>
+                <c:pt idx="90">
+                  <c:v>17</c:v>
+                </c:pt>
+                <c:pt idx="91">
+                  <c:v>12</c:v>
+                </c:pt>
+                <c:pt idx="92">
+                  <c:v>9</c:v>
+                </c:pt>
+                <c:pt idx="93">
+                  <c:v>6</c:v>
+                </c:pt>
+                <c:pt idx="94">
+                  <c:v>5</c:v>
+                </c:pt>
+                <c:pt idx="95">
+                  <c:v>7</c:v>
+                </c:pt>
+                <c:pt idx="96">
+                  <c:v>3</c:v>
+                </c:pt>
+                <c:pt idx="97">
+                  <c:v>10</c:v>
+                </c:pt>
+                <c:pt idx="98">
+                  <c:v>5</c:v>
+                </c:pt>
+                <c:pt idx="99">
+                  <c:v>12</c:v>
+                </c:pt>
+              </c:numCache>
+            </c:numRef>
+          </c:yVal>
+          <c:smooth val="0"/>
+          <c:extLst xmlns:c16r2="http://schemas.microsoft.com/office/drawing/2015/06/chart">
+            <c:ext xmlns:c16="http://schemas.microsoft.com/office/drawing/2014/chart" uri="{C3380CC4-5D6E-409C-BE32-E72D297353CC}">
+              <c16:uniqueId val="{00000000-1E5E-4B7B-9189-C147DE005EBB}"/>
+            </c:ext>
+          </c:extLst>
+        </c:ser>
+        <c:ser>
+          <c:idx val="1"/>
+          <c:order val="1"/>
+          <c:tx>
+            <c:strRef>
+              <c:f>Planilha1!$S$1</c:f>
+              <c:strCache>
+                <c:ptCount val="1"/>
+                <c:pt idx="0">
+                  <c:v>Generated</c:v>
+                </c:pt>
+              </c:strCache>
+            </c:strRef>
+          </c:tx>
+          <c:spPr>
+            <a:ln w="19050" cap="rnd">
+              <a:noFill/>
+              <a:round/>
+            </a:ln>
+            <a:effectLst/>
+          </c:spPr>
+          <c:marker>
+            <c:symbol val="circle"/>
+            <c:size val="5"/>
+            <c:spPr>
+              <a:solidFill>
+                <a:schemeClr val="accent2"/>
+              </a:solidFill>
+              <a:ln w="9525">
+                <a:solidFill>
+                  <a:schemeClr val="accent2"/>
+                </a:solidFill>
+              </a:ln>
+              <a:effectLst/>
+            </c:spPr>
+          </c:marker>
+          <c:xVal>
+            <c:numRef>
+              <c:f>Planilha1!$Q$2:$Q$132</c:f>
+              <c:numCache>
+                <c:formatCode>General</c:formatCode>
+                <c:ptCount val="131"/>
+                <c:pt idx="0">
+                  <c:v>1</c:v>
+                </c:pt>
+                <c:pt idx="1">
+                  <c:v>2</c:v>
+                </c:pt>
+                <c:pt idx="2">
+                  <c:v>3</c:v>
+                </c:pt>
+                <c:pt idx="3">
+                  <c:v>4</c:v>
+                </c:pt>
+                <c:pt idx="4">
+                  <c:v>5</c:v>
+                </c:pt>
+                <c:pt idx="5">
+                  <c:v>6</c:v>
+                </c:pt>
+                <c:pt idx="6">
+                  <c:v>7</c:v>
+                </c:pt>
+                <c:pt idx="7">
+                  <c:v>8</c:v>
+                </c:pt>
+                <c:pt idx="8">
+                  <c:v>9</c:v>
+                </c:pt>
+                <c:pt idx="9">
+                  <c:v>10</c:v>
+                </c:pt>
+                <c:pt idx="10">
+                  <c:v>11</c:v>
+                </c:pt>
+                <c:pt idx="11">
+                  <c:v>12</c:v>
+                </c:pt>
+                <c:pt idx="12">
+                  <c:v>13</c:v>
+                </c:pt>
+                <c:pt idx="13">
+                  <c:v>14</c:v>
+                </c:pt>
+                <c:pt idx="14">
+                  <c:v>15</c:v>
+                </c:pt>
+                <c:pt idx="15">
+                  <c:v>16</c:v>
+                </c:pt>
+                <c:pt idx="16">
+                  <c:v>17</c:v>
+                </c:pt>
+                <c:pt idx="17">
+                  <c:v>18</c:v>
+                </c:pt>
+                <c:pt idx="18">
+                  <c:v>19</c:v>
+                </c:pt>
+                <c:pt idx="19">
+                  <c:v>20</c:v>
+                </c:pt>
+                <c:pt idx="20">
+                  <c:v>21</c:v>
+                </c:pt>
+                <c:pt idx="21">
+                  <c:v>22</c:v>
+                </c:pt>
+                <c:pt idx="22">
+                  <c:v>23</c:v>
+                </c:pt>
+                <c:pt idx="23">
+                  <c:v>24</c:v>
+                </c:pt>
+                <c:pt idx="24">
+                  <c:v>25</c:v>
+                </c:pt>
+                <c:pt idx="25">
+                  <c:v>26</c:v>
+                </c:pt>
+                <c:pt idx="26">
+                  <c:v>27</c:v>
+                </c:pt>
+                <c:pt idx="27">
+                  <c:v>28</c:v>
+                </c:pt>
+                <c:pt idx="28">
+                  <c:v>29</c:v>
+                </c:pt>
+                <c:pt idx="29">
+                  <c:v>30</c:v>
+                </c:pt>
+                <c:pt idx="30">
+                  <c:v>31</c:v>
+                </c:pt>
+                <c:pt idx="31">
+                  <c:v>32</c:v>
+                </c:pt>
+                <c:pt idx="32">
+                  <c:v>33</c:v>
+                </c:pt>
+                <c:pt idx="33">
+                  <c:v>34</c:v>
+                </c:pt>
+                <c:pt idx="34">
+                  <c:v>35</c:v>
+                </c:pt>
+                <c:pt idx="35">
+                  <c:v>36</c:v>
+                </c:pt>
+                <c:pt idx="36">
+                  <c:v>37</c:v>
+                </c:pt>
+                <c:pt idx="37">
+                  <c:v>38</c:v>
+                </c:pt>
+                <c:pt idx="38">
+                  <c:v>39</c:v>
+                </c:pt>
+                <c:pt idx="39">
+                  <c:v>40</c:v>
+                </c:pt>
+                <c:pt idx="40">
+                  <c:v>41</c:v>
+                </c:pt>
+                <c:pt idx="41">
+                  <c:v>42</c:v>
+                </c:pt>
+                <c:pt idx="42">
+                  <c:v>43</c:v>
+                </c:pt>
+                <c:pt idx="43">
+                  <c:v>44</c:v>
+                </c:pt>
+                <c:pt idx="44">
+                  <c:v>45</c:v>
+                </c:pt>
+                <c:pt idx="45">
+                  <c:v>46</c:v>
+                </c:pt>
+                <c:pt idx="46">
+                  <c:v>47</c:v>
+                </c:pt>
+                <c:pt idx="47">
+                  <c:v>48</c:v>
+                </c:pt>
+                <c:pt idx="48">
+                  <c:v>49</c:v>
+                </c:pt>
+                <c:pt idx="49">
+                  <c:v>50</c:v>
+                </c:pt>
+                <c:pt idx="50">
+                  <c:v>51</c:v>
+                </c:pt>
+                <c:pt idx="51">
+                  <c:v>52</c:v>
+                </c:pt>
+                <c:pt idx="52">
+                  <c:v>53</c:v>
+                </c:pt>
+                <c:pt idx="53">
+                  <c:v>54</c:v>
+                </c:pt>
+                <c:pt idx="54">
+                  <c:v>55</c:v>
+                </c:pt>
+                <c:pt idx="55">
+                  <c:v>56</c:v>
+                </c:pt>
+                <c:pt idx="56">
+                  <c:v>57</c:v>
+                </c:pt>
+                <c:pt idx="57">
+                  <c:v>58</c:v>
+                </c:pt>
+                <c:pt idx="58">
+                  <c:v>59</c:v>
+                </c:pt>
+                <c:pt idx="59">
+                  <c:v>60</c:v>
+                </c:pt>
+                <c:pt idx="60">
+                  <c:v>61</c:v>
+                </c:pt>
+                <c:pt idx="61">
+                  <c:v>62</c:v>
+                </c:pt>
+                <c:pt idx="62">
+                  <c:v>63</c:v>
+                </c:pt>
+                <c:pt idx="63">
+                  <c:v>64</c:v>
+                </c:pt>
+                <c:pt idx="64">
+                  <c:v>65</c:v>
+                </c:pt>
+                <c:pt idx="65">
+                  <c:v>66</c:v>
+                </c:pt>
+                <c:pt idx="66">
+                  <c:v>67</c:v>
+                </c:pt>
+                <c:pt idx="67">
+                  <c:v>68</c:v>
+                </c:pt>
+                <c:pt idx="68">
+                  <c:v>69</c:v>
+                </c:pt>
+                <c:pt idx="69">
+                  <c:v>70</c:v>
+                </c:pt>
+                <c:pt idx="70">
+                  <c:v>71</c:v>
+                </c:pt>
+                <c:pt idx="71">
+                  <c:v>72</c:v>
+                </c:pt>
+                <c:pt idx="72">
+                  <c:v>73</c:v>
+                </c:pt>
+                <c:pt idx="73">
+                  <c:v>74</c:v>
+                </c:pt>
+                <c:pt idx="74">
+                  <c:v>75</c:v>
+                </c:pt>
+                <c:pt idx="75">
+                  <c:v>76</c:v>
+                </c:pt>
+                <c:pt idx="76">
+                  <c:v>77</c:v>
+                </c:pt>
+                <c:pt idx="77">
+                  <c:v>78</c:v>
+                </c:pt>
+                <c:pt idx="78">
+                  <c:v>79</c:v>
+                </c:pt>
+                <c:pt idx="79">
+                  <c:v>80</c:v>
+                </c:pt>
+                <c:pt idx="80">
+                  <c:v>81</c:v>
+                </c:pt>
+                <c:pt idx="81">
+                  <c:v>82</c:v>
+                </c:pt>
+                <c:pt idx="82">
+                  <c:v>83</c:v>
+                </c:pt>
+                <c:pt idx="83">
+                  <c:v>84</c:v>
+                </c:pt>
+                <c:pt idx="84">
+                  <c:v>85</c:v>
+                </c:pt>
+                <c:pt idx="85">
+                  <c:v>86</c:v>
+                </c:pt>
+                <c:pt idx="86">
+                  <c:v>87</c:v>
+                </c:pt>
+                <c:pt idx="87">
+                  <c:v>88</c:v>
+                </c:pt>
+                <c:pt idx="88">
+                  <c:v>89</c:v>
+                </c:pt>
+                <c:pt idx="89">
+                  <c:v>90</c:v>
+                </c:pt>
+                <c:pt idx="90">
+                  <c:v>91</c:v>
+                </c:pt>
+                <c:pt idx="91">
+                  <c:v>92</c:v>
+                </c:pt>
+                <c:pt idx="92">
+                  <c:v>93</c:v>
+                </c:pt>
+                <c:pt idx="93">
+                  <c:v>94</c:v>
+                </c:pt>
+                <c:pt idx="94">
+                  <c:v>95</c:v>
+                </c:pt>
+                <c:pt idx="95">
+                  <c:v>96</c:v>
+                </c:pt>
+                <c:pt idx="96">
+                  <c:v>97</c:v>
+                </c:pt>
+                <c:pt idx="97">
+                  <c:v>98</c:v>
+                </c:pt>
+                <c:pt idx="98">
+                  <c:v>99</c:v>
+                </c:pt>
+                <c:pt idx="99">
+                  <c:v>100</c:v>
+                </c:pt>
+              </c:numCache>
+            </c:numRef>
+          </c:xVal>
+          <c:yVal>
+            <c:numRef>
+              <c:f>Planilha1!$S$2:$S$132</c:f>
+              <c:numCache>
+                <c:formatCode>General</c:formatCode>
+                <c:ptCount val="131"/>
+                <c:pt idx="0">
+                  <c:v>5</c:v>
+                </c:pt>
+                <c:pt idx="1">
+                  <c:v>2</c:v>
+                </c:pt>
+                <c:pt idx="2">
+                  <c:v>38</c:v>
+                </c:pt>
+                <c:pt idx="3">
+                  <c:v>2</c:v>
+                </c:pt>
+                <c:pt idx="4">
+                  <c:v>2</c:v>
+                </c:pt>
+                <c:pt idx="5">
+                  <c:v>2</c:v>
+                </c:pt>
+                <c:pt idx="6">
+                  <c:v>11</c:v>
+                </c:pt>
+                <c:pt idx="7">
+                  <c:v>10</c:v>
+                </c:pt>
+                <c:pt idx="8">
+                  <c:v>3</c:v>
+                </c:pt>
+                <c:pt idx="9">
+                  <c:v>4</c:v>
+                </c:pt>
+                <c:pt idx="10">
+                  <c:v>3</c:v>
+                </c:pt>
+                <c:pt idx="11">
+                  <c:v>4</c:v>
+                </c:pt>
+                <c:pt idx="12">
+                  <c:v>17</c:v>
+                </c:pt>
+                <c:pt idx="13">
+                  <c:v>11</c:v>
+                </c:pt>
+                <c:pt idx="14">
+                  <c:v>2</c:v>
+                </c:pt>
+                <c:pt idx="15">
+                  <c:v>7</c:v>
+                </c:pt>
+                <c:pt idx="16">
+                  <c:v>5</c:v>
+                </c:pt>
+                <c:pt idx="17">
+                  <c:v>5</c:v>
+                </c:pt>
+                <c:pt idx="18">
+                  <c:v>4</c:v>
+                </c:pt>
+                <c:pt idx="19">
+                  <c:v>11</c:v>
+                </c:pt>
+                <c:pt idx="20">
+                  <c:v>54</c:v>
+                </c:pt>
+                <c:pt idx="21">
+                  <c:v>3</c:v>
+                </c:pt>
+                <c:pt idx="22">
+                  <c:v>2</c:v>
+                </c:pt>
+                <c:pt idx="23">
+                  <c:v>8</c:v>
+                </c:pt>
+                <c:pt idx="24">
+                  <c:v>11</c:v>
+                </c:pt>
+                <c:pt idx="25">
+                  <c:v>10</c:v>
+                </c:pt>
+                <c:pt idx="26">
+                  <c:v>4</c:v>
+                </c:pt>
+                <c:pt idx="27">
+                  <c:v>13</c:v>
+                </c:pt>
+                <c:pt idx="28">
+                  <c:v>3</c:v>
+                </c:pt>
+                <c:pt idx="29">
+                  <c:v>8</c:v>
+                </c:pt>
+                <c:pt idx="30">
+                  <c:v>5</c:v>
+                </c:pt>
+                <c:pt idx="31">
+                  <c:v>16</c:v>
+                </c:pt>
+                <c:pt idx="32">
+                  <c:v>15</c:v>
+                </c:pt>
+                <c:pt idx="33">
+                  <c:v>6</c:v>
+                </c:pt>
+                <c:pt idx="34">
+                  <c:v>22</c:v>
+                </c:pt>
+                <c:pt idx="35">
+                  <c:v>6</c:v>
+                </c:pt>
+                <c:pt idx="36">
+                  <c:v>15</c:v>
+                </c:pt>
+                <c:pt idx="37">
+                  <c:v>3</c:v>
+                </c:pt>
+                <c:pt idx="38">
+                  <c:v>6</c:v>
+                </c:pt>
+                <c:pt idx="39">
+                  <c:v>10</c:v>
+                </c:pt>
+                <c:pt idx="40">
+                  <c:v>20</c:v>
+                </c:pt>
+                <c:pt idx="41">
+                  <c:v>18</c:v>
+                </c:pt>
+                <c:pt idx="42">
+                  <c:v>5</c:v>
+                </c:pt>
+                <c:pt idx="43">
+                  <c:v>5</c:v>
+                </c:pt>
+                <c:pt idx="44">
+                  <c:v>2</c:v>
+                </c:pt>
+                <c:pt idx="45">
+                  <c:v>25</c:v>
+                </c:pt>
+                <c:pt idx="46">
+                  <c:v>13</c:v>
+                </c:pt>
+                <c:pt idx="47">
+                  <c:v>7</c:v>
+                </c:pt>
+                <c:pt idx="48">
+                  <c:v>5</c:v>
+                </c:pt>
+                <c:pt idx="49">
+                  <c:v>6</c:v>
+                </c:pt>
+                <c:pt idx="50">
+                  <c:v>9</c:v>
+                </c:pt>
+                <c:pt idx="51">
+                  <c:v>2</c:v>
+                </c:pt>
+                <c:pt idx="52">
+                  <c:v>14</c:v>
+                </c:pt>
+                <c:pt idx="53">
+                  <c:v>2</c:v>
+                </c:pt>
+                <c:pt idx="54">
+                  <c:v>37</c:v>
+                </c:pt>
+                <c:pt idx="55">
+                  <c:v>14</c:v>
+                </c:pt>
+                <c:pt idx="56">
+                  <c:v>9</c:v>
+                </c:pt>
+                <c:pt idx="57">
+                  <c:v>2</c:v>
+                </c:pt>
+                <c:pt idx="58">
+                  <c:v>11</c:v>
+                </c:pt>
+                <c:pt idx="59">
+                  <c:v>5</c:v>
+                </c:pt>
+                <c:pt idx="60">
+                  <c:v>2</c:v>
+                </c:pt>
+                <c:pt idx="61">
+                  <c:v>10</c:v>
+                </c:pt>
+                <c:pt idx="62">
+                  <c:v>9</c:v>
+                </c:pt>
+                <c:pt idx="63">
+                  <c:v>4</c:v>
+                </c:pt>
+                <c:pt idx="64">
+                  <c:v>9</c:v>
+                </c:pt>
+                <c:pt idx="65">
+                  <c:v>3</c:v>
+                </c:pt>
+                <c:pt idx="66">
+                  <c:v>4</c:v>
+                </c:pt>
+                <c:pt idx="67">
+                  <c:v>4</c:v>
+                </c:pt>
+                <c:pt idx="68">
+                  <c:v>5</c:v>
+                </c:pt>
+                <c:pt idx="69">
+                  <c:v>3</c:v>
+                </c:pt>
+                <c:pt idx="70">
+                  <c:v>22</c:v>
+                </c:pt>
+                <c:pt idx="71">
+                  <c:v>11</c:v>
+                </c:pt>
+                <c:pt idx="72">
+                  <c:v>20</c:v>
+                </c:pt>
+                <c:pt idx="73">
+                  <c:v>40</c:v>
+                </c:pt>
+                <c:pt idx="74">
+                  <c:v>4</c:v>
+                </c:pt>
+                <c:pt idx="75">
+                  <c:v>34</c:v>
+                </c:pt>
+                <c:pt idx="76">
+                  <c:v>13</c:v>
+                </c:pt>
+                <c:pt idx="77">
+                  <c:v>40</c:v>
+                </c:pt>
+                <c:pt idx="78">
+                  <c:v>5</c:v>
+                </c:pt>
+                <c:pt idx="79">
+                  <c:v>9</c:v>
+                </c:pt>
+                <c:pt idx="80">
+                  <c:v>7</c:v>
+                </c:pt>
+                <c:pt idx="81">
+                  <c:v>7</c:v>
+                </c:pt>
+                <c:pt idx="82">
+                  <c:v>4</c:v>
+                </c:pt>
+                <c:pt idx="83">
+                  <c:v>5</c:v>
+                </c:pt>
+                <c:pt idx="84">
+                  <c:v>28</c:v>
+                </c:pt>
+                <c:pt idx="85">
+                  <c:v>7</c:v>
+                </c:pt>
+                <c:pt idx="86">
+                  <c:v>13</c:v>
+                </c:pt>
+                <c:pt idx="87">
+                  <c:v>8</c:v>
+                </c:pt>
+                <c:pt idx="88">
+                  <c:v>2</c:v>
+                </c:pt>
+                <c:pt idx="89">
+                  <c:v>2</c:v>
+                </c:pt>
+                <c:pt idx="90">
+                  <c:v>22</c:v>
+                </c:pt>
+                <c:pt idx="91">
+                  <c:v>12</c:v>
+                </c:pt>
+                <c:pt idx="92">
+                  <c:v>4</c:v>
+                </c:pt>
+                <c:pt idx="93">
+                  <c:v>2</c:v>
+                </c:pt>
+                <c:pt idx="94">
+                  <c:v>3</c:v>
+                </c:pt>
+                <c:pt idx="95">
+                  <c:v>25</c:v>
+                </c:pt>
+                <c:pt idx="96">
+                  <c:v>5</c:v>
+                </c:pt>
+                <c:pt idx="97">
+                  <c:v>7</c:v>
+                </c:pt>
+                <c:pt idx="98">
+                  <c:v>5</c:v>
+                </c:pt>
+                <c:pt idx="99">
+                  <c:v>6</c:v>
+                </c:pt>
+              </c:numCache>
+            </c:numRef>
+          </c:yVal>
+          <c:smooth val="0"/>
+          <c:extLst xmlns:c16r2="http://schemas.microsoft.com/office/drawing/2015/06/chart">
+            <c:ext xmlns:c16="http://schemas.microsoft.com/office/drawing/2014/chart" uri="{C3380CC4-5D6E-409C-BE32-E72D297353CC}">
+              <c16:uniqueId val="{00000001-1E5E-4B7B-9189-C147DE005EBB}"/>
+            </c:ext>
+          </c:extLst>
+        </c:ser>
+        <c:dLbls>
+          <c:showLegendKey val="0"/>
+          <c:showVal val="0"/>
+          <c:showCatName val="0"/>
+          <c:showSerName val="0"/>
+          <c:showPercent val="0"/>
+          <c:showBubbleSize val="0"/>
+        </c:dLbls>
+        <c:axId val="58503104"/>
+        <c:axId val="58503680"/>
+      </c:scatterChart>
+      <c:valAx>
+        <c:axId val="58503104"/>
+        <c:scaling>
+          <c:orientation val="minMax"/>
+        </c:scaling>
+        <c:delete val="0"/>
+        <c:axPos val="b"/>
+        <c:majorGridlines>
+          <c:spPr>
+            <a:ln w="9525" cap="flat" cmpd="sng" algn="ctr">
+              <a:solidFill>
+                <a:schemeClr val="tx1">
+                  <a:lumMod val="15000"/>
+                  <a:lumOff val="85000"/>
+                </a:schemeClr>
+              </a:solidFill>
+              <a:round/>
+            </a:ln>
+            <a:effectLst/>
+          </c:spPr>
+        </c:majorGridlines>
+        <c:numFmt formatCode="General" sourceLinked="1"/>
+        <c:majorTickMark val="none"/>
+        <c:minorTickMark val="none"/>
+        <c:tickLblPos val="nextTo"/>
+        <c:spPr>
+          <a:noFill/>
+          <a:ln w="9525" cap="flat" cmpd="sng" algn="ctr">
+            <a:solidFill>
+              <a:schemeClr val="tx1">
+                <a:lumMod val="25000"/>
+                <a:lumOff val="75000"/>
+              </a:schemeClr>
+            </a:solidFill>
+            <a:round/>
+          </a:ln>
+          <a:effectLst/>
+        </c:spPr>
+        <c:txPr>
+          <a:bodyPr rot="-60000000" spcFirstLastPara="1" vertOverflow="ellipsis" vert="horz" wrap="square" anchor="ctr" anchorCtr="1"/>
+          <a:lstStyle/>
+          <a:p>
+            <a:pPr>
+              <a:defRPr sz="900" b="0" i="0" u="none" strike="noStrike" kern="1200" baseline="0">
+                <a:solidFill>
+                  <a:schemeClr val="tx1">
+                    <a:lumMod val="65000"/>
+                    <a:lumOff val="35000"/>
+                  </a:schemeClr>
+                </a:solidFill>
+                <a:latin typeface="+mn-lt"/>
+                <a:ea typeface="+mn-ea"/>
+                <a:cs typeface="+mn-cs"/>
+              </a:defRPr>
+            </a:pPr>
+            <a:endParaRPr lang="pt-BR"/>
+          </a:p>
+        </c:txPr>
+        <c:crossAx val="58503680"/>
+        <c:crosses val="autoZero"/>
+        <c:crossBetween val="midCat"/>
+      </c:valAx>
+      <c:valAx>
+        <c:axId val="58503680"/>
+        <c:scaling>
+          <c:orientation val="minMax"/>
+        </c:scaling>
+        <c:delete val="0"/>
+        <c:axPos val="l"/>
+        <c:majorGridlines>
+          <c:spPr>
+            <a:ln w="9525" cap="flat" cmpd="sng" algn="ctr">
+              <a:solidFill>
+                <a:schemeClr val="tx1">
+                  <a:lumMod val="15000"/>
+                  <a:lumOff val="85000"/>
+                </a:schemeClr>
+              </a:solidFill>
+              <a:round/>
+            </a:ln>
+            <a:effectLst/>
+          </c:spPr>
+        </c:majorGridlines>
+        <c:numFmt formatCode="General" sourceLinked="1"/>
+        <c:majorTickMark val="none"/>
+        <c:minorTickMark val="none"/>
+        <c:tickLblPos val="nextTo"/>
+        <c:spPr>
+          <a:noFill/>
+          <a:ln w="9525" cap="flat" cmpd="sng" algn="ctr">
+            <a:solidFill>
+              <a:schemeClr val="tx1">
+                <a:lumMod val="25000"/>
+                <a:lumOff val="75000"/>
+              </a:schemeClr>
+            </a:solidFill>
+            <a:round/>
+          </a:ln>
+          <a:effectLst/>
+        </c:spPr>
+        <c:txPr>
+          <a:bodyPr rot="-60000000" spcFirstLastPara="1" vertOverflow="ellipsis" vert="horz" wrap="square" anchor="ctr" anchorCtr="1"/>
+          <a:lstStyle/>
+          <a:p>
+            <a:pPr>
+              <a:defRPr sz="900" b="0" i="0" u="none" strike="noStrike" kern="1200" baseline="0">
+                <a:solidFill>
+                  <a:schemeClr val="tx1">
+                    <a:lumMod val="65000"/>
+                    <a:lumOff val="35000"/>
+                  </a:schemeClr>
+                </a:solidFill>
+                <a:latin typeface="+mn-lt"/>
+                <a:ea typeface="+mn-ea"/>
+                <a:cs typeface="+mn-cs"/>
+              </a:defRPr>
+            </a:pPr>
+            <a:endParaRPr lang="pt-BR"/>
+          </a:p>
+        </c:txPr>
+        <c:crossAx val="58503104"/>
+        <c:crosses val="autoZero"/>
+        <c:crossBetween val="midCat"/>
+      </c:valAx>
+      <c:spPr>
+        <a:noFill/>
+        <a:ln>
+          <a:noFill/>
+        </a:ln>
+        <a:effectLst/>
+      </c:spPr>
+    </c:plotArea>
+    <c:legend>
+      <c:legendPos val="b"/>
+      <c:layout/>
+      <c:overlay val="0"/>
+      <c:spPr>
+        <a:noFill/>
+        <a:ln>
+          <a:noFill/>
+        </a:ln>
+        <a:effectLst/>
+      </c:spPr>
+      <c:txPr>
+        <a:bodyPr rot="0" spcFirstLastPara="1" vertOverflow="ellipsis" vert="horz" wrap="square" anchor="ctr" anchorCtr="1"/>
+        <a:lstStyle/>
+        <a:p>
+          <a:pPr>
+            <a:defRPr sz="900" b="0" i="0" u="none" strike="noStrike" kern="1200" baseline="0">
+              <a:solidFill>
+                <a:schemeClr val="tx1">
+                  <a:lumMod val="65000"/>
+                  <a:lumOff val="35000"/>
+                </a:schemeClr>
+              </a:solidFill>
+              <a:latin typeface="+mn-lt"/>
+              <a:ea typeface="+mn-ea"/>
+              <a:cs typeface="+mn-cs"/>
+            </a:defRPr>
+          </a:pPr>
+          <a:endParaRPr lang="pt-BR"/>
+        </a:p>
+      </c:txPr>
+    </c:legend>
+    <c:plotVisOnly val="1"/>
+    <c:dispBlanksAs val="gap"/>
+    <c:showDLblsOverMax val="0"/>
+  </c:chart>
+  <c:spPr>
+    <a:noFill/>
+    <a:ln>
+      <a:noFill/>
+    </a:ln>
+    <a:effectLst/>
+  </c:spPr>
+  <c:txPr>
+    <a:bodyPr/>
+    <a:lstStyle/>
+    <a:p>
+      <a:pPr>
+        <a:defRPr/>
+      </a:pPr>
+      <a:endParaRPr lang="pt-BR"/>
+    </a:p>
+  </c:txPr>
+  <c:externalData r:id="rId1">
+    <c:autoUpdate val="0"/>
+  </c:externalData>
+</c:chartSpace>
+</file>
+
+<file path=ppt/charts/chart6.xml><?xml version="1.0" encoding="utf-8"?>
+<c:chartSpace xmlns:c="http://schemas.openxmlformats.org/drawingml/2006/chart" xmlns:a="http://schemas.openxmlformats.org/drawingml/2006/main" xmlns:r="http://schemas.openxmlformats.org/officeDocument/2006/relationships">
+  <c:date1904 val="0"/>
+  <c:lang val="pt-BR"/>
+  <c:roundedCorners val="0"/>
+  <mc:AlternateContent xmlns:mc="http://schemas.openxmlformats.org/markup-compatibility/2006">
+    <mc:Choice xmlns:c14="http://schemas.microsoft.com/office/drawing/2007/8/2/chart" Requires="c14">
+      <c14:style val="102"/>
+    </mc:Choice>
+    <mc:Fallback>
+      <c:style val="2"/>
+    </mc:Fallback>
+  </mc:AlternateContent>
+  <c:chart>
+    <c:title>
+      <c:tx>
+        <c:rich>
+          <a:bodyPr rot="0" spcFirstLastPara="1" vertOverflow="ellipsis" vert="horz" wrap="square" anchor="ctr" anchorCtr="1"/>
+          <a:lstStyle/>
+          <a:p>
+            <a:pPr>
+              <a:defRPr sz="1400" b="0" i="0" u="none" strike="noStrike" kern="1200" spc="0" baseline="0">
+                <a:solidFill>
+                  <a:schemeClr val="tx1">
+                    <a:lumMod val="65000"/>
+                    <a:lumOff val="35000"/>
+                  </a:schemeClr>
+                </a:solidFill>
+                <a:latin typeface="+mn-lt"/>
+                <a:ea typeface="+mn-ea"/>
+                <a:cs typeface="+mn-cs"/>
+              </a:defRPr>
+            </a:pPr>
+            <a:r>
+              <a:rPr lang="pt-BR"/>
+              <a:t>Calculados x Simulados</a:t>
+            </a:r>
+          </a:p>
+        </c:rich>
+      </c:tx>
+      <c:layout/>
+      <c:overlay val="0"/>
+      <c:spPr>
+        <a:noFill/>
+        <a:ln>
+          <a:noFill/>
+        </a:ln>
+        <a:effectLst/>
+      </c:spPr>
+    </c:title>
+    <c:autoTitleDeleted val="0"/>
+    <c:plotArea>
+      <c:layout/>
+      <c:scatterChart>
+        <c:scatterStyle val="lineMarker"/>
+        <c:varyColors val="0"/>
+        <c:ser>
+          <c:idx val="0"/>
+          <c:order val="0"/>
+          <c:tx>
+            <c:strRef>
+              <c:f>Planilha1!$R$1</c:f>
+              <c:strCache>
+                <c:ptCount val="1"/>
+                <c:pt idx="0">
+                  <c:v>Second 100</c:v>
+                </c:pt>
+              </c:strCache>
+            </c:strRef>
+          </c:tx>
+          <c:spPr>
+            <a:ln w="19050" cap="rnd">
+              <a:noFill/>
+              <a:round/>
+            </a:ln>
+            <a:effectLst/>
+          </c:spPr>
+          <c:marker>
+            <c:symbol val="circle"/>
+            <c:size val="5"/>
+            <c:spPr>
+              <a:solidFill>
+                <a:schemeClr val="accent1"/>
+              </a:solidFill>
+              <a:ln w="9525">
+                <a:solidFill>
+                  <a:schemeClr val="accent1"/>
+                </a:solidFill>
+              </a:ln>
+              <a:effectLst/>
+            </c:spPr>
+          </c:marker>
+          <c:xVal>
+            <c:numRef>
+              <c:f>Planilha1!$Q$2:$Q$132</c:f>
+              <c:numCache>
+                <c:formatCode>General</c:formatCode>
+                <c:ptCount val="131"/>
+                <c:pt idx="0">
+                  <c:v>1</c:v>
+                </c:pt>
+                <c:pt idx="1">
+                  <c:v>2</c:v>
+                </c:pt>
+                <c:pt idx="2">
+                  <c:v>3</c:v>
+                </c:pt>
+                <c:pt idx="3">
+                  <c:v>4</c:v>
+                </c:pt>
+                <c:pt idx="4">
+                  <c:v>5</c:v>
+                </c:pt>
+                <c:pt idx="5">
+                  <c:v>6</c:v>
+                </c:pt>
+                <c:pt idx="6">
+                  <c:v>7</c:v>
+                </c:pt>
+                <c:pt idx="7">
+                  <c:v>8</c:v>
+                </c:pt>
+                <c:pt idx="8">
+                  <c:v>9</c:v>
+                </c:pt>
+                <c:pt idx="9">
+                  <c:v>10</c:v>
+                </c:pt>
+                <c:pt idx="10">
+                  <c:v>11</c:v>
+                </c:pt>
+                <c:pt idx="11">
+                  <c:v>12</c:v>
+                </c:pt>
+                <c:pt idx="12">
+                  <c:v>13</c:v>
+                </c:pt>
+                <c:pt idx="13">
+                  <c:v>14</c:v>
+                </c:pt>
+                <c:pt idx="14">
+                  <c:v>15</c:v>
+                </c:pt>
+                <c:pt idx="15">
+                  <c:v>16</c:v>
+                </c:pt>
+                <c:pt idx="16">
+                  <c:v>17</c:v>
+                </c:pt>
+                <c:pt idx="17">
+                  <c:v>18</c:v>
+                </c:pt>
+                <c:pt idx="18">
+                  <c:v>19</c:v>
+                </c:pt>
+                <c:pt idx="19">
+                  <c:v>20</c:v>
+                </c:pt>
+                <c:pt idx="20">
+                  <c:v>21</c:v>
+                </c:pt>
+                <c:pt idx="21">
+                  <c:v>22</c:v>
+                </c:pt>
+                <c:pt idx="22">
+                  <c:v>23</c:v>
+                </c:pt>
+                <c:pt idx="23">
+                  <c:v>24</c:v>
+                </c:pt>
+                <c:pt idx="24">
+                  <c:v>25</c:v>
+                </c:pt>
+                <c:pt idx="25">
+                  <c:v>26</c:v>
+                </c:pt>
+                <c:pt idx="26">
+                  <c:v>27</c:v>
+                </c:pt>
+                <c:pt idx="27">
+                  <c:v>28</c:v>
+                </c:pt>
+                <c:pt idx="28">
+                  <c:v>29</c:v>
+                </c:pt>
+                <c:pt idx="29">
+                  <c:v>30</c:v>
+                </c:pt>
+                <c:pt idx="30">
+                  <c:v>31</c:v>
+                </c:pt>
+                <c:pt idx="31">
+                  <c:v>32</c:v>
+                </c:pt>
+                <c:pt idx="32">
+                  <c:v>33</c:v>
+                </c:pt>
+                <c:pt idx="33">
+                  <c:v>34</c:v>
+                </c:pt>
+                <c:pt idx="34">
+                  <c:v>35</c:v>
+                </c:pt>
+                <c:pt idx="35">
+                  <c:v>36</c:v>
+                </c:pt>
+                <c:pt idx="36">
+                  <c:v>37</c:v>
+                </c:pt>
+                <c:pt idx="37">
+                  <c:v>38</c:v>
+                </c:pt>
+                <c:pt idx="38">
+                  <c:v>39</c:v>
+                </c:pt>
+                <c:pt idx="39">
+                  <c:v>40</c:v>
+                </c:pt>
+                <c:pt idx="40">
+                  <c:v>41</c:v>
+                </c:pt>
+                <c:pt idx="41">
+                  <c:v>42</c:v>
+                </c:pt>
+                <c:pt idx="42">
+                  <c:v>43</c:v>
+                </c:pt>
+                <c:pt idx="43">
+                  <c:v>44</c:v>
+                </c:pt>
+                <c:pt idx="44">
+                  <c:v>45</c:v>
+                </c:pt>
+                <c:pt idx="45">
+                  <c:v>46</c:v>
+                </c:pt>
+                <c:pt idx="46">
+                  <c:v>47</c:v>
+                </c:pt>
+                <c:pt idx="47">
+                  <c:v>48</c:v>
+                </c:pt>
+                <c:pt idx="48">
+                  <c:v>49</c:v>
+                </c:pt>
+                <c:pt idx="49">
+                  <c:v>50</c:v>
+                </c:pt>
+                <c:pt idx="50">
+                  <c:v>51</c:v>
+                </c:pt>
+                <c:pt idx="51">
+                  <c:v>52</c:v>
+                </c:pt>
+                <c:pt idx="52">
+                  <c:v>53</c:v>
+                </c:pt>
+                <c:pt idx="53">
+                  <c:v>54</c:v>
+                </c:pt>
+                <c:pt idx="54">
+                  <c:v>55</c:v>
+                </c:pt>
+                <c:pt idx="55">
+                  <c:v>56</c:v>
+                </c:pt>
+                <c:pt idx="56">
+                  <c:v>57</c:v>
+                </c:pt>
+                <c:pt idx="57">
+                  <c:v>58</c:v>
+                </c:pt>
+                <c:pt idx="58">
+                  <c:v>59</c:v>
+                </c:pt>
+                <c:pt idx="59">
+                  <c:v>60</c:v>
+                </c:pt>
+                <c:pt idx="60">
+                  <c:v>61</c:v>
+                </c:pt>
+                <c:pt idx="61">
+                  <c:v>62</c:v>
+                </c:pt>
+                <c:pt idx="62">
+                  <c:v>63</c:v>
+                </c:pt>
+                <c:pt idx="63">
+                  <c:v>64</c:v>
+                </c:pt>
+                <c:pt idx="64">
+                  <c:v>65</c:v>
+                </c:pt>
+                <c:pt idx="65">
+                  <c:v>66</c:v>
+                </c:pt>
+                <c:pt idx="66">
+                  <c:v>67</c:v>
+                </c:pt>
+                <c:pt idx="67">
+                  <c:v>68</c:v>
+                </c:pt>
+                <c:pt idx="68">
+                  <c:v>69</c:v>
+                </c:pt>
+                <c:pt idx="69">
+                  <c:v>70</c:v>
+                </c:pt>
+                <c:pt idx="70">
+                  <c:v>71</c:v>
+                </c:pt>
+                <c:pt idx="71">
+                  <c:v>72</c:v>
+                </c:pt>
+                <c:pt idx="72">
+                  <c:v>73</c:v>
+                </c:pt>
+                <c:pt idx="73">
+                  <c:v>74</c:v>
+                </c:pt>
+                <c:pt idx="74">
+                  <c:v>75</c:v>
+                </c:pt>
+                <c:pt idx="75">
+                  <c:v>76</c:v>
+                </c:pt>
+                <c:pt idx="76">
+                  <c:v>77</c:v>
+                </c:pt>
+                <c:pt idx="77">
+                  <c:v>78</c:v>
+                </c:pt>
+                <c:pt idx="78">
+                  <c:v>79</c:v>
+                </c:pt>
+                <c:pt idx="79">
+                  <c:v>80</c:v>
+                </c:pt>
+                <c:pt idx="80">
+                  <c:v>81</c:v>
+                </c:pt>
+                <c:pt idx="81">
+                  <c:v>82</c:v>
+                </c:pt>
+                <c:pt idx="82">
+                  <c:v>83</c:v>
+                </c:pt>
+                <c:pt idx="83">
+                  <c:v>84</c:v>
+                </c:pt>
+                <c:pt idx="84">
+                  <c:v>85</c:v>
+                </c:pt>
+                <c:pt idx="85">
+                  <c:v>86</c:v>
+                </c:pt>
+                <c:pt idx="86">
+                  <c:v>87</c:v>
+                </c:pt>
+                <c:pt idx="87">
+                  <c:v>88</c:v>
+                </c:pt>
+                <c:pt idx="88">
+                  <c:v>89</c:v>
+                </c:pt>
+                <c:pt idx="89">
+                  <c:v>90</c:v>
+                </c:pt>
+                <c:pt idx="90">
+                  <c:v>91</c:v>
+                </c:pt>
+                <c:pt idx="91">
+                  <c:v>92</c:v>
+                </c:pt>
+                <c:pt idx="92">
+                  <c:v>93</c:v>
+                </c:pt>
+                <c:pt idx="93">
+                  <c:v>94</c:v>
+                </c:pt>
+                <c:pt idx="94">
+                  <c:v>95</c:v>
+                </c:pt>
+                <c:pt idx="95">
+                  <c:v>96</c:v>
+                </c:pt>
+                <c:pt idx="96">
+                  <c:v>97</c:v>
+                </c:pt>
+                <c:pt idx="97">
+                  <c:v>98</c:v>
+                </c:pt>
+                <c:pt idx="98">
+                  <c:v>99</c:v>
+                </c:pt>
+                <c:pt idx="99">
+                  <c:v>100</c:v>
+                </c:pt>
+              </c:numCache>
+            </c:numRef>
+          </c:xVal>
+          <c:yVal>
+            <c:numRef>
+              <c:f>Planilha1!$R$2:$R$132</c:f>
+              <c:numCache>
+                <c:formatCode>General</c:formatCode>
+                <c:ptCount val="131"/>
+                <c:pt idx="0">
+                  <c:v>2</c:v>
+                </c:pt>
+                <c:pt idx="1">
+                  <c:v>2</c:v>
+                </c:pt>
+                <c:pt idx="2">
+                  <c:v>2</c:v>
+                </c:pt>
+                <c:pt idx="3">
+                  <c:v>2</c:v>
+                </c:pt>
+                <c:pt idx="4">
+                  <c:v>2</c:v>
+                </c:pt>
+                <c:pt idx="5">
+                  <c:v>3</c:v>
+                </c:pt>
+                <c:pt idx="6">
+                  <c:v>3</c:v>
+                </c:pt>
+                <c:pt idx="7">
+                  <c:v>3</c:v>
+                </c:pt>
+                <c:pt idx="8">
+                  <c:v>3</c:v>
+                </c:pt>
+                <c:pt idx="9">
+                  <c:v>3</c:v>
+                </c:pt>
+                <c:pt idx="10">
+                  <c:v>4</c:v>
+                </c:pt>
+                <c:pt idx="11">
+                  <c:v>4</c:v>
+                </c:pt>
+                <c:pt idx="12">
+                  <c:v>4</c:v>
+                </c:pt>
+                <c:pt idx="13">
+                  <c:v>4</c:v>
+                </c:pt>
+                <c:pt idx="14">
+                  <c:v>4</c:v>
+                </c:pt>
+                <c:pt idx="15">
+                  <c:v>4</c:v>
+                </c:pt>
+                <c:pt idx="16">
+                  <c:v>4</c:v>
+                </c:pt>
+                <c:pt idx="17">
+                  <c:v>4</c:v>
+                </c:pt>
+                <c:pt idx="18">
+                  <c:v>4</c:v>
+                </c:pt>
+                <c:pt idx="19">
+                  <c:v>4</c:v>
+                </c:pt>
+                <c:pt idx="20">
+                  <c:v>5</c:v>
+                </c:pt>
+                <c:pt idx="21">
+                  <c:v>5</c:v>
+                </c:pt>
+                <c:pt idx="22">
+                  <c:v>5</c:v>
+                </c:pt>
+                <c:pt idx="23">
+                  <c:v>5</c:v>
+                </c:pt>
+                <c:pt idx="24">
+                  <c:v>5</c:v>
+                </c:pt>
+                <c:pt idx="25">
+                  <c:v>5</c:v>
+                </c:pt>
+                <c:pt idx="26">
+                  <c:v>5</c:v>
+                </c:pt>
+                <c:pt idx="27">
+                  <c:v>5</c:v>
+                </c:pt>
+                <c:pt idx="28">
+                  <c:v>6</c:v>
+                </c:pt>
+                <c:pt idx="29">
+                  <c:v>6</c:v>
+                </c:pt>
+                <c:pt idx="30">
+                  <c:v>6</c:v>
+                </c:pt>
+                <c:pt idx="31">
+                  <c:v>6</c:v>
+                </c:pt>
+                <c:pt idx="32">
+                  <c:v>6</c:v>
+                </c:pt>
+                <c:pt idx="33">
+                  <c:v>6</c:v>
+                </c:pt>
+                <c:pt idx="34">
+                  <c:v>6</c:v>
+                </c:pt>
+                <c:pt idx="35">
+                  <c:v>6</c:v>
+                </c:pt>
+                <c:pt idx="36">
+                  <c:v>7</c:v>
+                </c:pt>
+                <c:pt idx="37">
+                  <c:v>7</c:v>
+                </c:pt>
+                <c:pt idx="38">
+                  <c:v>7</c:v>
+                </c:pt>
+                <c:pt idx="39">
+                  <c:v>7</c:v>
+                </c:pt>
+                <c:pt idx="40">
+                  <c:v>7</c:v>
+                </c:pt>
+                <c:pt idx="41">
+                  <c:v>7</c:v>
+                </c:pt>
+                <c:pt idx="42">
+                  <c:v>7</c:v>
+                </c:pt>
+                <c:pt idx="43">
+                  <c:v>7</c:v>
+                </c:pt>
+                <c:pt idx="44">
+                  <c:v>7</c:v>
+                </c:pt>
+                <c:pt idx="45">
+                  <c:v>7</c:v>
+                </c:pt>
+                <c:pt idx="46">
+                  <c:v>8</c:v>
+                </c:pt>
+                <c:pt idx="47">
+                  <c:v>8</c:v>
+                </c:pt>
+                <c:pt idx="48">
+                  <c:v>8</c:v>
+                </c:pt>
+                <c:pt idx="49">
+                  <c:v>8</c:v>
+                </c:pt>
+                <c:pt idx="50">
+                  <c:v>8</c:v>
+                </c:pt>
+                <c:pt idx="51">
+                  <c:v>9</c:v>
+                </c:pt>
+                <c:pt idx="52">
+                  <c:v>9</c:v>
+                </c:pt>
+                <c:pt idx="53">
+                  <c:v>9</c:v>
+                </c:pt>
+                <c:pt idx="54">
+                  <c:v>9</c:v>
+                </c:pt>
+                <c:pt idx="55">
+                  <c:v>9</c:v>
+                </c:pt>
+                <c:pt idx="56">
+                  <c:v>9</c:v>
+                </c:pt>
+                <c:pt idx="57">
+                  <c:v>9</c:v>
+                </c:pt>
+                <c:pt idx="58">
+                  <c:v>9</c:v>
+                </c:pt>
+                <c:pt idx="59">
+                  <c:v>9</c:v>
+                </c:pt>
+                <c:pt idx="60">
+                  <c:v>10</c:v>
+                </c:pt>
+                <c:pt idx="61">
+                  <c:v>10</c:v>
+                </c:pt>
+                <c:pt idx="62">
+                  <c:v>10</c:v>
+                </c:pt>
+                <c:pt idx="63">
+                  <c:v>10</c:v>
+                </c:pt>
+                <c:pt idx="64">
+                  <c:v>10</c:v>
+                </c:pt>
+                <c:pt idx="65">
+                  <c:v>10</c:v>
+                </c:pt>
+                <c:pt idx="66">
+                  <c:v>10</c:v>
+                </c:pt>
+                <c:pt idx="67">
+                  <c:v>10</c:v>
+                </c:pt>
+                <c:pt idx="68">
+                  <c:v>11</c:v>
+                </c:pt>
+                <c:pt idx="69">
+                  <c:v>11</c:v>
+                </c:pt>
+                <c:pt idx="70">
+                  <c:v>11</c:v>
+                </c:pt>
+                <c:pt idx="71">
+                  <c:v>11</c:v>
+                </c:pt>
+                <c:pt idx="72">
+                  <c:v>12</c:v>
+                </c:pt>
+                <c:pt idx="73">
+                  <c:v>12</c:v>
+                </c:pt>
+                <c:pt idx="74">
+                  <c:v>12</c:v>
+                </c:pt>
+                <c:pt idx="75">
+                  <c:v>12</c:v>
+                </c:pt>
+                <c:pt idx="76">
+                  <c:v>12</c:v>
+                </c:pt>
+                <c:pt idx="77">
+                  <c:v>12</c:v>
+                </c:pt>
+                <c:pt idx="78">
+                  <c:v>12</c:v>
+                </c:pt>
+                <c:pt idx="79">
+                  <c:v>12</c:v>
+                </c:pt>
+                <c:pt idx="80">
+                  <c:v>12</c:v>
+                </c:pt>
+                <c:pt idx="81">
+                  <c:v>13</c:v>
+                </c:pt>
+                <c:pt idx="82">
+                  <c:v>13</c:v>
+                </c:pt>
+                <c:pt idx="83">
+                  <c:v>13</c:v>
+                </c:pt>
+                <c:pt idx="84">
+                  <c:v>14</c:v>
+                </c:pt>
+                <c:pt idx="85">
+                  <c:v>14</c:v>
+                </c:pt>
+                <c:pt idx="86">
+                  <c:v>15</c:v>
+                </c:pt>
+                <c:pt idx="87">
+                  <c:v>15</c:v>
+                </c:pt>
+                <c:pt idx="88">
+                  <c:v>15</c:v>
+                </c:pt>
+                <c:pt idx="89">
+                  <c:v>15</c:v>
+                </c:pt>
+                <c:pt idx="90">
+                  <c:v>16</c:v>
+                </c:pt>
+                <c:pt idx="91">
+                  <c:v>17</c:v>
+                </c:pt>
+                <c:pt idx="92">
+                  <c:v>17</c:v>
+                </c:pt>
+                <c:pt idx="93">
+                  <c:v>17</c:v>
+                </c:pt>
+                <c:pt idx="94">
+                  <c:v>22</c:v>
+                </c:pt>
+                <c:pt idx="95">
+                  <c:v>25</c:v>
+                </c:pt>
+                <c:pt idx="96">
+                  <c:v>37</c:v>
+                </c:pt>
+                <c:pt idx="97">
+                  <c:v>37</c:v>
+                </c:pt>
+                <c:pt idx="98">
+                  <c:v>57</c:v>
+                </c:pt>
+                <c:pt idx="99">
+                  <c:v>118</c:v>
+                </c:pt>
+              </c:numCache>
+            </c:numRef>
+          </c:yVal>
+          <c:smooth val="0"/>
+          <c:extLst xmlns:c16r2="http://schemas.microsoft.com/office/drawing/2015/06/chart">
+            <c:ext xmlns:c16="http://schemas.microsoft.com/office/drawing/2014/chart" uri="{C3380CC4-5D6E-409C-BE32-E72D297353CC}">
+              <c16:uniqueId val="{00000000-264A-45DF-9E6B-5DE105C29114}"/>
+            </c:ext>
+          </c:extLst>
+        </c:ser>
+        <c:ser>
+          <c:idx val="1"/>
+          <c:order val="1"/>
+          <c:tx>
+            <c:strRef>
+              <c:f>Planilha1!$S$1</c:f>
+              <c:strCache>
+                <c:ptCount val="1"/>
+                <c:pt idx="0">
+                  <c:v>Generated</c:v>
+                </c:pt>
+              </c:strCache>
+            </c:strRef>
+          </c:tx>
+          <c:spPr>
+            <a:ln w="19050" cap="rnd">
+              <a:noFill/>
+              <a:round/>
+            </a:ln>
+            <a:effectLst/>
+          </c:spPr>
+          <c:marker>
+            <c:symbol val="circle"/>
+            <c:size val="5"/>
+            <c:spPr>
+              <a:solidFill>
+                <a:schemeClr val="accent2"/>
+              </a:solidFill>
+              <a:ln w="9525">
+                <a:solidFill>
+                  <a:schemeClr val="accent2"/>
+                </a:solidFill>
+              </a:ln>
+              <a:effectLst/>
+            </c:spPr>
+          </c:marker>
+          <c:xVal>
+            <c:numRef>
+              <c:f>Planilha1!$Q$2:$Q$132</c:f>
+              <c:numCache>
+                <c:formatCode>General</c:formatCode>
+                <c:ptCount val="131"/>
+                <c:pt idx="0">
+                  <c:v>1</c:v>
+                </c:pt>
+                <c:pt idx="1">
+                  <c:v>2</c:v>
+                </c:pt>
+                <c:pt idx="2">
+                  <c:v>3</c:v>
+                </c:pt>
+                <c:pt idx="3">
+                  <c:v>4</c:v>
+                </c:pt>
+                <c:pt idx="4">
+                  <c:v>5</c:v>
+                </c:pt>
+                <c:pt idx="5">
+                  <c:v>6</c:v>
+                </c:pt>
+                <c:pt idx="6">
+                  <c:v>7</c:v>
+                </c:pt>
+                <c:pt idx="7">
+                  <c:v>8</c:v>
+                </c:pt>
+                <c:pt idx="8">
+                  <c:v>9</c:v>
+                </c:pt>
+                <c:pt idx="9">
+                  <c:v>10</c:v>
+                </c:pt>
+                <c:pt idx="10">
+                  <c:v>11</c:v>
+                </c:pt>
+                <c:pt idx="11">
+                  <c:v>12</c:v>
+                </c:pt>
+                <c:pt idx="12">
+                  <c:v>13</c:v>
+                </c:pt>
+                <c:pt idx="13">
+                  <c:v>14</c:v>
+                </c:pt>
+                <c:pt idx="14">
+                  <c:v>15</c:v>
+                </c:pt>
+                <c:pt idx="15">
+                  <c:v>16</c:v>
+                </c:pt>
+                <c:pt idx="16">
+                  <c:v>17</c:v>
+                </c:pt>
+                <c:pt idx="17">
+                  <c:v>18</c:v>
+                </c:pt>
+                <c:pt idx="18">
+                  <c:v>19</c:v>
+                </c:pt>
+                <c:pt idx="19">
+                  <c:v>20</c:v>
+                </c:pt>
+                <c:pt idx="20">
+                  <c:v>21</c:v>
+                </c:pt>
+                <c:pt idx="21">
+                  <c:v>22</c:v>
+                </c:pt>
+                <c:pt idx="22">
+                  <c:v>23</c:v>
+                </c:pt>
+                <c:pt idx="23">
+                  <c:v>24</c:v>
+                </c:pt>
+                <c:pt idx="24">
+                  <c:v>25</c:v>
+                </c:pt>
+                <c:pt idx="25">
+                  <c:v>26</c:v>
+                </c:pt>
+                <c:pt idx="26">
+                  <c:v>27</c:v>
+                </c:pt>
+                <c:pt idx="27">
+                  <c:v>28</c:v>
+                </c:pt>
+                <c:pt idx="28">
+                  <c:v>29</c:v>
+                </c:pt>
+                <c:pt idx="29">
+                  <c:v>30</c:v>
+                </c:pt>
+                <c:pt idx="30">
+                  <c:v>31</c:v>
+                </c:pt>
+                <c:pt idx="31">
+                  <c:v>32</c:v>
+                </c:pt>
+                <c:pt idx="32">
+                  <c:v>33</c:v>
+                </c:pt>
+                <c:pt idx="33">
+                  <c:v>34</c:v>
+                </c:pt>
+                <c:pt idx="34">
+                  <c:v>35</c:v>
+                </c:pt>
+                <c:pt idx="35">
+                  <c:v>36</c:v>
+                </c:pt>
+                <c:pt idx="36">
+                  <c:v>37</c:v>
+                </c:pt>
+                <c:pt idx="37">
+                  <c:v>38</c:v>
+                </c:pt>
+                <c:pt idx="38">
+                  <c:v>39</c:v>
+                </c:pt>
+                <c:pt idx="39">
+                  <c:v>40</c:v>
+                </c:pt>
+                <c:pt idx="40">
+                  <c:v>41</c:v>
+                </c:pt>
+                <c:pt idx="41">
+                  <c:v>42</c:v>
+                </c:pt>
+                <c:pt idx="42">
+                  <c:v>43</c:v>
+                </c:pt>
+                <c:pt idx="43">
+                  <c:v>44</c:v>
+                </c:pt>
+                <c:pt idx="44">
+                  <c:v>45</c:v>
+                </c:pt>
+                <c:pt idx="45">
+                  <c:v>46</c:v>
+                </c:pt>
+                <c:pt idx="46">
+                  <c:v>47</c:v>
+                </c:pt>
+                <c:pt idx="47">
+                  <c:v>48</c:v>
+                </c:pt>
+                <c:pt idx="48">
+                  <c:v>49</c:v>
+                </c:pt>
+                <c:pt idx="49">
+                  <c:v>50</c:v>
+                </c:pt>
+                <c:pt idx="50">
+                  <c:v>51</c:v>
+                </c:pt>
+                <c:pt idx="51">
+                  <c:v>52</c:v>
+                </c:pt>
+                <c:pt idx="52">
+                  <c:v>53</c:v>
+                </c:pt>
+                <c:pt idx="53">
+                  <c:v>54</c:v>
+                </c:pt>
+                <c:pt idx="54">
+                  <c:v>55</c:v>
+                </c:pt>
+                <c:pt idx="55">
+                  <c:v>56</c:v>
+                </c:pt>
+                <c:pt idx="56">
+                  <c:v>57</c:v>
+                </c:pt>
+                <c:pt idx="57">
+                  <c:v>58</c:v>
+                </c:pt>
+                <c:pt idx="58">
+                  <c:v>59</c:v>
+                </c:pt>
+                <c:pt idx="59">
+                  <c:v>60</c:v>
+                </c:pt>
+                <c:pt idx="60">
+                  <c:v>61</c:v>
+                </c:pt>
+                <c:pt idx="61">
+                  <c:v>62</c:v>
+                </c:pt>
+                <c:pt idx="62">
+                  <c:v>63</c:v>
+                </c:pt>
+                <c:pt idx="63">
+                  <c:v>64</c:v>
+                </c:pt>
+                <c:pt idx="64">
+                  <c:v>65</c:v>
+                </c:pt>
+                <c:pt idx="65">
+                  <c:v>66</c:v>
+                </c:pt>
+                <c:pt idx="66">
+                  <c:v>67</c:v>
+                </c:pt>
+                <c:pt idx="67">
+                  <c:v>68</c:v>
+                </c:pt>
+                <c:pt idx="68">
+                  <c:v>69</c:v>
+                </c:pt>
+                <c:pt idx="69">
+                  <c:v>70</c:v>
+                </c:pt>
+                <c:pt idx="70">
+                  <c:v>71</c:v>
+                </c:pt>
+                <c:pt idx="71">
+                  <c:v>72</c:v>
+                </c:pt>
+                <c:pt idx="72">
+                  <c:v>73</c:v>
+                </c:pt>
+                <c:pt idx="73">
+                  <c:v>74</c:v>
+                </c:pt>
+                <c:pt idx="74">
+                  <c:v>75</c:v>
+                </c:pt>
+                <c:pt idx="75">
+                  <c:v>76</c:v>
+                </c:pt>
+                <c:pt idx="76">
+                  <c:v>77</c:v>
+                </c:pt>
+                <c:pt idx="77">
+                  <c:v>78</c:v>
+                </c:pt>
+                <c:pt idx="78">
+                  <c:v>79</c:v>
+                </c:pt>
+                <c:pt idx="79">
+                  <c:v>80</c:v>
+                </c:pt>
+                <c:pt idx="80">
+                  <c:v>81</c:v>
+                </c:pt>
+                <c:pt idx="81">
+                  <c:v>82</c:v>
+                </c:pt>
+                <c:pt idx="82">
+                  <c:v>83</c:v>
+                </c:pt>
+                <c:pt idx="83">
+                  <c:v>84</c:v>
+                </c:pt>
+                <c:pt idx="84">
+                  <c:v>85</c:v>
+                </c:pt>
+                <c:pt idx="85">
+                  <c:v>86</c:v>
+                </c:pt>
+                <c:pt idx="86">
+                  <c:v>87</c:v>
+                </c:pt>
+                <c:pt idx="87">
+                  <c:v>88</c:v>
+                </c:pt>
+                <c:pt idx="88">
+                  <c:v>89</c:v>
+                </c:pt>
+                <c:pt idx="89">
+                  <c:v>90</c:v>
+                </c:pt>
+                <c:pt idx="90">
+                  <c:v>91</c:v>
+                </c:pt>
+                <c:pt idx="91">
+                  <c:v>92</c:v>
+                </c:pt>
+                <c:pt idx="92">
+                  <c:v>93</c:v>
+                </c:pt>
+                <c:pt idx="93">
+                  <c:v>94</c:v>
+                </c:pt>
+                <c:pt idx="94">
+                  <c:v>95</c:v>
+                </c:pt>
+                <c:pt idx="95">
+                  <c:v>96</c:v>
+                </c:pt>
+                <c:pt idx="96">
+                  <c:v>97</c:v>
+                </c:pt>
+                <c:pt idx="97">
+                  <c:v>98</c:v>
+                </c:pt>
+                <c:pt idx="98">
+                  <c:v>99</c:v>
+                </c:pt>
+                <c:pt idx="99">
+                  <c:v>100</c:v>
+                </c:pt>
+              </c:numCache>
+            </c:numRef>
+          </c:xVal>
+          <c:yVal>
+            <c:numRef>
+              <c:f>Planilha1!$S$2:$S$132</c:f>
+              <c:numCache>
+                <c:formatCode>General</c:formatCode>
+                <c:ptCount val="131"/>
+                <c:pt idx="0">
+                  <c:v>2</c:v>
+                </c:pt>
+                <c:pt idx="1">
+                  <c:v>2</c:v>
+                </c:pt>
+                <c:pt idx="2">
+                  <c:v>2</c:v>
+                </c:pt>
+                <c:pt idx="3">
+                  <c:v>2</c:v>
+                </c:pt>
+                <c:pt idx="4">
+                  <c:v>2</c:v>
+                </c:pt>
+                <c:pt idx="5">
+                  <c:v>2</c:v>
+                </c:pt>
+                <c:pt idx="6">
+                  <c:v>2</c:v>
+                </c:pt>
+                <c:pt idx="7">
+                  <c:v>2</c:v>
+                </c:pt>
+                <c:pt idx="8">
+                  <c:v>2</c:v>
+                </c:pt>
+                <c:pt idx="9">
+                  <c:v>2</c:v>
+                </c:pt>
+                <c:pt idx="10">
+                  <c:v>2</c:v>
+                </c:pt>
+                <c:pt idx="11">
+                  <c:v>2</c:v>
+                </c:pt>
+                <c:pt idx="12">
+                  <c:v>2</c:v>
+                </c:pt>
+                <c:pt idx="13">
+                  <c:v>2</c:v>
+                </c:pt>
+                <c:pt idx="14">
+                  <c:v>3</c:v>
+                </c:pt>
+                <c:pt idx="15">
+                  <c:v>3</c:v>
+                </c:pt>
+                <c:pt idx="16">
+                  <c:v>3</c:v>
+                </c:pt>
+                <c:pt idx="17">
+                  <c:v>3</c:v>
+                </c:pt>
+                <c:pt idx="18">
+                  <c:v>3</c:v>
+                </c:pt>
+                <c:pt idx="19">
+                  <c:v>3</c:v>
+                </c:pt>
+                <c:pt idx="20">
+                  <c:v>3</c:v>
+                </c:pt>
+                <c:pt idx="21">
+                  <c:v>3</c:v>
+                </c:pt>
+                <c:pt idx="22">
+                  <c:v>4</c:v>
+                </c:pt>
+                <c:pt idx="23">
+                  <c:v>4</c:v>
+                </c:pt>
+                <c:pt idx="24">
+                  <c:v>4</c:v>
+                </c:pt>
+                <c:pt idx="25">
+                  <c:v>4</c:v>
+                </c:pt>
+                <c:pt idx="26">
+                  <c:v>4</c:v>
+                </c:pt>
+                <c:pt idx="27">
+                  <c:v>4</c:v>
+                </c:pt>
+                <c:pt idx="28">
+                  <c:v>4</c:v>
+                </c:pt>
+                <c:pt idx="29">
+                  <c:v>4</c:v>
+                </c:pt>
+                <c:pt idx="30">
+                  <c:v>4</c:v>
+                </c:pt>
+                <c:pt idx="31">
+                  <c:v>4</c:v>
+                </c:pt>
+                <c:pt idx="32">
+                  <c:v>5</c:v>
+                </c:pt>
+                <c:pt idx="33">
+                  <c:v>5</c:v>
+                </c:pt>
+                <c:pt idx="34">
+                  <c:v>5</c:v>
+                </c:pt>
+                <c:pt idx="35">
+                  <c:v>5</c:v>
+                </c:pt>
+                <c:pt idx="36">
+                  <c:v>5</c:v>
+                </c:pt>
+                <c:pt idx="37">
+                  <c:v>5</c:v>
+                </c:pt>
+                <c:pt idx="38">
+                  <c:v>5</c:v>
+                </c:pt>
+                <c:pt idx="39">
+                  <c:v>5</c:v>
+                </c:pt>
+                <c:pt idx="40">
+                  <c:v>5</c:v>
+                </c:pt>
+                <c:pt idx="41">
+                  <c:v>5</c:v>
+                </c:pt>
+                <c:pt idx="42">
+                  <c:v>5</c:v>
+                </c:pt>
+                <c:pt idx="43">
+                  <c:v>5</c:v>
+                </c:pt>
+                <c:pt idx="44">
+                  <c:v>5</c:v>
+                </c:pt>
+                <c:pt idx="45">
+                  <c:v>6</c:v>
+                </c:pt>
+                <c:pt idx="46">
+                  <c:v>6</c:v>
+                </c:pt>
+                <c:pt idx="47">
+                  <c:v>6</c:v>
+                </c:pt>
+                <c:pt idx="48">
+                  <c:v>6</c:v>
+                </c:pt>
+                <c:pt idx="49">
+                  <c:v>6</c:v>
+                </c:pt>
+                <c:pt idx="50">
+                  <c:v>7</c:v>
+                </c:pt>
+                <c:pt idx="51">
+                  <c:v>7</c:v>
+                </c:pt>
+                <c:pt idx="52">
+                  <c:v>7</c:v>
+                </c:pt>
+                <c:pt idx="53">
+                  <c:v>7</c:v>
+                </c:pt>
+                <c:pt idx="54">
+                  <c:v>7</c:v>
+                </c:pt>
+                <c:pt idx="55">
+                  <c:v>7</c:v>
+                </c:pt>
+                <c:pt idx="56">
+                  <c:v>8</c:v>
+                </c:pt>
+                <c:pt idx="57">
+                  <c:v>8</c:v>
+                </c:pt>
+                <c:pt idx="58">
+                  <c:v>8</c:v>
+                </c:pt>
+                <c:pt idx="59">
+                  <c:v>9</c:v>
+                </c:pt>
+                <c:pt idx="60">
+                  <c:v>9</c:v>
+                </c:pt>
+                <c:pt idx="61">
+                  <c:v>9</c:v>
+                </c:pt>
+                <c:pt idx="62">
+                  <c:v>9</c:v>
+                </c:pt>
+                <c:pt idx="63">
+                  <c:v>9</c:v>
+                </c:pt>
+                <c:pt idx="64">
+                  <c:v>10</c:v>
+                </c:pt>
+                <c:pt idx="65">
+                  <c:v>10</c:v>
+                </c:pt>
+                <c:pt idx="66">
+                  <c:v>10</c:v>
+                </c:pt>
+                <c:pt idx="67">
+                  <c:v>10</c:v>
+                </c:pt>
+                <c:pt idx="68">
+                  <c:v>11</c:v>
+                </c:pt>
+                <c:pt idx="69">
+                  <c:v>11</c:v>
+                </c:pt>
+                <c:pt idx="70">
+                  <c:v>11</c:v>
+                </c:pt>
+                <c:pt idx="71">
+                  <c:v>11</c:v>
+                </c:pt>
+                <c:pt idx="72">
+                  <c:v>11</c:v>
+                </c:pt>
+                <c:pt idx="73">
+                  <c:v>11</c:v>
+                </c:pt>
+                <c:pt idx="74">
+                  <c:v>12</c:v>
+                </c:pt>
+                <c:pt idx="75">
+                  <c:v>13</c:v>
+                </c:pt>
+                <c:pt idx="76">
+                  <c:v>13</c:v>
+                </c:pt>
+                <c:pt idx="77">
+                  <c:v>13</c:v>
+                </c:pt>
+                <c:pt idx="78">
+                  <c:v>13</c:v>
+                </c:pt>
+                <c:pt idx="79">
+                  <c:v>14</c:v>
+                </c:pt>
+                <c:pt idx="80">
+                  <c:v>14</c:v>
+                </c:pt>
+                <c:pt idx="81">
+                  <c:v>15</c:v>
+                </c:pt>
+                <c:pt idx="82">
+                  <c:v>15</c:v>
+                </c:pt>
+                <c:pt idx="83">
+                  <c:v>16</c:v>
+                </c:pt>
+                <c:pt idx="84">
+                  <c:v>17</c:v>
+                </c:pt>
+                <c:pt idx="85">
+                  <c:v>18</c:v>
+                </c:pt>
+                <c:pt idx="86">
+                  <c:v>20</c:v>
+                </c:pt>
+                <c:pt idx="87">
+                  <c:v>20</c:v>
+                </c:pt>
+                <c:pt idx="88">
+                  <c:v>22</c:v>
+                </c:pt>
+                <c:pt idx="89">
+                  <c:v>22</c:v>
+                </c:pt>
+                <c:pt idx="90">
+                  <c:v>22</c:v>
+                </c:pt>
+                <c:pt idx="91">
+                  <c:v>25</c:v>
+                </c:pt>
+                <c:pt idx="92">
+                  <c:v>25</c:v>
+                </c:pt>
+                <c:pt idx="93">
+                  <c:v>28</c:v>
+                </c:pt>
+                <c:pt idx="94">
+                  <c:v>34</c:v>
+                </c:pt>
+                <c:pt idx="95">
+                  <c:v>37</c:v>
+                </c:pt>
+                <c:pt idx="96">
+                  <c:v>38</c:v>
+                </c:pt>
+                <c:pt idx="97">
+                  <c:v>40</c:v>
+                </c:pt>
+                <c:pt idx="98">
+                  <c:v>40</c:v>
+                </c:pt>
+                <c:pt idx="99">
+                  <c:v>54</c:v>
+                </c:pt>
+              </c:numCache>
+            </c:numRef>
+          </c:yVal>
+          <c:smooth val="0"/>
+          <c:extLst xmlns:c16r2="http://schemas.microsoft.com/office/drawing/2015/06/chart">
+            <c:ext xmlns:c16="http://schemas.microsoft.com/office/drawing/2014/chart" uri="{C3380CC4-5D6E-409C-BE32-E72D297353CC}">
+              <c16:uniqueId val="{00000001-264A-45DF-9E6B-5DE105C29114}"/>
+            </c:ext>
+          </c:extLst>
+        </c:ser>
+        <c:dLbls>
+          <c:showLegendKey val="0"/>
+          <c:showVal val="0"/>
+          <c:showCatName val="0"/>
+          <c:showSerName val="0"/>
+          <c:showPercent val="0"/>
+          <c:showBubbleSize val="0"/>
+        </c:dLbls>
+        <c:axId val="23872640"/>
+        <c:axId val="25589376"/>
+      </c:scatterChart>
+      <c:valAx>
+        <c:axId val="23872640"/>
+        <c:scaling>
+          <c:orientation val="minMax"/>
+        </c:scaling>
+        <c:delete val="0"/>
+        <c:axPos val="b"/>
+        <c:majorGridlines>
+          <c:spPr>
+            <a:ln w="9525" cap="flat" cmpd="sng" algn="ctr">
+              <a:solidFill>
+                <a:schemeClr val="tx1">
+                  <a:lumMod val="15000"/>
+                  <a:lumOff val="85000"/>
+                </a:schemeClr>
+              </a:solidFill>
+              <a:round/>
+            </a:ln>
+            <a:effectLst/>
+          </c:spPr>
+        </c:majorGridlines>
+        <c:numFmt formatCode="General" sourceLinked="1"/>
+        <c:majorTickMark val="none"/>
+        <c:minorTickMark val="none"/>
+        <c:tickLblPos val="nextTo"/>
+        <c:spPr>
+          <a:noFill/>
+          <a:ln w="9525" cap="flat" cmpd="sng" algn="ctr">
+            <a:solidFill>
+              <a:schemeClr val="tx1">
+                <a:lumMod val="25000"/>
+                <a:lumOff val="75000"/>
+              </a:schemeClr>
+            </a:solidFill>
+            <a:round/>
+          </a:ln>
+          <a:effectLst/>
+        </c:spPr>
+        <c:txPr>
+          <a:bodyPr rot="-60000000" spcFirstLastPara="1" vertOverflow="ellipsis" vert="horz" wrap="square" anchor="ctr" anchorCtr="1"/>
+          <a:lstStyle/>
+          <a:p>
+            <a:pPr>
+              <a:defRPr sz="900" b="0" i="0" u="none" strike="noStrike" kern="1200" baseline="0">
+                <a:solidFill>
+                  <a:schemeClr val="tx1">
+                    <a:lumMod val="65000"/>
+                    <a:lumOff val="35000"/>
+                  </a:schemeClr>
+                </a:solidFill>
+                <a:latin typeface="+mn-lt"/>
+                <a:ea typeface="+mn-ea"/>
+                <a:cs typeface="+mn-cs"/>
+              </a:defRPr>
+            </a:pPr>
+            <a:endParaRPr lang="pt-BR"/>
+          </a:p>
+        </c:txPr>
+        <c:crossAx val="25589376"/>
+        <c:crosses val="autoZero"/>
+        <c:crossBetween val="midCat"/>
+      </c:valAx>
+      <c:valAx>
+        <c:axId val="25589376"/>
+        <c:scaling>
+          <c:orientation val="minMax"/>
+        </c:scaling>
+        <c:delete val="0"/>
+        <c:axPos val="l"/>
+        <c:majorGridlines>
+          <c:spPr>
+            <a:ln w="9525" cap="flat" cmpd="sng" algn="ctr">
+              <a:solidFill>
+                <a:schemeClr val="tx1">
+                  <a:lumMod val="15000"/>
+                  <a:lumOff val="85000"/>
+                </a:schemeClr>
+              </a:solidFill>
+              <a:round/>
+            </a:ln>
+            <a:effectLst/>
+          </c:spPr>
+        </c:majorGridlines>
+        <c:numFmt formatCode="General" sourceLinked="1"/>
+        <c:majorTickMark val="none"/>
+        <c:minorTickMark val="none"/>
+        <c:tickLblPos val="nextTo"/>
+        <c:spPr>
+          <a:noFill/>
+          <a:ln w="9525" cap="flat" cmpd="sng" algn="ctr">
+            <a:solidFill>
+              <a:schemeClr val="tx1">
+                <a:lumMod val="25000"/>
+                <a:lumOff val="75000"/>
+              </a:schemeClr>
+            </a:solidFill>
+            <a:round/>
+          </a:ln>
+          <a:effectLst/>
+        </c:spPr>
+        <c:txPr>
+          <a:bodyPr rot="-60000000" spcFirstLastPara="1" vertOverflow="ellipsis" vert="horz" wrap="square" anchor="ctr" anchorCtr="1"/>
+          <a:lstStyle/>
+          <a:p>
+            <a:pPr>
+              <a:defRPr sz="900" b="0" i="0" u="none" strike="noStrike" kern="1200" baseline="0">
+                <a:solidFill>
+                  <a:schemeClr val="tx1">
+                    <a:lumMod val="65000"/>
+                    <a:lumOff val="35000"/>
+                  </a:schemeClr>
+                </a:solidFill>
+                <a:latin typeface="+mn-lt"/>
+                <a:ea typeface="+mn-ea"/>
+                <a:cs typeface="+mn-cs"/>
+              </a:defRPr>
+            </a:pPr>
+            <a:endParaRPr lang="pt-BR"/>
+          </a:p>
+        </c:txPr>
+        <c:crossAx val="23872640"/>
+        <c:crosses val="autoZero"/>
+        <c:crossBetween val="midCat"/>
+      </c:valAx>
+      <c:spPr>
+        <a:noFill/>
+        <a:ln>
+          <a:noFill/>
+        </a:ln>
+        <a:effectLst/>
+      </c:spPr>
+    </c:plotArea>
+    <c:legend>
+      <c:legendPos val="b"/>
+      <c:layout/>
+      <c:overlay val="0"/>
+      <c:spPr>
+        <a:noFill/>
+        <a:ln>
+          <a:noFill/>
+        </a:ln>
+        <a:effectLst/>
+      </c:spPr>
+      <c:txPr>
+        <a:bodyPr rot="0" spcFirstLastPara="1" vertOverflow="ellipsis" vert="horz" wrap="square" anchor="ctr" anchorCtr="1"/>
+        <a:lstStyle/>
+        <a:p>
+          <a:pPr>
+            <a:defRPr sz="900" b="0" i="0" u="none" strike="noStrike" kern="1200" baseline="0">
+              <a:solidFill>
+                <a:schemeClr val="tx1">
+                  <a:lumMod val="65000"/>
+                  <a:lumOff val="35000"/>
+                </a:schemeClr>
+              </a:solidFill>
+              <a:latin typeface="+mn-lt"/>
+              <a:ea typeface="+mn-ea"/>
+              <a:cs typeface="+mn-cs"/>
+            </a:defRPr>
+          </a:pPr>
+          <a:endParaRPr lang="pt-BR"/>
+        </a:p>
+      </c:txPr>
+    </c:legend>
+    <c:plotVisOnly val="1"/>
+    <c:dispBlanksAs val="gap"/>
+    <c:showDLblsOverMax val="0"/>
+  </c:chart>
+  <c:spPr>
+    <a:solidFill>
+      <a:schemeClr val="bg1"/>
+    </a:solidFill>
+    <a:ln w="9525" cap="flat" cmpd="sng" algn="ctr">
+      <a:solidFill>
+        <a:schemeClr val="tx1">
+          <a:lumMod val="15000"/>
+          <a:lumOff val="85000"/>
+        </a:schemeClr>
+      </a:solidFill>
+      <a:round/>
+    </a:ln>
+    <a:effectLst/>
+  </c:spPr>
+  <c:txPr>
+    <a:bodyPr/>
+    <a:lstStyle/>
+    <a:p>
+      <a:pPr>
+        <a:defRPr/>
+      </a:pPr>
+      <a:endParaRPr lang="pt-BR"/>
+    </a:p>
+  </c:txPr>
+  <c:externalData r:id="rId1">
     <c:autoUpdate val="0"/>
   </c:externalData>
 </c:chartSpace>
@@ -5943,7 +9978,6 @@
               <a:rPr lang="pt-BR"/>
               <a:t>Clique para editar o título mestre</a:t>
             </a:r>
-            <a:endParaRPr lang="pt-BR"/>
           </a:p>
         </p:txBody>
       </p:sp>
@@ -6008,7 +10042,6 @@
               <a:rPr lang="pt-BR"/>
               <a:t>Clique para editar o estilo do subtítulo Mestre</a:t>
             </a:r>
-            <a:endParaRPr lang="pt-BR"/>
           </a:p>
         </p:txBody>
       </p:sp>
@@ -6126,7 +10159,6 @@
               <a:rPr lang="pt-BR"/>
               <a:t>Clique para editar o título mestre</a:t>
             </a:r>
-            <a:endParaRPr lang="pt-BR"/>
           </a:p>
         </p:txBody>
       </p:sp>
@@ -6178,7 +10210,6 @@
               <a:rPr lang="pt-BR"/>
               <a:t>Quinto nível</a:t>
             </a:r>
-            <a:endParaRPr lang="pt-BR"/>
           </a:p>
         </p:txBody>
       </p:sp>
@@ -6301,7 +10332,6 @@
               <a:rPr lang="pt-BR"/>
               <a:t>Clique para editar o título mestre</a:t>
             </a:r>
-            <a:endParaRPr lang="pt-BR"/>
           </a:p>
         </p:txBody>
       </p:sp>
@@ -6358,7 +10388,6 @@
               <a:rPr lang="pt-BR"/>
               <a:t>Quinto nível</a:t>
             </a:r>
-            <a:endParaRPr lang="pt-BR"/>
           </a:p>
         </p:txBody>
       </p:sp>
@@ -6476,7 +10505,6 @@
               <a:rPr lang="pt-BR"/>
               <a:t>Clique para editar o título mestre</a:t>
             </a:r>
-            <a:endParaRPr lang="pt-BR"/>
           </a:p>
         </p:txBody>
       </p:sp>
@@ -6528,7 +10556,6 @@
               <a:rPr lang="pt-BR"/>
               <a:t>Quinto nível</a:t>
             </a:r>
-            <a:endParaRPr lang="pt-BR"/>
           </a:p>
         </p:txBody>
       </p:sp>
@@ -6655,7 +10682,6 @@
               <a:rPr lang="pt-BR"/>
               <a:t>Clique para editar o título mestre</a:t>
             </a:r>
-            <a:endParaRPr lang="pt-BR"/>
           </a:p>
         </p:txBody>
       </p:sp>
@@ -6892,7 +10918,6 @@
               <a:rPr lang="pt-BR"/>
               <a:t>Clique para editar o título mestre</a:t>
             </a:r>
-            <a:endParaRPr lang="pt-BR"/>
           </a:p>
         </p:txBody>
       </p:sp>
@@ -6949,7 +10974,6 @@
               <a:rPr lang="pt-BR"/>
               <a:t>Quinto nível</a:t>
             </a:r>
-            <a:endParaRPr lang="pt-BR"/>
           </a:p>
         </p:txBody>
       </p:sp>
@@ -7006,7 +11030,6 @@
               <a:rPr lang="pt-BR"/>
               <a:t>Quinto nível</a:t>
             </a:r>
-            <a:endParaRPr lang="pt-BR"/>
           </a:p>
         </p:txBody>
       </p:sp>
@@ -7129,7 +11152,6 @@
               <a:rPr lang="pt-BR"/>
               <a:t>Clique para editar o título mestre</a:t>
             </a:r>
-            <a:endParaRPr lang="pt-BR"/>
           </a:p>
         </p:txBody>
       </p:sp>
@@ -7251,7 +11273,6 @@
               <a:rPr lang="pt-BR"/>
               <a:t>Quinto nível</a:t>
             </a:r>
-            <a:endParaRPr lang="pt-BR"/>
           </a:p>
         </p:txBody>
       </p:sp>
@@ -7373,7 +11394,6 @@
               <a:rPr lang="pt-BR"/>
               <a:t>Quinto nível</a:t>
             </a:r>
-            <a:endParaRPr lang="pt-BR"/>
           </a:p>
         </p:txBody>
       </p:sp>
@@ -7491,7 +11511,6 @@
               <a:rPr lang="pt-BR"/>
               <a:t>Clique para editar o título mestre</a:t>
             </a:r>
-            <a:endParaRPr lang="pt-BR"/>
           </a:p>
         </p:txBody>
       </p:sp>
@@ -7713,7 +11732,6 @@
               <a:rPr lang="pt-BR"/>
               <a:t>Clique para editar o título mestre</a:t>
             </a:r>
-            <a:endParaRPr lang="pt-BR"/>
           </a:p>
         </p:txBody>
       </p:sp>
@@ -7798,7 +11816,6 @@
               <a:rPr lang="pt-BR"/>
               <a:t>Quinto nível</a:t>
             </a:r>
-            <a:endParaRPr lang="pt-BR"/>
           </a:p>
         </p:txBody>
       </p:sp>
@@ -7990,7 +12007,6 @@
               <a:rPr lang="pt-BR"/>
               <a:t>Clique para editar o título mestre</a:t>
             </a:r>
-            <a:endParaRPr lang="pt-BR"/>
           </a:p>
         </p:txBody>
       </p:sp>
@@ -8249,7 +12265,6 @@
               <a:rPr lang="pt-BR"/>
               <a:t>Clique para editar o título mestre</a:t>
             </a:r>
-            <a:endParaRPr lang="pt-BR"/>
           </a:p>
         </p:txBody>
       </p:sp>
@@ -8311,7 +12326,6 @@
               <a:rPr lang="pt-BR"/>
               <a:t>Quinto nível</a:t>
             </a:r>
-            <a:endParaRPr lang="pt-BR"/>
           </a:p>
         </p:txBody>
       </p:sp>
@@ -8922,6 +12936,190 @@
 </p:sld>
 </file>
 
+<file path=ppt/slides/slide10.xml><?xml version="1.0" encoding="utf-8"?>
+<p:sld xmlns:a="http://schemas.openxmlformats.org/drawingml/2006/main" xmlns:r="http://schemas.openxmlformats.org/officeDocument/2006/relationships" xmlns:p="http://schemas.openxmlformats.org/presentationml/2006/main">
+  <p:cSld>
+    <p:spTree>
+      <p:nvGrpSpPr>
+        <p:cNvPr id="1" name=""/>
+        <p:cNvGrpSpPr/>
+        <p:nvPr/>
+      </p:nvGrpSpPr>
+      <p:grpSpPr>
+        <a:xfrm>
+          <a:off x="0" y="0"/>
+          <a:ext cx="0" cy="0"/>
+          <a:chOff x="0" y="0"/>
+          <a:chExt cx="0" cy="0"/>
+        </a:xfrm>
+      </p:grpSpPr>
+      <p:sp>
+        <p:nvSpPr>
+          <p:cNvPr id="2" name="Título 1"/>
+          <p:cNvSpPr>
+            <a:spLocks noGrp="1"/>
+          </p:cNvSpPr>
+          <p:nvPr>
+            <p:ph type="title"/>
+          </p:nvPr>
+        </p:nvSpPr>
+        <p:spPr/>
+        <p:txBody>
+          <a:bodyPr/>
+          <a:lstStyle/>
+          <a:p>
+            <a:endParaRPr lang="pt-BR"/>
+          </a:p>
+        </p:txBody>
+      </p:sp>
+      <p:sp>
+        <p:nvSpPr>
+          <p:cNvPr id="3" name="Espaço Reservado para Conteúdo 2"/>
+          <p:cNvSpPr>
+            <a:spLocks noGrp="1"/>
+          </p:cNvSpPr>
+          <p:nvPr>
+            <p:ph idx="1"/>
+          </p:nvPr>
+        </p:nvSpPr>
+        <p:spPr/>
+        <p:txBody>
+          <a:bodyPr/>
+          <a:lstStyle/>
+          <a:p>
+            <a:endParaRPr lang="pt-BR"/>
+          </a:p>
+        </p:txBody>
+      </p:sp>
+      <p:graphicFrame>
+        <p:nvGraphicFramePr>
+          <p:cNvPr id="4" name="Gráfico 3"/>
+          <p:cNvGraphicFramePr>
+            <a:graphicFrameLocks/>
+          </p:cNvGraphicFramePr>
+          <p:nvPr>
+            <p:extLst>
+              <p:ext uri="{D42A27DB-BD31-4B8C-83A1-F6EECF244321}">
+                <p14:modId xmlns:p14="http://schemas.microsoft.com/office/powerpoint/2010/main" val="3233032019"/>
+              </p:ext>
+            </p:extLst>
+          </p:nvPr>
+        </p:nvGraphicFramePr>
+        <p:xfrm>
+          <a:off x="838200" y="365125"/>
+          <a:ext cx="10515600" cy="5811838"/>
+        </p:xfrm>
+        <a:graphic>
+          <a:graphicData uri="http://schemas.openxmlformats.org/drawingml/2006/chart">
+            <c:chart xmlns:c="http://schemas.openxmlformats.org/drawingml/2006/chart" xmlns:r="http://schemas.openxmlformats.org/officeDocument/2006/relationships" r:id="rId2"/>
+          </a:graphicData>
+        </a:graphic>
+      </p:graphicFrame>
+    </p:spTree>
+    <p:extLst>
+      <p:ext uri="{BB962C8B-B14F-4D97-AF65-F5344CB8AC3E}">
+        <p14:creationId xmlns:p14="http://schemas.microsoft.com/office/powerpoint/2010/main" val="1586815475"/>
+      </p:ext>
+    </p:extLst>
+  </p:cSld>
+  <p:clrMapOvr>
+    <a:masterClrMapping/>
+  </p:clrMapOvr>
+</p:sld>
+</file>
+
+<file path=ppt/slides/slide11.xml><?xml version="1.0" encoding="utf-8"?>
+<p:sld xmlns:a="http://schemas.openxmlformats.org/drawingml/2006/main" xmlns:r="http://schemas.openxmlformats.org/officeDocument/2006/relationships" xmlns:p="http://schemas.openxmlformats.org/presentationml/2006/main">
+  <p:cSld>
+    <p:spTree>
+      <p:nvGrpSpPr>
+        <p:cNvPr id="1" name=""/>
+        <p:cNvGrpSpPr/>
+        <p:nvPr/>
+      </p:nvGrpSpPr>
+      <p:grpSpPr>
+        <a:xfrm>
+          <a:off x="0" y="0"/>
+          <a:ext cx="0" cy="0"/>
+          <a:chOff x="0" y="0"/>
+          <a:chExt cx="0" cy="0"/>
+        </a:xfrm>
+      </p:grpSpPr>
+      <p:sp>
+        <p:nvSpPr>
+          <p:cNvPr id="2" name="Título 1"/>
+          <p:cNvSpPr>
+            <a:spLocks noGrp="1"/>
+          </p:cNvSpPr>
+          <p:nvPr>
+            <p:ph type="title"/>
+          </p:nvPr>
+        </p:nvSpPr>
+        <p:spPr/>
+        <p:txBody>
+          <a:bodyPr/>
+          <a:lstStyle/>
+          <a:p>
+            <a:endParaRPr lang="pt-BR"/>
+          </a:p>
+        </p:txBody>
+      </p:sp>
+      <p:sp>
+        <p:nvSpPr>
+          <p:cNvPr id="3" name="Espaço Reservado para Conteúdo 2"/>
+          <p:cNvSpPr>
+            <a:spLocks noGrp="1"/>
+          </p:cNvSpPr>
+          <p:nvPr>
+            <p:ph idx="1"/>
+          </p:nvPr>
+        </p:nvSpPr>
+        <p:spPr/>
+        <p:txBody>
+          <a:bodyPr/>
+          <a:lstStyle/>
+          <a:p>
+            <a:endParaRPr lang="pt-BR"/>
+          </a:p>
+        </p:txBody>
+      </p:sp>
+      <p:graphicFrame>
+        <p:nvGraphicFramePr>
+          <p:cNvPr id="4" name="Gráfico 3"/>
+          <p:cNvGraphicFramePr>
+            <a:graphicFrameLocks/>
+          </p:cNvGraphicFramePr>
+          <p:nvPr>
+            <p:extLst>
+              <p:ext uri="{D42A27DB-BD31-4B8C-83A1-F6EECF244321}">
+                <p14:modId xmlns:p14="http://schemas.microsoft.com/office/powerpoint/2010/main" val="3070286792"/>
+              </p:ext>
+            </p:extLst>
+          </p:nvPr>
+        </p:nvGraphicFramePr>
+        <p:xfrm>
+          <a:off x="844062" y="363415"/>
+          <a:ext cx="10503876" cy="5802923"/>
+        </p:xfrm>
+        <a:graphic>
+          <a:graphicData uri="http://schemas.openxmlformats.org/drawingml/2006/chart">
+            <c:chart xmlns:c="http://schemas.openxmlformats.org/drawingml/2006/chart" xmlns:r="http://schemas.openxmlformats.org/officeDocument/2006/relationships" r:id="rId2"/>
+          </a:graphicData>
+        </a:graphic>
+      </p:graphicFrame>
+    </p:spTree>
+    <p:extLst>
+      <p:ext uri="{BB962C8B-B14F-4D97-AF65-F5344CB8AC3E}">
+        <p14:creationId xmlns:p14="http://schemas.microsoft.com/office/powerpoint/2010/main" val="644158283"/>
+      </p:ext>
+    </p:extLst>
+  </p:cSld>
+  <p:clrMapOvr>
+    <a:masterClrMapping/>
+  </p:clrMapOvr>
+</p:sld>
+</file>
+
 <file path=ppt/slides/slide2.xml><?xml version="1.0" encoding="utf-8"?>
 <p:sld xmlns:a="http://schemas.openxmlformats.org/drawingml/2006/main" xmlns:r="http://schemas.openxmlformats.org/officeDocument/2006/relationships" xmlns:p="http://schemas.openxmlformats.org/presentationml/2006/main">
   <p:cSld>
@@ -9307,6 +13505,86 @@
           <a:bodyPr/>
           <a:lstStyle/>
           <a:p>
+            <a:r>
+              <a:rPr lang="pt-BR" dirty="0" smtClean="0"/>
+              <a:t>Simulando</a:t>
+            </a:r>
+            <a:endParaRPr lang="pt-BR" dirty="0"/>
+          </a:p>
+        </p:txBody>
+      </p:sp>
+      <p:sp>
+        <p:nvSpPr>
+          <p:cNvPr id="3" name="Espaço Reservado para Conteúdo 2"/>
+          <p:cNvSpPr>
+            <a:spLocks noGrp="1"/>
+          </p:cNvSpPr>
+          <p:nvPr>
+            <p:ph idx="1"/>
+          </p:nvPr>
+        </p:nvSpPr>
+        <p:spPr/>
+        <p:txBody>
+          <a:bodyPr/>
+          <a:lstStyle/>
+          <a:p>
+            <a:pPr>
+              <a:buFont typeface="Courier New" panose="02070309020205020404" pitchFamily="49" charset="0"/>
+              <a:buChar char="o"/>
+            </a:pPr>
+            <a:r>
+              <a:rPr lang="pt-BR" dirty="0" smtClean="0"/>
+              <a:t>2+weibull(8.25,0.764)</a:t>
+            </a:r>
+            <a:endParaRPr lang="pt-BR" dirty="0"/>
+          </a:p>
+        </p:txBody>
+      </p:sp>
+    </p:spTree>
+    <p:extLst>
+      <p:ext uri="{BB962C8B-B14F-4D97-AF65-F5344CB8AC3E}">
+        <p14:creationId xmlns:p14="http://schemas.microsoft.com/office/powerpoint/2010/main" val="918058491"/>
+      </p:ext>
+    </p:extLst>
+  </p:cSld>
+  <p:clrMapOvr>
+    <a:masterClrMapping/>
+  </p:clrMapOvr>
+</p:sld>
+</file>
+
+<file path=ppt/slides/slide6.xml><?xml version="1.0" encoding="utf-8"?>
+<p:sld xmlns:a="http://schemas.openxmlformats.org/drawingml/2006/main" xmlns:r="http://schemas.openxmlformats.org/officeDocument/2006/relationships" xmlns:p="http://schemas.openxmlformats.org/presentationml/2006/main">
+  <p:cSld>
+    <p:spTree>
+      <p:nvGrpSpPr>
+        <p:cNvPr id="1" name=""/>
+        <p:cNvGrpSpPr/>
+        <p:nvPr/>
+      </p:nvGrpSpPr>
+      <p:grpSpPr>
+        <a:xfrm>
+          <a:off x="0" y="0"/>
+          <a:ext cx="0" cy="0"/>
+          <a:chOff x="0" y="0"/>
+          <a:chExt cx="0" cy="0"/>
+        </a:xfrm>
+      </p:grpSpPr>
+      <p:sp>
+        <p:nvSpPr>
+          <p:cNvPr id="2" name="Título 1"/>
+          <p:cNvSpPr>
+            <a:spLocks noGrp="1"/>
+          </p:cNvSpPr>
+          <p:nvPr>
+            <p:ph type="title"/>
+          </p:nvPr>
+        </p:nvSpPr>
+        <p:spPr/>
+        <p:txBody>
+          <a:bodyPr/>
+          <a:lstStyle/>
+          <a:p>
             <a:endParaRPr lang="pt-BR"/>
           </a:p>
         </p:txBody>
@@ -9367,7 +13645,99 @@
 </p:sld>
 </file>
 
-<file path=ppt/slides/slide6.xml><?xml version="1.0" encoding="utf-8"?>
+<file path=ppt/slides/slide7.xml><?xml version="1.0" encoding="utf-8"?>
+<p:sld xmlns:a="http://schemas.openxmlformats.org/drawingml/2006/main" xmlns:r="http://schemas.openxmlformats.org/officeDocument/2006/relationships" xmlns:p="http://schemas.openxmlformats.org/presentationml/2006/main">
+  <p:cSld>
+    <p:spTree>
+      <p:nvGrpSpPr>
+        <p:cNvPr id="1" name=""/>
+        <p:cNvGrpSpPr/>
+        <p:nvPr/>
+      </p:nvGrpSpPr>
+      <p:grpSpPr>
+        <a:xfrm>
+          <a:off x="0" y="0"/>
+          <a:ext cx="0" cy="0"/>
+          <a:chOff x="0" y="0"/>
+          <a:chExt cx="0" cy="0"/>
+        </a:xfrm>
+      </p:grpSpPr>
+      <p:sp>
+        <p:nvSpPr>
+          <p:cNvPr id="2" name="Título 1"/>
+          <p:cNvSpPr>
+            <a:spLocks noGrp="1"/>
+          </p:cNvSpPr>
+          <p:nvPr>
+            <p:ph type="title"/>
+          </p:nvPr>
+        </p:nvSpPr>
+        <p:spPr/>
+        <p:txBody>
+          <a:bodyPr/>
+          <a:lstStyle/>
+          <a:p>
+            <a:endParaRPr lang="pt-BR"/>
+          </a:p>
+        </p:txBody>
+      </p:sp>
+      <p:sp>
+        <p:nvSpPr>
+          <p:cNvPr id="3" name="Espaço Reservado para Conteúdo 2"/>
+          <p:cNvSpPr>
+            <a:spLocks noGrp="1"/>
+          </p:cNvSpPr>
+          <p:nvPr>
+            <p:ph idx="1"/>
+          </p:nvPr>
+        </p:nvSpPr>
+        <p:spPr/>
+        <p:txBody>
+          <a:bodyPr/>
+          <a:lstStyle/>
+          <a:p>
+            <a:endParaRPr lang="pt-BR"/>
+          </a:p>
+        </p:txBody>
+      </p:sp>
+      <p:graphicFrame>
+        <p:nvGraphicFramePr>
+          <p:cNvPr id="4" name="Gráfico 3"/>
+          <p:cNvGraphicFramePr>
+            <a:graphicFrameLocks/>
+          </p:cNvGraphicFramePr>
+          <p:nvPr>
+            <p:extLst>
+              <p:ext uri="{D42A27DB-BD31-4B8C-83A1-F6EECF244321}">
+                <p14:modId xmlns:p14="http://schemas.microsoft.com/office/powerpoint/2010/main" val="71896049"/>
+              </p:ext>
+            </p:extLst>
+          </p:nvPr>
+        </p:nvGraphicFramePr>
+        <p:xfrm>
+          <a:off x="844062" y="375138"/>
+          <a:ext cx="10503875" cy="5802923"/>
+        </p:xfrm>
+        <a:graphic>
+          <a:graphicData uri="http://schemas.openxmlformats.org/drawingml/2006/chart">
+            <c:chart xmlns:c="http://schemas.openxmlformats.org/drawingml/2006/chart" xmlns:r="http://schemas.openxmlformats.org/officeDocument/2006/relationships" r:id="rId2"/>
+          </a:graphicData>
+        </a:graphic>
+      </p:graphicFrame>
+    </p:spTree>
+    <p:extLst>
+      <p:ext uri="{BB962C8B-B14F-4D97-AF65-F5344CB8AC3E}">
+        <p14:creationId xmlns:p14="http://schemas.microsoft.com/office/powerpoint/2010/main" val="2808169514"/>
+      </p:ext>
+    </p:extLst>
+  </p:cSld>
+  <p:clrMapOvr>
+    <a:masterClrMapping/>
+  </p:clrMapOvr>
+</p:sld>
+</file>
+
+<file path=ppt/slides/slide8.xml><?xml version="1.0" encoding="utf-8"?>
 <p:sld xmlns:a="http://schemas.openxmlformats.org/drawingml/2006/main" xmlns:r="http://schemas.openxmlformats.org/officeDocument/2006/relationships" xmlns:p="http://schemas.openxmlformats.org/presentationml/2006/main">
   <p:cSld>
     <p:spTree>
@@ -9459,7 +13829,7 @@
 </p:sld>
 </file>
 
-<file path=ppt/slides/slide7.xml><?xml version="1.0" encoding="utf-8"?>
+<file path=ppt/slides/slide9.xml><?xml version="1.0" encoding="utf-8"?>
 <p:sld xmlns:a="http://schemas.openxmlformats.org/drawingml/2006/main" xmlns:r="http://schemas.openxmlformats.org/officeDocument/2006/relationships" xmlns:p="http://schemas.openxmlformats.org/presentationml/2006/main">
   <p:cSld>
     <p:spTree>
@@ -9523,14 +13893,14 @@
           <p:nvPr>
             <p:extLst>
               <p:ext uri="{D42A27DB-BD31-4B8C-83A1-F6EECF244321}">
-                <p14:modId xmlns:p14="http://schemas.microsoft.com/office/powerpoint/2010/main" val="3233032019"/>
+                <p14:modId xmlns:p14="http://schemas.microsoft.com/office/powerpoint/2010/main" val="2798874826"/>
               </p:ext>
             </p:extLst>
           </p:nvPr>
         </p:nvGraphicFramePr>
         <p:xfrm>
-          <a:off x="838200" y="365125"/>
-          <a:ext cx="10515600" cy="5811838"/>
+          <a:off x="859997" y="363781"/>
+          <a:ext cx="10511387" cy="5814281"/>
         </p:xfrm>
         <a:graphic>
           <a:graphicData uri="http://schemas.openxmlformats.org/drawingml/2006/chart">
@@ -9541,7 +13911,7 @@
     </p:spTree>
     <p:extLst>
       <p:ext uri="{BB962C8B-B14F-4D97-AF65-F5344CB8AC3E}">
-        <p14:creationId xmlns:p14="http://schemas.microsoft.com/office/powerpoint/2010/main" val="1586815475"/>
+        <p14:creationId xmlns:p14="http://schemas.microsoft.com/office/powerpoint/2010/main" val="2250704758"/>
       </p:ext>
     </p:extLst>
   </p:cSld>
@@ -9840,7 +14210,7 @@
   <a:extraClrSchemeLst/>
   <a:extLst>
     <a:ext uri="{05A4C25C-085E-4340-85A3-A5531E510DB2}">
-      <thm15:themeFamily xmlns:thm15="http://schemas.microsoft.com/office/thememl/2012/main" name="Office Theme" id="{62F939B6-93AF-4DB8-9C6B-D6C7DFDC589F}" vid="{4A3C46E8-61CC-4603-A589-7422A47A8E4A}"/>
+      <thm15:themeFamily xmlns:thm15="http://schemas.microsoft.com/office/thememl/2012/main" xmlns="" name="Office Theme" id="{62F939B6-93AF-4DB8-9C6B-D6C7DFDC589F}" vid="{4A3C46E8-61CC-4603-A589-7422A47A8E4A}"/>
     </a:ext>
   </a:extLst>
 </a:theme>
